--- a/Brief on PWA.pptx
+++ b/Brief on PWA.pptx
@@ -5,10 +5,10 @@
     <p:sldMasterId id="2147483648" r:id="rId1"/>
   </p:sldMasterIdLst>
   <p:notesMasterIdLst>
-    <p:notesMasterId r:id="rId22"/>
+    <p:notesMasterId r:id="rId23"/>
   </p:notesMasterIdLst>
   <p:handoutMasterIdLst>
-    <p:handoutMasterId r:id="rId23"/>
+    <p:handoutMasterId r:id="rId24"/>
   </p:handoutMasterIdLst>
   <p:sldIdLst>
     <p:sldId id="256" r:id="rId3"/>
@@ -28,8 +28,9 @@
     <p:sldId id="311" r:id="rId17"/>
     <p:sldId id="312" r:id="rId18"/>
     <p:sldId id="315" r:id="rId19"/>
-    <p:sldId id="313" r:id="rId20"/>
-    <p:sldId id="304" r:id="rId21"/>
+    <p:sldId id="318" r:id="rId20"/>
+    <p:sldId id="313" r:id="rId21"/>
+    <p:sldId id="304" r:id="rId22"/>
   </p:sldIdLst>
   <p:sldSz cx="12192000" cy="6858000"/>
   <p:notesSz cx="6858000" cy="9144000"/>
@@ -1444,7 +1445,7 @@
             <a:spLocks noGrp="1"/>
           </p:cNvSpPr>
           <p:nvPr>
-            <p:ph idx="1" hasCustomPrompt="1"/>
+            <p:ph idx="1"/>
           </p:nvPr>
         </p:nvSpPr>
         <p:spPr/>
@@ -1942,6 +1943,173 @@
 </p:sldLayout>
 </file>
 
+<file path=ppt/slideLayouts/slideLayout4.xml><?xml version="1.0" encoding="utf-8"?>
+<p:sldLayout xmlns:a="http://schemas.openxmlformats.org/drawingml/2006/main" xmlns:r="http://schemas.openxmlformats.org/officeDocument/2006/relationships" xmlns:p="http://schemas.openxmlformats.org/presentationml/2006/main" type="obj" preserve="1">
+  <p:cSld name="Title and Content">
+    <p:spTree>
+      <p:nvGrpSpPr>
+        <p:cNvPr id="1" name=""/>
+        <p:cNvGrpSpPr/>
+        <p:nvPr/>
+      </p:nvGrpSpPr>
+      <p:grpSpPr>
+        <a:xfrm>
+          <a:off x="0" y="0"/>
+          <a:ext cx="0" cy="0"/>
+          <a:chOff x="0" y="0"/>
+          <a:chExt cx="0" cy="0"/>
+        </a:xfrm>
+      </p:grpSpPr>
+      <p:sp>
+        <p:nvSpPr>
+          <p:cNvPr id="2" name="Title 1"/>
+          <p:cNvSpPr>
+            <a:spLocks noGrp="1"/>
+          </p:cNvSpPr>
+          <p:nvPr>
+            <p:ph type="title"/>
+          </p:nvPr>
+        </p:nvSpPr>
+        <p:spPr/>
+        <p:txBody>
+          <a:bodyPr/>
+          <a:lstStyle/>
+          <a:p>
+            <a:r>
+              <a:rPr lang="en-US" smtClean="0"/>
+              <a:t>Click to edit Master title style</a:t>
+            </a:r>
+            <a:endParaRPr lang="en-US"/>
+          </a:p>
+        </p:txBody>
+      </p:sp>
+      <p:sp>
+        <p:nvSpPr>
+          <p:cNvPr id="3" name="Content Placeholder 2"/>
+          <p:cNvSpPr>
+            <a:spLocks noGrp="1"/>
+          </p:cNvSpPr>
+          <p:nvPr>
+            <p:ph idx="1"/>
+          </p:nvPr>
+        </p:nvSpPr>
+        <p:spPr/>
+        <p:txBody>
+          <a:bodyPr/>
+          <a:lstStyle/>
+          <a:p>
+            <a:pPr lvl="0"/>
+            <a:r>
+              <a:rPr lang="en-US" smtClean="0"/>
+              <a:t>Click to edit Master text styles</a:t>
+            </a:r>
+            <a:endParaRPr lang="en-US" smtClean="0"/>
+          </a:p>
+          <a:p>
+            <a:pPr lvl="1"/>
+            <a:r>
+              <a:rPr lang="en-US" smtClean="0"/>
+              <a:t>Second level</a:t>
+            </a:r>
+            <a:endParaRPr lang="en-US" smtClean="0"/>
+          </a:p>
+          <a:p>
+            <a:pPr lvl="2"/>
+            <a:r>
+              <a:rPr lang="en-US" smtClean="0"/>
+              <a:t>Third level</a:t>
+            </a:r>
+            <a:endParaRPr lang="en-US" smtClean="0"/>
+          </a:p>
+          <a:p>
+            <a:pPr lvl="3"/>
+            <a:r>
+              <a:rPr lang="en-US" smtClean="0"/>
+              <a:t>Fourth level</a:t>
+            </a:r>
+            <a:endParaRPr lang="en-US" smtClean="0"/>
+          </a:p>
+          <a:p>
+            <a:pPr lvl="4"/>
+            <a:r>
+              <a:rPr lang="en-US" smtClean="0"/>
+              <a:t>Fifth level</a:t>
+            </a:r>
+            <a:endParaRPr lang="en-US"/>
+          </a:p>
+        </p:txBody>
+      </p:sp>
+      <p:sp>
+        <p:nvSpPr>
+          <p:cNvPr id="4" name="Date Placeholder 3"/>
+          <p:cNvSpPr>
+            <a:spLocks noGrp="1"/>
+          </p:cNvSpPr>
+          <p:nvPr>
+            <p:ph type="dt" sz="half" idx="10"/>
+          </p:nvPr>
+        </p:nvSpPr>
+        <p:spPr/>
+        <p:txBody>
+          <a:bodyPr/>
+          <a:lstStyle/>
+          <a:p>
+            <a:fld id="{FDE934FF-F4E1-47C5-9CA5-30A81DDE2BE4}" type="datetimeFigureOut">
+              <a:rPr lang="en-US" smtClean="0"/>
+            </a:fld>
+            <a:endParaRPr lang="en-US"/>
+          </a:p>
+        </p:txBody>
+      </p:sp>
+      <p:sp>
+        <p:nvSpPr>
+          <p:cNvPr id="5" name="Footer Placeholder 4"/>
+          <p:cNvSpPr>
+            <a:spLocks noGrp="1"/>
+          </p:cNvSpPr>
+          <p:nvPr>
+            <p:ph type="ftr" sz="quarter" idx="11"/>
+          </p:nvPr>
+        </p:nvSpPr>
+        <p:spPr/>
+        <p:txBody>
+          <a:bodyPr/>
+          <a:lstStyle/>
+          <a:p>
+            <a:endParaRPr lang="en-US"/>
+          </a:p>
+        </p:txBody>
+      </p:sp>
+      <p:sp>
+        <p:nvSpPr>
+          <p:cNvPr id="6" name="Slide Number Placeholder 5"/>
+          <p:cNvSpPr>
+            <a:spLocks noGrp="1"/>
+          </p:cNvSpPr>
+          <p:nvPr>
+            <p:ph type="sldNum" sz="quarter" idx="12"/>
+          </p:nvPr>
+        </p:nvSpPr>
+        <p:spPr/>
+        <p:txBody>
+          <a:bodyPr/>
+          <a:lstStyle/>
+          <a:p>
+            <a:fld id="{B3561BA9-CDCF-4958-B8AB-66F3BF063E13}" type="slidenum">
+              <a:rPr lang="en-US" smtClean="0"/>
+            </a:fld>
+            <a:endParaRPr lang="en-US"/>
+          </a:p>
+        </p:txBody>
+      </p:sp>
+    </p:spTree>
+  </p:cSld>
+  <p:clrMapOvr>
+    <a:masterClrMapping/>
+  </p:clrMapOvr>
+</p:sldLayout>
+</file>
+
 <file path=ppt/slideMasters/slideMaster1.xml><?xml version="1.0" encoding="utf-8"?>
 <p:sldMaster xmlns:a="http://schemas.openxmlformats.org/drawingml/2006/main" xmlns:r="http://schemas.openxmlformats.org/officeDocument/2006/relationships" xmlns:p="http://schemas.openxmlformats.org/presentationml/2006/main">
   <p:cSld>
@@ -2326,6 +2494,7 @@
     <p:sldLayoutId id="2147483649" r:id="rId1"/>
     <p:sldLayoutId id="2147483650" r:id="rId2"/>
     <p:sldLayoutId id="2147483651" r:id="rId3"/>
+    <p:sldLayoutId id="2147483652" r:id="rId4"/>
   </p:sldLayoutIdLst>
   <p:hf sldNum="0" hdr="0" ftr="0" dt="0"/>
   <p:txStyles>
@@ -2356,7 +2525,7 @@
         <a:spcBef>
           <a:spcPts val="1000"/>
         </a:spcBef>
-        <a:buFont typeface="Arial" panose="020B0604020202020204" pitchFamily="34" charset="0"/>
+        <a:buFont typeface="Arial" charset="0"/>
         <a:buChar char="•"/>
         <a:defRPr sz="2800" kern="1200">
           <a:solidFill>
@@ -2374,7 +2543,7 @@
         <a:spcBef>
           <a:spcPts val="500"/>
         </a:spcBef>
-        <a:buFont typeface="Arial" panose="020B0604020202020204" pitchFamily="34" charset="0"/>
+        <a:buFont typeface="Arial" charset="0"/>
         <a:buChar char="•"/>
         <a:defRPr sz="2400" kern="1200">
           <a:solidFill>
@@ -2392,7 +2561,7 @@
         <a:spcBef>
           <a:spcPts val="500"/>
         </a:spcBef>
-        <a:buFont typeface="Arial" panose="020B0604020202020204" pitchFamily="34" charset="0"/>
+        <a:buFont typeface="Arial" charset="0"/>
         <a:buChar char="•"/>
         <a:defRPr sz="2000" kern="1200">
           <a:solidFill>
@@ -2410,7 +2579,7 @@
         <a:spcBef>
           <a:spcPts val="500"/>
         </a:spcBef>
-        <a:buFont typeface="Arial" panose="020B0604020202020204" pitchFamily="34" charset="0"/>
+        <a:buFont typeface="Arial" charset="0"/>
         <a:buChar char="•"/>
         <a:defRPr sz="1800" kern="1200">
           <a:solidFill>
@@ -2428,7 +2597,7 @@
         <a:spcBef>
           <a:spcPts val="500"/>
         </a:spcBef>
-        <a:buFont typeface="Arial" panose="020B0604020202020204" pitchFamily="34" charset="0"/>
+        <a:buFont typeface="Arial" charset="0"/>
         <a:buChar char="•"/>
         <a:defRPr sz="1800" kern="1200">
           <a:solidFill>
@@ -2446,7 +2615,7 @@
         <a:spcBef>
           <a:spcPts val="500"/>
         </a:spcBef>
-        <a:buFont typeface="Arial" panose="020B0604020202020204" pitchFamily="34" charset="0"/>
+        <a:buFont typeface="Arial" charset="0"/>
         <a:buChar char="•"/>
         <a:defRPr sz="1800" kern="1200">
           <a:solidFill>
@@ -2464,7 +2633,7 @@
         <a:spcBef>
           <a:spcPts val="500"/>
         </a:spcBef>
-        <a:buFont typeface="Arial" panose="020B0604020202020204" pitchFamily="34" charset="0"/>
+        <a:buFont typeface="Arial" charset="0"/>
         <a:buChar char="•"/>
         <a:defRPr sz="1800" kern="1200">
           <a:solidFill>
@@ -2482,7 +2651,7 @@
         <a:spcBef>
           <a:spcPts val="500"/>
         </a:spcBef>
-        <a:buFont typeface="Arial" panose="020B0604020202020204" pitchFamily="34" charset="0"/>
+        <a:buFont typeface="Arial" charset="0"/>
         <a:buChar char="•"/>
         <a:defRPr sz="1800" kern="1200">
           <a:solidFill>
@@ -2500,7 +2669,7 @@
         <a:spcBef>
           <a:spcPts val="500"/>
         </a:spcBef>
-        <a:buFont typeface="Arial" panose="020B0604020202020204" pitchFamily="34" charset="0"/>
+        <a:buFont typeface="Arial" charset="0"/>
         <a:buChar char="•"/>
         <a:defRPr sz="1800" kern="1200">
           <a:solidFill>
@@ -3201,7 +3370,7 @@
                 <a:solidFill>
                   <a:schemeClr val="bg1"/>
                 </a:solidFill>
-                <a:latin typeface="Impact" panose="020B0806030902050204" pitchFamily="34" charset="0"/>
+                <a:latin typeface="Impact" pitchFamily="34" charset="0"/>
                 <a:ea typeface="+mn-ea"/>
                 <a:cs typeface="+mn-cs"/>
                 <a:sym typeface="+mn-ea"/>
@@ -3212,7 +3381,7 @@
               <a:solidFill>
                 <a:schemeClr val="bg1"/>
               </a:solidFill>
-              <a:latin typeface="Impact" panose="020B0806030902050204" pitchFamily="34" charset="0"/>
+              <a:latin typeface="Impact" pitchFamily="34" charset="0"/>
               <a:ea typeface="+mn-ea"/>
               <a:cs typeface="+mn-cs"/>
               <a:sym typeface="+mn-ea"/>
@@ -4406,11 +4575,7 @@
           <a:p>
             <a:r>
               <a:rPr lang="zh-CN" altLang="en-US"/>
-              <a:t>开发辅助</a:t>
-            </a:r>
-            <a:r>
-              <a:rPr lang="zh-CN" altLang="en-US"/>
-              <a:t>工具</a:t>
+              <a:t>开发辅助工具</a:t>
             </a:r>
             <a:endParaRPr lang="zh-CN" altLang="en-US"/>
           </a:p>
@@ -4484,77 +4649,44 @@
         </p:nvSpPr>
         <p:spPr/>
         <p:txBody>
-          <a:bodyPr/>
-          <a:p>
-            <a:r>
-              <a:rPr lang="zh-CN" altLang="en-US"/>
-              <a:t>应用</a:t>
-            </a:r>
-            <a:r>
-              <a:rPr lang="en-US" altLang="zh-CN"/>
-              <a:t>PWA</a:t>
-            </a:r>
-            <a:r>
-              <a:rPr lang="zh-CN" altLang="en-US"/>
-              <a:t>的案例</a:t>
-            </a:r>
-            <a:endParaRPr lang="zh-CN" altLang="en-US"/>
-          </a:p>
-        </p:txBody>
-      </p:sp>
-      <p:sp>
-        <p:nvSpPr>
-          <p:cNvPr id="3" name="Content Placeholder 2"/>
-          <p:cNvSpPr>
-            <a:spLocks noGrp="1"/>
-          </p:cNvSpPr>
+          <a:bodyPr>
+            <a:normAutofit/>
+          </a:bodyPr>
+          <a:p>
+            <a:r>
+              <a:rPr lang="x-none" altLang="en-US"/>
+              <a:t>前端Framework的集成状态</a:t>
+            </a:r>
+            <a:endParaRPr lang="x-none" altLang="en-US"/>
+          </a:p>
+        </p:txBody>
+      </p:sp>
+      <p:pic>
+        <p:nvPicPr>
+          <p:cNvPr id="4" name="Content Placeholder 3"/>
+          <p:cNvPicPr>
+            <a:picLocks noChangeAspect="1"/>
+          </p:cNvPicPr>
           <p:nvPr>
             <p:ph idx="1"/>
           </p:nvPr>
-        </p:nvSpPr>
-        <p:spPr/>
-        <p:txBody>
-          <a:bodyPr/>
-          <a:p>
-            <a:r>
-              <a:rPr lang="en-US"/>
-              <a:t>Twitter 在 2017 年上线了 Twitter Lite PWA，其获得了相当惊人的收益：</a:t>
-            </a:r>
-            <a:endParaRPr lang="en-US"/>
-          </a:p>
-          <a:p>
-            <a:pPr lvl="1"/>
-            <a:r>
-              <a:rPr lang="en-US"/>
-              <a:t>平均用户停留时长增长 65%</a:t>
-            </a:r>
-            <a:endParaRPr lang="en-US"/>
-          </a:p>
-          <a:p>
-            <a:pPr lvl="1"/>
-            <a:r>
-              <a:rPr lang="en-US"/>
-              <a:t>Web 站点发推的数量增长 75%</a:t>
-            </a:r>
-            <a:endParaRPr lang="en-US"/>
-          </a:p>
-          <a:p>
-            <a:pPr lvl="1"/>
-            <a:r>
-              <a:rPr lang="en-US"/>
-              <a:t>跳出率降低 20%</a:t>
-            </a:r>
-            <a:endParaRPr lang="en-US"/>
-          </a:p>
-          <a:p>
-            <a:r>
-              <a:rPr lang="en-US"/>
-              <a:t>Twitter Lite 能取得这样的成绩，归功于 PWA 的新技术和用户体验至上的设计原则：它通过 Service Worker 缓存文件，让页面可以离线，同时降低网络消耗；通过 Web Push 接受服务器推送的消息；采用 App Shell 的设计模型，配合 Service Worker 能让页面瞬间展现。</a:t>
-            </a:r>
-            <a:endParaRPr lang="en-US"/>
-          </a:p>
-        </p:txBody>
-      </p:sp>
+        </p:nvPicPr>
+        <p:blipFill>
+          <a:blip r:embed="rId1"/>
+          <a:stretch>
+            <a:fillRect/>
+          </a:stretch>
+        </p:blipFill>
+        <p:spPr>
+          <a:xfrm>
+            <a:off x="2106295" y="1825625"/>
+            <a:ext cx="7978775" cy="4351655"/>
+          </a:xfrm>
+          <a:prstGeom prst="rect">
+            <a:avLst/>
+          </a:prstGeom>
+        </p:spPr>
+      </p:pic>
     </p:spTree>
   </p:cSld>
   <p:clrMapOvr>
@@ -4589,7 +4721,15 @@
           <a:p>
             <a:r>
               <a:rPr lang="zh-CN" altLang="en-US"/>
-              <a:t>参考</a:t>
+              <a:t>应用</a:t>
+            </a:r>
+            <a:r>
+              <a:rPr lang="en-US" altLang="zh-CN"/>
+              <a:t>PWA</a:t>
+            </a:r>
+            <a:r>
+              <a:rPr lang="zh-CN" altLang="en-US"/>
+              <a:t>的案例</a:t>
             </a:r>
             <a:endParaRPr lang="zh-CN" altLang="en-US"/>
           </a:p>
@@ -4605,56 +4745,100 @@
             <p:ph idx="1"/>
           </p:nvPr>
         </p:nvSpPr>
-        <p:spPr/>
+        <p:spPr>
+          <a:xfrm>
+            <a:off x="838200" y="1826895"/>
+            <a:ext cx="7668260" cy="4351655"/>
+          </a:xfrm>
+        </p:spPr>
         <p:txBody>
           <a:bodyPr/>
           <a:p>
-            <a:endParaRPr lang="en-US">
-              <a:sym typeface="+mn-ea"/>
-            </a:endParaRPr>
-          </a:p>
-          <a:p>
-            <a:r>
-              <a:rPr lang="en-US">
-                <a:sym typeface="+mn-ea"/>
-              </a:rPr>
-              <a:t>Web Fundamentals: https://developers.google.com/web/fundamentals/</a:t>
-            </a:r>
-            <a:endParaRPr lang="en-US">
-              <a:sym typeface="+mn-ea"/>
-            </a:endParaRPr>
-          </a:p>
-          <a:p>
-            <a:r>
-              <a:rPr lang="en-US">
-                <a:sym typeface="+mn-ea"/>
-              </a:rPr>
-              <a:t>https://segmentfault.com/a/1190000008880637</a:t>
-            </a:r>
-            <a:endParaRPr lang="en-US">
-              <a:sym typeface="+mn-ea"/>
-            </a:endParaRPr>
-          </a:p>
-          <a:p>
-            <a:r>
-              <a:rPr lang="en-US">
-                <a:sym typeface="+mn-ea"/>
-              </a:rPr>
-              <a:t>https://juejin.im/post/5a6c86e451882573505174e7</a:t>
-            </a:r>
-            <a:endParaRPr lang="en-US">
-              <a:sym typeface="+mn-ea"/>
-            </a:endParaRPr>
-          </a:p>
-          <a:p>
-            <a:r>
-              <a:rPr lang="en-US"/>
-              <a:t>https://loveky.github.io/2017/07/24/service-worker-101/</a:t>
-            </a:r>
-            <a:endParaRPr lang="en-US"/>
-          </a:p>
-        </p:txBody>
-      </p:sp>
+            <a:pPr fontAlgn="auto">
+              <a:lnSpc>
+                <a:spcPct val="150000"/>
+              </a:lnSpc>
+            </a:pPr>
+            <a:r>
+              <a:rPr lang="en-US" sz="1800"/>
+              <a:t>Twitter 在 2017 年上线了 Twitter Lite PWA，其获得了相当惊人的收益：</a:t>
+            </a:r>
+            <a:endParaRPr lang="en-US" sz="1800"/>
+          </a:p>
+          <a:p>
+            <a:pPr lvl="1" fontAlgn="auto">
+              <a:lnSpc>
+                <a:spcPct val="150000"/>
+              </a:lnSpc>
+            </a:pPr>
+            <a:r>
+              <a:rPr lang="en-US" sz="1800"/>
+              <a:t>平均用户停留时长增长 65%</a:t>
+            </a:r>
+            <a:endParaRPr lang="en-US" sz="1800"/>
+          </a:p>
+          <a:p>
+            <a:pPr lvl="1" fontAlgn="auto">
+              <a:lnSpc>
+                <a:spcPct val="150000"/>
+              </a:lnSpc>
+            </a:pPr>
+            <a:r>
+              <a:rPr lang="en-US" sz="1800"/>
+              <a:t>Web 站点发推的数量增长 75%</a:t>
+            </a:r>
+            <a:endParaRPr lang="en-US" sz="1800"/>
+          </a:p>
+          <a:p>
+            <a:pPr lvl="1" fontAlgn="auto">
+              <a:lnSpc>
+                <a:spcPct val="150000"/>
+              </a:lnSpc>
+            </a:pPr>
+            <a:r>
+              <a:rPr lang="en-US" sz="1800"/>
+              <a:t>跳出率降低 20%</a:t>
+            </a:r>
+            <a:endParaRPr lang="en-US" sz="1800"/>
+          </a:p>
+          <a:p>
+            <a:pPr fontAlgn="auto">
+              <a:lnSpc>
+                <a:spcPct val="150000"/>
+              </a:lnSpc>
+            </a:pPr>
+            <a:r>
+              <a:rPr lang="en-US" sz="1800"/>
+              <a:t>Twitter Lite 能取得这样的成绩，归功于 PWA 的新技术和用户体验至上的设计原则：它通过 Service Worker 缓存文件，让页面可以离线，同时降低网络消耗；通过 Web Push 接受服务器推送的消息；采用 App Shell 的设计模型，配合 Service Worker 能让页面瞬间展现。</a:t>
+            </a:r>
+            <a:endParaRPr lang="en-US" sz="1800"/>
+          </a:p>
+        </p:txBody>
+      </p:sp>
+      <p:pic>
+        <p:nvPicPr>
+          <p:cNvPr id="4" name="Picture 3"/>
+          <p:cNvPicPr>
+            <a:picLocks noChangeAspect="1"/>
+          </p:cNvPicPr>
+          <p:nvPr/>
+        </p:nvPicPr>
+        <p:blipFill>
+          <a:blip r:embed="rId1"/>
+          <a:stretch>
+            <a:fillRect/>
+          </a:stretch>
+        </p:blipFill>
+        <p:spPr>
+          <a:xfrm>
+            <a:off x="8721090" y="1063625"/>
+            <a:ext cx="3178175" cy="5599430"/>
+          </a:xfrm>
+          <a:prstGeom prst="rect">
+            <a:avLst/>
+          </a:prstGeom>
+        </p:spPr>
+      </p:pic>
     </p:spTree>
   </p:cSld>
   <p:clrMapOvr>
@@ -4689,11 +4873,7 @@
           <a:p>
             <a:r>
               <a:rPr lang="zh-CN" altLang="en-US"/>
-              <a:t>历史</a:t>
-            </a:r>
-            <a:r>
-              <a:rPr lang="zh-CN" altLang="en-US"/>
-              <a:t>简介</a:t>
+              <a:t>历史简介</a:t>
             </a:r>
             <a:endParaRPr lang="zh-CN" altLang="en-US"/>
           </a:p>
@@ -4747,6 +4927,117 @@
               <a:t>需要特别说明的是，PWA 不是特指某一项技术，而是应用了多项技术的 Web App。其核心技术包括 App Manifest、Service Worker、Web Push，等等。</a:t>
             </a:r>
             <a:endParaRPr lang="en-US" sz="2000"/>
+          </a:p>
+        </p:txBody>
+      </p:sp>
+    </p:spTree>
+  </p:cSld>
+  <p:clrMapOvr>
+    <a:masterClrMapping/>
+  </p:clrMapOvr>
+</p:sld>
+</file>
+
+<file path=ppt/slides/slide20.xml><?xml version="1.0" encoding="utf-8"?>
+<p:sld xmlns:a="http://schemas.openxmlformats.org/drawingml/2006/main" xmlns:r="http://schemas.openxmlformats.org/officeDocument/2006/relationships" xmlns:p="http://schemas.openxmlformats.org/presentationml/2006/main">
+  <p:cSld>
+    <p:spTree>
+      <p:nvGrpSpPr>
+        <p:cNvPr id="1" name=""/>
+        <p:cNvGrpSpPr/>
+        <p:nvPr/>
+      </p:nvGrpSpPr>
+      <p:grpSpPr/>
+      <p:sp>
+        <p:nvSpPr>
+          <p:cNvPr id="2" name="Title 1"/>
+          <p:cNvSpPr>
+            <a:spLocks noGrp="1"/>
+          </p:cNvSpPr>
+          <p:nvPr>
+            <p:ph type="title"/>
+          </p:nvPr>
+        </p:nvSpPr>
+        <p:spPr/>
+        <p:txBody>
+          <a:bodyPr/>
+          <a:p>
+            <a:r>
+              <a:rPr lang="zh-CN" altLang="en-US"/>
+              <a:t>参考</a:t>
+            </a:r>
+            <a:endParaRPr lang="zh-CN" altLang="en-US"/>
+          </a:p>
+        </p:txBody>
+      </p:sp>
+      <p:sp>
+        <p:nvSpPr>
+          <p:cNvPr id="3" name="Content Placeholder 2"/>
+          <p:cNvSpPr>
+            <a:spLocks noGrp="1"/>
+          </p:cNvSpPr>
+          <p:nvPr>
+            <p:ph idx="1"/>
+          </p:nvPr>
+        </p:nvSpPr>
+        <p:spPr/>
+        <p:txBody>
+          <a:bodyPr/>
+          <a:p>
+            <a:endParaRPr lang="en-US">
+              <a:sym typeface="+mn-ea"/>
+            </a:endParaRPr>
+          </a:p>
+          <a:p>
+            <a:r>
+              <a:rPr lang="en-US">
+                <a:sym typeface="+mn-ea"/>
+              </a:rPr>
+              <a:t>https://www.zhihu.com/question/46690207</a:t>
+            </a:r>
+            <a:endParaRPr lang="en-US">
+              <a:sym typeface="+mn-ea"/>
+            </a:endParaRPr>
+          </a:p>
+          <a:p>
+            <a:r>
+              <a:rPr lang="en-US">
+                <a:sym typeface="+mn-ea"/>
+              </a:rPr>
+              <a:t>Web Fundamentals: https://developers.google.com/web/fundamentals/</a:t>
+            </a:r>
+            <a:endParaRPr lang="en-US">
+              <a:sym typeface="+mn-ea"/>
+            </a:endParaRPr>
+          </a:p>
+          <a:p>
+            <a:r>
+              <a:rPr lang="en-US">
+                <a:sym typeface="+mn-ea"/>
+              </a:rPr>
+              <a:t>https://segmentfault.com/a/1190000008880637</a:t>
+            </a:r>
+            <a:endParaRPr lang="en-US">
+              <a:sym typeface="+mn-ea"/>
+            </a:endParaRPr>
+          </a:p>
+          <a:p>
+            <a:r>
+              <a:rPr lang="en-US">
+                <a:sym typeface="+mn-ea"/>
+              </a:rPr>
+              <a:t>https://juejin.im/post/5a6c86e451882573505174e7</a:t>
+            </a:r>
+            <a:endParaRPr lang="en-US">
+              <a:sym typeface="+mn-ea"/>
+            </a:endParaRPr>
+          </a:p>
+          <a:p>
+            <a:r>
+              <a:rPr lang="en-US"/>
+              <a:t>https://loveky.github.io/2017/07/24/service-worker-101/</a:t>
+            </a:r>
+            <a:endParaRPr lang="en-US"/>
           </a:p>
         </p:txBody>
       </p:sp>
@@ -5501,7 +5792,7 @@
           </a:p>
           <a:p>
             <a:pPr marL="285750" indent="-285750">
-              <a:buFont typeface="Arial" panose="020B0604020202020204" pitchFamily="34" charset="0"/>
+              <a:buFont typeface="Arial" charset="0"/>
               <a:buChar char="•"/>
             </a:pPr>
             <a:r>
@@ -5512,7 +5803,7 @@
           </a:p>
           <a:p>
             <a:pPr marL="285750" indent="-285750">
-              <a:buFont typeface="Arial" panose="020B0604020202020204" pitchFamily="34" charset="0"/>
+              <a:buFont typeface="Arial" charset="0"/>
               <a:buChar char="•"/>
             </a:pPr>
             <a:r>
@@ -5523,7 +5814,7 @@
           </a:p>
           <a:p>
             <a:pPr marL="285750" indent="-285750">
-              <a:buFont typeface="Arial" panose="020B0604020202020204" pitchFamily="34" charset="0"/>
+              <a:buFont typeface="Arial" charset="0"/>
               <a:buChar char="•"/>
             </a:pPr>
             <a:r>
@@ -5534,7 +5825,7 @@
           </a:p>
           <a:p>
             <a:pPr marL="285750" indent="-285750">
-              <a:buFont typeface="Arial" panose="020B0604020202020204" pitchFamily="34" charset="0"/>
+              <a:buFont typeface="Arial" charset="0"/>
               <a:buChar char="•"/>
             </a:pPr>
             <a:r>
@@ -5545,7 +5836,7 @@
           </a:p>
           <a:p>
             <a:pPr marL="285750" indent="-285750">
-              <a:buFont typeface="Arial" panose="020B0604020202020204" pitchFamily="34" charset="0"/>
+              <a:buFont typeface="Arial" charset="0"/>
               <a:buChar char="•"/>
             </a:pPr>
             <a:r>
@@ -5815,6 +6106,8 @@
       </a:bgFillStyleLst>
     </a:fmtScheme>
   </a:themeElements>
+  <a:objectDefaults/>
+  <a:extraClrSchemeLst/>
   <a:extLst>
     <a:ext uri="{05A4C25C-085E-4340-85A3-A5531E510DB2}">
       <thm15:themeFamily xmlns:thm15="http://schemas.microsoft.com/office/thememl/2012/main" name="Office Theme" id="{62F939B6-93AF-4DB8-9C6B-D6C7DFDC589F}" vid="{4A3C46E8-61CC-4603-A589-7422A47A8E4A}"/>
@@ -6074,6 +6367,8 @@
       </a:bgFillStyleLst>
     </a:fmtScheme>
   </a:themeElements>
+  <a:objectDefaults/>
+  <a:extraClrSchemeLst/>
   <a:extLst>
     <a:ext uri="{05A4C25C-085E-4340-85A3-A5531E510DB2}">
       <thm15:themeFamily xmlns:thm15="http://schemas.microsoft.com/office/thememl/2012/main" name="Office Theme" id="{62F939B6-93AF-4DB8-9C6B-D6C7DFDC589F}" vid="{4A3C46E8-61CC-4603-A589-7422A47A8E4A}"/>
@@ -6333,6 +6628,8 @@
       </a:bgFillStyleLst>
     </a:fmtScheme>
   </a:themeElements>
+  <a:objectDefaults/>
+  <a:extraClrSchemeLst/>
   <a:extLst>
     <a:ext uri="{05A4C25C-085E-4340-85A3-A5531E510DB2}">
       <thm15:themeFamily xmlns:thm15="http://schemas.microsoft.com/office/thememl/2012/main" name="Office Theme" id="{62F939B6-93AF-4DB8-9C6B-D6C7DFDC589F}" vid="{4A3C46E8-61CC-4603-A589-7422A47A8E4A}"/>

--- a/Brief on PWA.pptx
+++ b/Brief on PWA.pptx
@@ -5095,74 +5095,124 @@
         <p:txBody>
           <a:bodyPr/>
           <a:p>
-            <a:r>
-              <a:rPr lang="en-US"/>
+            <a:pPr fontAlgn="auto">
+              <a:lnSpc>
+                <a:spcPct val="150000"/>
+              </a:lnSpc>
+            </a:pPr>
+            <a:r>
+              <a:rPr lang="en-US" sz="1400"/>
               <a:t>Native APP 用起来很流畅，但是也有其天然的基因缺陷：</a:t>
             </a:r>
-            <a:endParaRPr lang="en-US"/>
-          </a:p>
-          <a:p>
-            <a:pPr lvl="1"/>
-            <a:r>
-              <a:rPr lang="en-US" sz="1800"/>
+            <a:endParaRPr lang="en-US" sz="1400"/>
+          </a:p>
+          <a:p>
+            <a:pPr lvl="1" fontAlgn="auto">
+              <a:lnSpc>
+                <a:spcPct val="150000"/>
+              </a:lnSpc>
+            </a:pPr>
+            <a:r>
+              <a:rPr lang="en-US" sz="1400"/>
               <a:t>由于其天生封闭的基因，内容无法被索引</a:t>
             </a:r>
-            <a:endParaRPr lang="en-US" sz="1800"/>
-          </a:p>
-          <a:p>
-            <a:pPr lvl="1"/>
-            <a:r>
-              <a:rPr lang="en-US" sz="1800"/>
+            <a:endParaRPr lang="en-US" sz="1400"/>
+          </a:p>
+          <a:p>
+            <a:pPr lvl="1" fontAlgn="auto">
+              <a:lnSpc>
+                <a:spcPct val="150000"/>
+              </a:lnSpc>
+            </a:pPr>
+            <a:r>
+              <a:rPr lang="en-US" sz="1400"/>
               <a:t>用户 80% 的时间被 Top3 的超级 App 占据，对于站点来说，应用分发的性价比也越来越不划算</a:t>
             </a:r>
-            <a:endParaRPr lang="en-US" sz="1800"/>
-          </a:p>
-          <a:p>
-            <a:pPr lvl="1"/>
-            <a:r>
-              <a:rPr lang="en-US" sz="1800"/>
+            <a:endParaRPr lang="en-US" sz="1400"/>
+          </a:p>
+          <a:p>
+            <a:pPr lvl="1" fontAlgn="auto">
+              <a:lnSpc>
+                <a:spcPct val="150000"/>
+              </a:lnSpc>
+            </a:pPr>
+            <a:r>
+              <a:rPr lang="en-US" sz="1400"/>
               <a:t>要使用它，首先还需要下载几十兆上百着兆的安装包</a:t>
             </a:r>
-            <a:endParaRPr lang="en-US" sz="1800"/>
-          </a:p>
-          <a:p>
-            <a:r>
-              <a:rPr lang="en-US"/>
+            <a:endParaRPr lang="en-US" sz="1400"/>
+          </a:p>
+          <a:p>
+            <a:pPr fontAlgn="auto">
+              <a:lnSpc>
+                <a:spcPct val="150000"/>
+              </a:lnSpc>
+            </a:pPr>
+            <a:r>
+              <a:rPr lang="en-US" sz="1400"/>
               <a:t>WEB前端虽然天生具有开放的基因，但是很多时候页面会卡顿，用户体验不佳。虽然社区之前也做过很多努力，例如virtual dom、spa、混合编程、用canvas将整个页面画出来，用户体验也有了很大的改善，但是仍然无法解决几个重要的问题：</a:t>
             </a:r>
-            <a:endParaRPr lang="en-US"/>
-          </a:p>
-          <a:p>
-            <a:pPr lvl="1"/>
-            <a:r>
-              <a:rPr lang="en-US" sz="1800"/>
+            <a:endParaRPr lang="en-US" sz="1400"/>
+          </a:p>
+          <a:p>
+            <a:pPr lvl="1" fontAlgn="auto">
+              <a:lnSpc>
+                <a:spcPct val="150000"/>
+              </a:lnSpc>
+            </a:pPr>
+            <a:r>
+              <a:rPr lang="en-US" sz="1400"/>
               <a:t>离线时用户无法使用</a:t>
             </a:r>
-            <a:endParaRPr lang="en-US" sz="1800"/>
-          </a:p>
-          <a:p>
-            <a:pPr lvl="1"/>
-            <a:r>
-              <a:rPr lang="en-US" sz="1800"/>
+            <a:endParaRPr lang="en-US" sz="1400"/>
+          </a:p>
+          <a:p>
+            <a:pPr lvl="1" fontAlgn="auto">
+              <a:lnSpc>
+                <a:spcPct val="150000"/>
+              </a:lnSpc>
+            </a:pPr>
+            <a:r>
+              <a:rPr lang="en-US" sz="1400"/>
               <a:t>无法接收消息推送</a:t>
             </a:r>
-            <a:endParaRPr lang="en-US" sz="1800"/>
-          </a:p>
-          <a:p>
-            <a:pPr lvl="1"/>
-            <a:r>
-              <a:rPr lang="en-US" sz="1800"/>
+            <a:endParaRPr lang="en-US" sz="1400"/>
+          </a:p>
+          <a:p>
+            <a:pPr lvl="1" fontAlgn="auto">
+              <a:lnSpc>
+                <a:spcPct val="150000"/>
+              </a:lnSpc>
+            </a:pPr>
+            <a:r>
+              <a:rPr lang="en-US" sz="1400"/>
               <a:t>移动端没有一级入口</a:t>
             </a:r>
-            <a:endParaRPr lang="en-US"/>
-          </a:p>
-          <a:p>
-            <a:pPr lvl="0"/>
-            <a:r>
-              <a:rPr lang="en-US"/>
+            <a:endParaRPr lang="en-US" sz="1400"/>
+          </a:p>
+          <a:p>
+            <a:pPr lvl="0" fontAlgn="auto">
+              <a:lnSpc>
+                <a:spcPct val="150000"/>
+              </a:lnSpc>
+            </a:pPr>
+            <a:r>
+              <a:rPr lang="en-US" sz="1400"/>
               <a:t>W3C和谷歌看到了这些问题，于是推出了PWA。</a:t>
             </a:r>
-            <a:endParaRPr lang="en-US"/>
+            <a:endParaRPr lang="en-US" sz="1400"/>
+          </a:p>
+          <a:p>
+            <a:pPr lvl="0" fontAlgn="auto">
+              <a:lnSpc>
+                <a:spcPct val="150000"/>
+              </a:lnSpc>
+            </a:pPr>
+            <a:r>
+              <a:rPr lang="x-none" altLang="en-US" sz="1400"/>
+              <a:t>核心价值：Open（开放）与 Decentralized （去中心化）</a:t>
+            </a:r>
+            <a:endParaRPr lang="x-none" altLang="en-US" sz="1400"/>
           </a:p>
         </p:txBody>
       </p:sp>

--- a/Brief on PWA.pptx
+++ b/Brief on PWA.pptx
@@ -5,32 +5,35 @@
     <p:sldMasterId id="2147483648" r:id="rId1"/>
   </p:sldMasterIdLst>
   <p:notesMasterIdLst>
-    <p:notesMasterId r:id="rId23"/>
+    <p:notesMasterId r:id="rId25"/>
   </p:notesMasterIdLst>
   <p:handoutMasterIdLst>
-    <p:handoutMasterId r:id="rId24"/>
+    <p:handoutMasterId r:id="rId26"/>
   </p:handoutMasterIdLst>
   <p:sldIdLst>
-    <p:sldId id="256" r:id="rId3"/>
-    <p:sldId id="297" r:id="rId4"/>
-    <p:sldId id="298" r:id="rId5"/>
-    <p:sldId id="299" r:id="rId6"/>
-    <p:sldId id="300" r:id="rId7"/>
+    <p:sldId id="256" r:id="rId2"/>
+    <p:sldId id="297" r:id="rId3"/>
+    <p:sldId id="298" r:id="rId4"/>
+    <p:sldId id="299" r:id="rId5"/>
+    <p:sldId id="300" r:id="rId6"/>
+    <p:sldId id="319" r:id="rId7"/>
     <p:sldId id="301" r:id="rId8"/>
     <p:sldId id="302" r:id="rId9"/>
-    <p:sldId id="303" r:id="rId10"/>
-    <p:sldId id="305" r:id="rId11"/>
-    <p:sldId id="306" r:id="rId12"/>
-    <p:sldId id="307" r:id="rId13"/>
-    <p:sldId id="308" r:id="rId14"/>
-    <p:sldId id="309" r:id="rId15"/>
-    <p:sldId id="310" r:id="rId16"/>
-    <p:sldId id="311" r:id="rId17"/>
-    <p:sldId id="312" r:id="rId18"/>
-    <p:sldId id="315" r:id="rId19"/>
-    <p:sldId id="318" r:id="rId20"/>
-    <p:sldId id="313" r:id="rId21"/>
-    <p:sldId id="304" r:id="rId22"/>
+    <p:sldId id="320" r:id="rId10"/>
+    <p:sldId id="321" r:id="rId11"/>
+    <p:sldId id="303" r:id="rId12"/>
+    <p:sldId id="305" r:id="rId13"/>
+    <p:sldId id="306" r:id="rId14"/>
+    <p:sldId id="307" r:id="rId15"/>
+    <p:sldId id="308" r:id="rId16"/>
+    <p:sldId id="309" r:id="rId17"/>
+    <p:sldId id="310" r:id="rId18"/>
+    <p:sldId id="311" r:id="rId19"/>
+    <p:sldId id="312" r:id="rId20"/>
+    <p:sldId id="315" r:id="rId21"/>
+    <p:sldId id="318" r:id="rId22"/>
+    <p:sldId id="313" r:id="rId23"/>
+    <p:sldId id="304" r:id="rId24"/>
   </p:sldIdLst>
   <p:sldSz cx="12192000" cy="6858000"/>
   <p:notesSz cx="6858000" cy="9144000"/>
@@ -228,6 +231,22 @@
       </a:defRPr>
     </a:lvl9pPr>
   </p:defaultTextStyle>
+  <p:extLst>
+    <p:ext uri="{EFAFB233-063F-42B5-8137-9DF3F51BA10A}">
+      <p15:sldGuideLst xmlns:p15="http://schemas.microsoft.com/office/powerpoint/2012/main">
+        <p15:guide id="1" orient="horz" pos="2160">
+          <p15:clr>
+            <a:srgbClr val="A4A3A4"/>
+          </p15:clr>
+        </p15:guide>
+        <p15:guide id="2" pos="2880">
+          <p15:clr>
+            <a:srgbClr val="A4A3A4"/>
+          </p15:clr>
+        </p15:guide>
+      </p15:sldGuideLst>
+    </p:ext>
+  </p:extLst>
 </p:presentation>
 </file>
 
@@ -245,7 +264,14 @@
         <p:cNvGrpSpPr/>
         <p:nvPr/>
       </p:nvGrpSpPr>
-      <p:grpSpPr/>
+      <p:grpSpPr>
+        <a:xfrm>
+          <a:off x="0" y="0"/>
+          <a:ext cx="0" cy="0"/>
+          <a:chOff x="0" y="0"/>
+          <a:chExt cx="0" cy="0"/>
+        </a:xfrm>
+      </p:grpSpPr>
       <p:sp>
         <p:nvSpPr>
           <p:cNvPr id="2" name="页眉占位符 1"/>
@@ -312,6 +338,7 @@
                 <a:ea typeface="宋体" panose="02010600030101010101" pitchFamily="2" charset="-122"/>
                 <a:cs typeface="+mn-cs"/>
               </a:rPr>
+              <a:t>2019/7/26</a:t>
             </a:fld>
             <a:endParaRPr lang="zh-CN" altLang="en-US" strike="noStrike" noProof="1"/>
           </a:p>
@@ -383,6 +410,7 @@
                 <a:ea typeface="宋体" panose="02010600030101010101" pitchFamily="2" charset="-122"/>
                 <a:cs typeface="+mn-cs"/>
               </a:rPr>
+              <a:t>‹#›</a:t>
             </a:fld>
             <a:endParaRPr lang="zh-CN" altLang="en-US" strike="noStrike" noProof="1"/>
           </a:p>
@@ -408,7 +436,14 @@
         <p:cNvGrpSpPr/>
         <p:nvPr/>
       </p:nvGrpSpPr>
-      <p:grpSpPr/>
+      <p:grpSpPr>
+        <a:xfrm>
+          <a:off x="0" y="0"/>
+          <a:ext cx="0" cy="0"/>
+          <a:chOff x="0" y="0"/>
+          <a:chExt cx="0" cy="0"/>
+        </a:xfrm>
+      </p:grpSpPr>
       <p:sp>
         <p:nvSpPr>
           <p:cNvPr id="2" name="页眉占位符 1"/>
@@ -631,7 +666,7 @@
               <a:defRPr/>
             </a:pPr>
             <a:r>
-              <a:rPr lang="zh-CN" altLang="en-US" sz="1200" strike="noStrike" noProof="0" smtClean="0">
+              <a:rPr lang="zh-CN" altLang="en-US" sz="1200" strike="noStrike" noProof="0">
                 <a:ln>
                   <a:noFill/>
                 </a:ln>
@@ -642,7 +677,7 @@
               </a:rPr>
               <a:t>Click to edit Master text style</a:t>
             </a:r>
-            <a:endParaRPr kumimoji="0" lang="zh-CN" altLang="en-US" sz="1200" b="0" i="0" u="none" strike="noStrike" kern="1200" cap="none" spc="0" normalizeH="0" baseline="0" noProof="0" smtClean="0">
+            <a:endParaRPr kumimoji="0" lang="zh-CN" altLang="en-US" sz="1200" b="0" i="0" u="none" strike="noStrike" kern="1200" cap="none" spc="0" normalizeH="0" baseline="0" noProof="0">
               <a:ln>
                 <a:noFill/>
               </a:ln>
@@ -675,7 +710,7 @@
               <a:defRPr/>
             </a:pPr>
             <a:r>
-              <a:rPr lang="zh-CN" altLang="en-US" sz="1200" strike="noStrike" noProof="0" smtClean="0">
+              <a:rPr lang="zh-CN" altLang="en-US" sz="1200" strike="noStrike" noProof="0">
                 <a:ln>
                   <a:noFill/>
                 </a:ln>
@@ -686,7 +721,7 @@
               </a:rPr>
               <a:t>Second level</a:t>
             </a:r>
-            <a:endParaRPr kumimoji="0" lang="zh-CN" altLang="en-US" sz="1200" b="0" i="0" u="none" strike="noStrike" kern="1200" cap="none" spc="0" normalizeH="0" baseline="0" noProof="0" smtClean="0">
+            <a:endParaRPr kumimoji="0" lang="zh-CN" altLang="en-US" sz="1200" b="0" i="0" u="none" strike="noStrike" kern="1200" cap="none" spc="0" normalizeH="0" baseline="0" noProof="0">
               <a:ln>
                 <a:noFill/>
               </a:ln>
@@ -719,7 +754,7 @@
               <a:defRPr/>
             </a:pPr>
             <a:r>
-              <a:rPr lang="zh-CN" altLang="en-US" sz="1200" strike="noStrike" noProof="0" smtClean="0">
+              <a:rPr lang="zh-CN" altLang="en-US" sz="1200" strike="noStrike" noProof="0">
                 <a:ln>
                   <a:noFill/>
                 </a:ln>
@@ -730,7 +765,7 @@
               </a:rPr>
               <a:t>Third level</a:t>
             </a:r>
-            <a:endParaRPr kumimoji="0" lang="zh-CN" altLang="en-US" sz="1200" b="0" i="0" u="none" strike="noStrike" kern="1200" cap="none" spc="0" normalizeH="0" baseline="0" noProof="0" smtClean="0">
+            <a:endParaRPr kumimoji="0" lang="zh-CN" altLang="en-US" sz="1200" b="0" i="0" u="none" strike="noStrike" kern="1200" cap="none" spc="0" normalizeH="0" baseline="0" noProof="0">
               <a:ln>
                 <a:noFill/>
               </a:ln>
@@ -763,7 +798,7 @@
               <a:defRPr/>
             </a:pPr>
             <a:r>
-              <a:rPr lang="zh-CN" altLang="en-US" sz="1200" strike="noStrike" noProof="0" smtClean="0">
+              <a:rPr lang="zh-CN" altLang="en-US" sz="1200" strike="noStrike" noProof="0">
                 <a:ln>
                   <a:noFill/>
                 </a:ln>
@@ -774,7 +809,7 @@
               </a:rPr>
               <a:t>Fourth level</a:t>
             </a:r>
-            <a:endParaRPr kumimoji="0" lang="zh-CN" altLang="en-US" sz="1200" b="0" i="0" u="none" strike="noStrike" kern="1200" cap="none" spc="0" normalizeH="0" baseline="0" noProof="0" smtClean="0">
+            <a:endParaRPr kumimoji="0" lang="zh-CN" altLang="en-US" sz="1200" b="0" i="0" u="none" strike="noStrike" kern="1200" cap="none" spc="0" normalizeH="0" baseline="0" noProof="0">
               <a:ln>
                 <a:noFill/>
               </a:ln>
@@ -807,7 +842,7 @@
               <a:defRPr/>
             </a:pPr>
             <a:r>
-              <a:rPr lang="zh-CN" altLang="en-US" sz="1200" strike="noStrike" noProof="0" smtClean="0">
+              <a:rPr lang="zh-CN" altLang="en-US" sz="1200" strike="noStrike" noProof="0">
                 <a:ln>
                   <a:noFill/>
                 </a:ln>
@@ -953,6 +988,7 @@
                 <a:ea typeface="+mn-ea"/>
                 <a:cs typeface="+mn-cs"/>
               </a:rPr>
+              <a:t>‹#›</a:t>
             </a:fld>
             <a:endParaRPr kumimoji="0" lang="zh-CN" altLang="en-US" sz="1200" b="0" i="0" u="none" strike="noStrike" kern="1200" cap="none" spc="0" normalizeH="0" baseline="0" noProof="0">
               <a:ln>
@@ -1070,6 +1106,303 @@
 </p:notesMaster>
 </file>
 
+<file path=ppt/notesSlides/notesSlide1.xml><?xml version="1.0" encoding="utf-8"?>
+<p:notes xmlns:a="http://schemas.openxmlformats.org/drawingml/2006/main" xmlns:r="http://schemas.openxmlformats.org/officeDocument/2006/relationships" xmlns:p="http://schemas.openxmlformats.org/presentationml/2006/main">
+  <p:cSld>
+    <p:spTree>
+      <p:nvGrpSpPr>
+        <p:cNvPr id="1" name=""/>
+        <p:cNvGrpSpPr/>
+        <p:nvPr/>
+      </p:nvGrpSpPr>
+      <p:grpSpPr>
+        <a:xfrm>
+          <a:off x="0" y="0"/>
+          <a:ext cx="0" cy="0"/>
+          <a:chOff x="0" y="0"/>
+          <a:chExt cx="0" cy="0"/>
+        </a:xfrm>
+      </p:grpSpPr>
+      <p:sp>
+        <p:nvSpPr>
+          <p:cNvPr id="2" name="Slide Image Placeholder 1"/>
+          <p:cNvSpPr>
+            <a:spLocks noGrp="1" noRot="1" noChangeAspect="1"/>
+          </p:cNvSpPr>
+          <p:nvPr>
+            <p:ph type="sldImg"/>
+          </p:nvPr>
+        </p:nvSpPr>
+        <p:spPr/>
+      </p:sp>
+      <p:sp>
+        <p:nvSpPr>
+          <p:cNvPr id="3" name="Notes Placeholder 2"/>
+          <p:cNvSpPr>
+            <a:spLocks noGrp="1"/>
+          </p:cNvSpPr>
+          <p:nvPr>
+            <p:ph type="body" idx="1"/>
+          </p:nvPr>
+        </p:nvSpPr>
+        <p:spPr/>
+        <p:txBody>
+          <a:bodyPr/>
+          <a:lstStyle/>
+          <a:p>
+            <a:r>
+              <a:rPr lang="zh-CN" altLang="en-US" sz="1200" b="1" i="0" kern="1200" dirty="0">
+                <a:solidFill>
+                  <a:schemeClr val="tx1"/>
+                </a:solidFill>
+                <a:effectLst/>
+                <a:latin typeface="+mn-lt"/>
+                <a:ea typeface="+mn-ea"/>
+                <a:cs typeface="+mn-cs"/>
+              </a:rPr>
+              <a:t>入门指南</a:t>
+            </a:r>
+          </a:p>
+          <a:p>
+            <a:r>
+              <a:rPr lang="zh-CN" altLang="en-US" sz="1200" b="0" i="0" kern="1200" dirty="0">
+                <a:solidFill>
+                  <a:schemeClr val="tx1"/>
+                </a:solidFill>
+                <a:effectLst/>
+                <a:latin typeface="+mn-lt"/>
+                <a:ea typeface="+mn-ea"/>
+                <a:cs typeface="+mn-cs"/>
+              </a:rPr>
+              <a:t>相关学习，可以参考 </a:t>
+            </a:r>
+            <a:r>
+              <a:rPr lang="en-US" sz="1200" b="0" i="0" u="none" strike="noStrike" kern="1200" dirty="0" err="1">
+                <a:solidFill>
+                  <a:schemeClr val="tx1"/>
+                </a:solidFill>
+                <a:effectLst/>
+                <a:latin typeface="+mn-lt"/>
+                <a:ea typeface="+mn-ea"/>
+                <a:cs typeface="+mn-cs"/>
+                <a:hlinkClick r:id="rId3"/>
+              </a:rPr>
+              <a:t>JimmyVV</a:t>
+            </a:r>
+            <a:r>
+              <a:rPr lang="en-US" sz="1200" b="0" i="0" u="none" strike="noStrike" kern="1200" dirty="0">
+                <a:solidFill>
+                  <a:schemeClr val="tx1"/>
+                </a:solidFill>
+                <a:effectLst/>
+                <a:latin typeface="+mn-lt"/>
+                <a:ea typeface="+mn-ea"/>
+                <a:cs typeface="+mn-cs"/>
+                <a:hlinkClick r:id="rId3"/>
+              </a:rPr>
+              <a:t>/PWA-cookbook</a:t>
+            </a:r>
+            <a:r>
+              <a:rPr lang="en-US" sz="1200" b="0" i="0" kern="1200" dirty="0">
+                <a:solidFill>
+                  <a:schemeClr val="tx1"/>
+                </a:solidFill>
+                <a:effectLst/>
+                <a:latin typeface="+mn-lt"/>
+                <a:ea typeface="+mn-ea"/>
+                <a:cs typeface="+mn-cs"/>
+              </a:rPr>
+              <a:t>。</a:t>
+            </a:r>
+            <a:r>
+              <a:rPr lang="zh-CN" altLang="en-US" sz="1200" b="0" i="0" kern="1200" dirty="0">
+                <a:solidFill>
+                  <a:schemeClr val="tx1"/>
+                </a:solidFill>
+                <a:effectLst/>
+                <a:latin typeface="+mn-lt"/>
+                <a:ea typeface="+mn-ea"/>
+                <a:cs typeface="+mn-cs"/>
+              </a:rPr>
+              <a:t>或者可以直接参阅我的 </a:t>
+            </a:r>
+            <a:r>
+              <a:rPr lang="en-US" sz="1200" b="0" i="0" kern="1200" dirty="0">
+                <a:solidFill>
+                  <a:schemeClr val="tx1"/>
+                </a:solidFill>
+                <a:effectLst/>
+                <a:latin typeface="+mn-lt"/>
+                <a:ea typeface="+mn-ea"/>
+                <a:cs typeface="+mn-cs"/>
+              </a:rPr>
+              <a:t>blog：</a:t>
+            </a:r>
+          </a:p>
+          <a:p>
+            <a:r>
+              <a:rPr lang="en-US" sz="1200" b="0" i="0" u="none" strike="noStrike" kern="1200" dirty="0">
+                <a:solidFill>
+                  <a:schemeClr val="tx1"/>
+                </a:solidFill>
+                <a:effectLst/>
+                <a:latin typeface="+mn-lt"/>
+                <a:ea typeface="+mn-ea"/>
+                <a:cs typeface="+mn-cs"/>
+                <a:hlinkClick r:id="rId4"/>
+              </a:rPr>
+              <a:t>PWA guider</a:t>
+            </a:r>
+            <a:endParaRPr lang="en-US" sz="1200" b="0" i="0" kern="1200" dirty="0">
+              <a:solidFill>
+                <a:schemeClr val="tx1"/>
+              </a:solidFill>
+              <a:effectLst/>
+              <a:latin typeface="+mn-lt"/>
+              <a:ea typeface="+mn-ea"/>
+              <a:cs typeface="+mn-cs"/>
+            </a:endParaRPr>
+          </a:p>
+          <a:p>
+            <a:r>
+              <a:rPr lang="zh-CN" altLang="en-US" sz="1200" b="0" i="0" u="none" strike="noStrike" kern="1200" dirty="0">
+                <a:solidFill>
+                  <a:schemeClr val="tx1"/>
+                </a:solidFill>
+                <a:effectLst/>
+                <a:latin typeface="+mn-lt"/>
+                <a:ea typeface="+mn-ea"/>
+                <a:cs typeface="+mn-cs"/>
+                <a:hlinkClick r:id="rId5"/>
+              </a:rPr>
+              <a:t>响应式开发</a:t>
+            </a:r>
+            <a:endParaRPr lang="zh-CN" altLang="en-US" sz="1200" b="0" i="0" kern="1200" dirty="0">
+              <a:solidFill>
+                <a:schemeClr val="tx1"/>
+              </a:solidFill>
+              <a:effectLst/>
+              <a:latin typeface="+mn-lt"/>
+              <a:ea typeface="+mn-ea"/>
+              <a:cs typeface="+mn-cs"/>
+            </a:endParaRPr>
+          </a:p>
+          <a:p>
+            <a:r>
+              <a:rPr lang="en-US" sz="1200" b="0" i="0" u="none" strike="noStrike" kern="1200" dirty="0">
+                <a:solidFill>
+                  <a:schemeClr val="tx1"/>
+                </a:solidFill>
+                <a:effectLst/>
+                <a:latin typeface="+mn-lt"/>
+                <a:ea typeface="+mn-ea"/>
+                <a:cs typeface="+mn-cs"/>
+                <a:hlinkClick r:id="rId6"/>
+              </a:rPr>
+              <a:t>Service Worker</a:t>
+            </a:r>
+            <a:endParaRPr lang="en-US" sz="1200" b="0" i="0" kern="1200" dirty="0">
+              <a:solidFill>
+                <a:schemeClr val="tx1"/>
+              </a:solidFill>
+              <a:effectLst/>
+              <a:latin typeface="+mn-lt"/>
+              <a:ea typeface="+mn-ea"/>
+              <a:cs typeface="+mn-cs"/>
+            </a:endParaRPr>
+          </a:p>
+          <a:p>
+            <a:r>
+              <a:rPr lang="en-US" sz="1200" b="0" i="0" u="none" strike="noStrike" kern="1200" dirty="0">
+                <a:solidFill>
+                  <a:schemeClr val="tx1"/>
+                </a:solidFill>
+                <a:effectLst/>
+                <a:latin typeface="+mn-lt"/>
+                <a:ea typeface="+mn-ea"/>
+                <a:cs typeface="+mn-cs"/>
+                <a:hlinkClick r:id="rId7"/>
+              </a:rPr>
+              <a:t>Web </a:t>
+            </a:r>
+            <a:r>
+              <a:rPr lang="zh-CN" altLang="en-US" sz="1200" b="0" i="0" u="none" strike="noStrike" kern="1200" dirty="0">
+                <a:solidFill>
+                  <a:schemeClr val="tx1"/>
+                </a:solidFill>
+                <a:effectLst/>
+                <a:latin typeface="+mn-lt"/>
+                <a:ea typeface="+mn-ea"/>
+                <a:cs typeface="+mn-cs"/>
+                <a:hlinkClick r:id="rId7"/>
+              </a:rPr>
+              <a:t>推送技术</a:t>
+            </a:r>
+            <a:endParaRPr lang="zh-CN" altLang="en-US" sz="1200" b="0" i="0" kern="1200" dirty="0">
+              <a:solidFill>
+                <a:schemeClr val="tx1"/>
+              </a:solidFill>
+              <a:effectLst/>
+              <a:latin typeface="+mn-lt"/>
+              <a:ea typeface="+mn-ea"/>
+              <a:cs typeface="+mn-cs"/>
+            </a:endParaRPr>
+          </a:p>
+          <a:p>
+            <a:r>
+              <a:rPr lang="en-US" sz="1200" b="0" i="0" u="none" strike="noStrike" kern="1200" dirty="0">
+                <a:solidFill>
+                  <a:schemeClr val="tx1"/>
+                </a:solidFill>
+                <a:effectLst/>
+                <a:latin typeface="+mn-lt"/>
+                <a:ea typeface="+mn-ea"/>
+                <a:cs typeface="+mn-cs"/>
+                <a:hlinkClick r:id="rId8"/>
+              </a:rPr>
+              <a:t>PWA </a:t>
+            </a:r>
+            <a:r>
+              <a:rPr lang="zh-CN" altLang="en-US" sz="1200" b="0" i="0" u="none" strike="noStrike" kern="1200" dirty="0">
+                <a:solidFill>
+                  <a:schemeClr val="tx1"/>
+                </a:solidFill>
+                <a:effectLst/>
+                <a:latin typeface="+mn-lt"/>
+                <a:ea typeface="+mn-ea"/>
+                <a:cs typeface="+mn-cs"/>
+                <a:hlinkClick r:id="rId8"/>
+              </a:rPr>
+              <a:t>实践指导</a:t>
+            </a:r>
+            <a:endParaRPr lang="zh-CN" altLang="en-US" sz="1200" b="0" i="0" kern="1200" dirty="0">
+              <a:solidFill>
+                <a:schemeClr val="tx1"/>
+              </a:solidFill>
+              <a:effectLst/>
+              <a:latin typeface="+mn-lt"/>
+              <a:ea typeface="+mn-ea"/>
+              <a:cs typeface="+mn-cs"/>
+            </a:endParaRPr>
+          </a:p>
+          <a:p>
+            <a:endParaRPr lang="en-US" dirty="0"/>
+          </a:p>
+        </p:txBody>
+      </p:sp>
+    </p:spTree>
+    <p:extLst>
+      <p:ext uri="{BB962C8B-B14F-4D97-AF65-F5344CB8AC3E}">
+        <p14:creationId xmlns:p14="http://schemas.microsoft.com/office/powerpoint/2010/main" val="3061708654"/>
+      </p:ext>
+    </p:extLst>
+  </p:cSld>
+  <p:clrMapOvr>
+    <a:masterClrMapping/>
+  </p:clrMapOvr>
+</p:notes>
+</file>
+
 <file path=ppt/slideLayouts/slideLayout1.xml><?xml version="1.0" encoding="utf-8"?>
 <p:sldLayout xmlns:a="http://schemas.openxmlformats.org/drawingml/2006/main" xmlns:r="http://schemas.openxmlformats.org/officeDocument/2006/relationships" xmlns:p="http://schemas.openxmlformats.org/presentationml/2006/main" type="title" preserve="1">
   <p:cSld name="标题幻灯片">
@@ -1113,10 +1446,9 @@
           <a:p>
             <a:pPr fontAlgn="auto"/>
             <a:r>
-              <a:rPr lang="zh-CN" altLang="en-US" strike="noStrike" noProof="1" smtClean="0"/>
+              <a:rPr lang="zh-CN" altLang="en-US" strike="noStrike" noProof="1"/>
               <a:t>Click to edit Master title style</a:t>
             </a:r>
-            <a:endParaRPr lang="zh-CN" altLang="en-US" strike="noStrike" noProof="1" smtClean="0"/>
           </a:p>
         </p:txBody>
       </p:sp>
@@ -1179,10 +1511,9 @@
           <a:p>
             <a:pPr fontAlgn="auto"/>
             <a:r>
-              <a:rPr lang="zh-CN" altLang="en-US" strike="noStrike" noProof="1" smtClean="0"/>
+              <a:rPr lang="zh-CN" altLang="en-US" strike="noStrike" noProof="1"/>
               <a:t>Click to edit Master title style</a:t>
             </a:r>
-            <a:endParaRPr lang="zh-CN" altLang="en-US" strike="noStrike" noProof="1" smtClean="0"/>
           </a:p>
         </p:txBody>
       </p:sp>
@@ -1199,6 +1530,7 @@
         <p:spPr/>
         <p:txBody>
           <a:bodyPr/>
+          <a:lstStyle/>
           <a:p>
             <a:pPr marL="0" marR="0" lvl="0" indent="0" algn="l" defTabSz="914400" rtl="0" eaLnBrk="1" fontAlgn="auto" latinLnBrk="0" hangingPunct="1">
               <a:lnSpc>
@@ -1235,22 +1567,6 @@
               </a:rPr>
               <a:t> </a:t>
             </a:r>
-            <a:endParaRPr kumimoji="0" lang="zh-CN" altLang="en-US" sz="1200" b="0" i="0" u="none" strike="noStrike" kern="1200" cap="none" spc="0" normalizeH="0" baseline="0" noProof="0">
-              <a:ln>
-                <a:noFill/>
-              </a:ln>
-              <a:solidFill>
-                <a:schemeClr val="tx1">
-                  <a:tint val="75000"/>
-                </a:schemeClr>
-              </a:solidFill>
-              <a:effectLst/>
-              <a:uLnTx/>
-              <a:uFillTx/>
-              <a:latin typeface="+mn-lt"/>
-              <a:ea typeface="+mn-ea"/>
-              <a:cs typeface="+mn-cs"/>
-            </a:endParaRPr>
           </a:p>
         </p:txBody>
       </p:sp>
@@ -1267,6 +1583,7 @@
         <p:spPr/>
         <p:txBody>
           <a:bodyPr/>
+          <a:lstStyle/>
           <a:p>
             <a:pPr marL="0" marR="0" lvl="0" indent="0" algn="ctr" defTabSz="914400" rtl="0" eaLnBrk="1" fontAlgn="auto" latinLnBrk="0" hangingPunct="1">
               <a:lnSpc>
@@ -1303,22 +1620,6 @@
               </a:rPr>
               <a:t> </a:t>
             </a:r>
-            <a:endParaRPr kumimoji="0" lang="zh-CN" altLang="en-US" sz="1200" b="0" i="0" u="none" strike="noStrike" kern="1200" cap="none" spc="0" normalizeH="0" baseline="0" noProof="0">
-              <a:ln>
-                <a:noFill/>
-              </a:ln>
-              <a:solidFill>
-                <a:schemeClr val="tx1">
-                  <a:tint val="75000"/>
-                </a:schemeClr>
-              </a:solidFill>
-              <a:effectLst/>
-              <a:uLnTx/>
-              <a:uFillTx/>
-              <a:latin typeface="+mn-lt"/>
-              <a:ea typeface="+mn-ea"/>
-              <a:cs typeface="+mn-cs"/>
-            </a:endParaRPr>
           </a:p>
         </p:txBody>
       </p:sp>
@@ -1335,6 +1636,7 @@
         <p:spPr/>
         <p:txBody>
           <a:bodyPr/>
+          <a:lstStyle/>
           <a:p>
             <a:pPr marL="0" marR="0" lvl="0" indent="0" algn="r" defTabSz="914400" rtl="0" eaLnBrk="1" fontAlgn="auto" latinLnBrk="0" hangingPunct="1">
               <a:lnSpc>
@@ -1369,6 +1671,7 @@
                 <a:ea typeface="+mn-ea"/>
                 <a:cs typeface="+mn-cs"/>
               </a:rPr>
+              <a:t>‹#›</a:t>
             </a:fld>
             <a:endParaRPr kumimoji="0" lang="zh-CN" altLang="en-US" sz="1200" b="0" i="0" u="none" strike="noStrike" kern="1200" cap="none" spc="0" normalizeH="0" baseline="0" noProof="0">
               <a:ln>
@@ -1431,10 +1734,9 @@
           <a:p>
             <a:pPr fontAlgn="auto"/>
             <a:r>
-              <a:rPr lang="zh-CN" altLang="en-US" strike="noStrike" noProof="1" smtClean="0"/>
+              <a:rPr lang="zh-CN" altLang="en-US" strike="noStrike" noProof="1"/>
               <a:t>Click to edit Master title style</a:t>
             </a:r>
-            <a:endParaRPr lang="zh-CN" altLang="en-US" strike="noStrike" noProof="1" smtClean="0"/>
           </a:p>
         </p:txBody>
       </p:sp>
@@ -1455,52 +1757,47 @@
           <a:p>
             <a:pPr lvl="0" fontAlgn="auto"/>
             <a:r>
-              <a:rPr lang="zh-CN" altLang="en-US" strike="noStrike" noProof="1" smtClean="0"/>
+              <a:rPr lang="zh-CN" altLang="en-US" strike="noStrike" noProof="1"/>
               <a:t>Click to edit Master </a:t>
             </a:r>
             <a:r>
-              <a:rPr lang="zh-CN" altLang="en-US" strike="noStrike" noProof="1" dirty="0">
+              <a:rPr lang="zh-CN" altLang="en-US" strike="noStrike" noProof="1">
                 <a:sym typeface="+mn-ea"/>
               </a:rPr>
               <a:t>text</a:t>
             </a:r>
             <a:r>
-              <a:rPr lang="zh-CN" altLang="en-US" strike="noStrike" noProof="1" smtClean="0"/>
+              <a:rPr lang="zh-CN" altLang="en-US" strike="noStrike" noProof="1"/>
               <a:t> style</a:t>
             </a:r>
-            <a:endParaRPr lang="zh-CN" altLang="en-US" strike="noStrike" noProof="1" smtClean="0"/>
           </a:p>
           <a:p>
             <a:pPr lvl="1" fontAlgn="auto"/>
             <a:r>
-              <a:rPr lang="zh-CN" altLang="en-US" strike="noStrike" noProof="1" smtClean="0"/>
+              <a:rPr lang="zh-CN" altLang="en-US" strike="noStrike" noProof="1"/>
               <a:t>Second level</a:t>
             </a:r>
-            <a:endParaRPr lang="zh-CN" altLang="en-US" strike="noStrike" noProof="1" smtClean="0"/>
           </a:p>
           <a:p>
             <a:pPr lvl="2" fontAlgn="auto"/>
             <a:r>
-              <a:rPr lang="zh-CN" altLang="en-US" strike="noStrike" noProof="1" smtClean="0"/>
+              <a:rPr lang="zh-CN" altLang="en-US" strike="noStrike" noProof="1"/>
               <a:t>Third level</a:t>
             </a:r>
-            <a:endParaRPr lang="zh-CN" altLang="en-US" strike="noStrike" noProof="1" smtClean="0"/>
           </a:p>
           <a:p>
             <a:pPr lvl="3" fontAlgn="auto"/>
             <a:r>
-              <a:rPr lang="zh-CN" altLang="en-US" strike="noStrike" noProof="1" smtClean="0"/>
+              <a:rPr lang="zh-CN" altLang="en-US" strike="noStrike" noProof="1"/>
               <a:t>Fourth level</a:t>
             </a:r>
-            <a:endParaRPr lang="zh-CN" altLang="en-US" strike="noStrike" noProof="1" smtClean="0"/>
           </a:p>
           <a:p>
             <a:pPr lvl="4" fontAlgn="auto"/>
             <a:r>
-              <a:rPr lang="zh-CN" altLang="en-US" strike="noStrike" noProof="1" smtClean="0"/>
+              <a:rPr lang="zh-CN" altLang="en-US" strike="noStrike" noProof="1"/>
               <a:t>Fifth level</a:t>
             </a:r>
-            <a:endParaRPr lang="zh-CN" altLang="en-US" strike="noStrike" noProof="1" smtClean="0"/>
           </a:p>
         </p:txBody>
       </p:sp>
@@ -1517,6 +1814,7 @@
         <p:spPr/>
         <p:txBody>
           <a:bodyPr/>
+          <a:lstStyle/>
           <a:p>
             <a:pPr marL="0" marR="0" lvl="0" indent="0" algn="l" defTabSz="914400" rtl="0" eaLnBrk="1" fontAlgn="auto" latinLnBrk="0" hangingPunct="1">
               <a:lnSpc>
@@ -1553,22 +1851,6 @@
               </a:rPr>
               <a:t> </a:t>
             </a:r>
-            <a:endParaRPr kumimoji="0" lang="zh-CN" altLang="en-US" sz="1200" b="0" i="0" u="none" strike="noStrike" kern="1200" cap="none" spc="0" normalizeH="0" baseline="0" noProof="0">
-              <a:ln>
-                <a:noFill/>
-              </a:ln>
-              <a:solidFill>
-                <a:schemeClr val="tx1">
-                  <a:tint val="75000"/>
-                </a:schemeClr>
-              </a:solidFill>
-              <a:effectLst/>
-              <a:uLnTx/>
-              <a:uFillTx/>
-              <a:latin typeface="+mn-lt"/>
-              <a:ea typeface="+mn-ea"/>
-              <a:cs typeface="+mn-cs"/>
-            </a:endParaRPr>
           </a:p>
         </p:txBody>
       </p:sp>
@@ -1585,6 +1867,7 @@
         <p:spPr/>
         <p:txBody>
           <a:bodyPr/>
+          <a:lstStyle/>
           <a:p>
             <a:pPr marL="0" marR="0" lvl="0" indent="0" algn="ctr" defTabSz="914400" rtl="0" eaLnBrk="1" fontAlgn="auto" latinLnBrk="0" hangingPunct="1">
               <a:lnSpc>
@@ -1621,22 +1904,6 @@
               </a:rPr>
               <a:t> </a:t>
             </a:r>
-            <a:endParaRPr kumimoji="0" lang="zh-CN" altLang="en-US" sz="1200" b="0" i="0" u="none" strike="noStrike" kern="1200" cap="none" spc="0" normalizeH="0" baseline="0" noProof="0">
-              <a:ln>
-                <a:noFill/>
-              </a:ln>
-              <a:solidFill>
-                <a:schemeClr val="tx1">
-                  <a:tint val="75000"/>
-                </a:schemeClr>
-              </a:solidFill>
-              <a:effectLst/>
-              <a:uLnTx/>
-              <a:uFillTx/>
-              <a:latin typeface="+mn-lt"/>
-              <a:ea typeface="+mn-ea"/>
-              <a:cs typeface="+mn-cs"/>
-            </a:endParaRPr>
           </a:p>
         </p:txBody>
       </p:sp>
@@ -1653,6 +1920,7 @@
         <p:spPr/>
         <p:txBody>
           <a:bodyPr/>
+          <a:lstStyle/>
           <a:p>
             <a:pPr marL="0" marR="0" lvl="0" indent="0" algn="r" defTabSz="914400" rtl="0" eaLnBrk="1" fontAlgn="auto" latinLnBrk="0" hangingPunct="1">
               <a:lnSpc>
@@ -1687,6 +1955,7 @@
                 <a:ea typeface="+mn-ea"/>
                 <a:cs typeface="+mn-cs"/>
               </a:rPr>
+              <a:t>‹#›</a:t>
             </a:fld>
             <a:endParaRPr kumimoji="0" lang="zh-CN" altLang="en-US" sz="1200" b="0" i="0" u="none" strike="noStrike" kern="1200" cap="none" spc="0" normalizeH="0" baseline="0" noProof="0">
               <a:ln>
@@ -1745,6 +2014,7 @@
         <p:spPr/>
         <p:txBody>
           <a:bodyPr/>
+          <a:lstStyle/>
           <a:p>
             <a:pPr marL="0" marR="0" lvl="0" indent="0" algn="l" defTabSz="914400" rtl="0" eaLnBrk="1" fontAlgn="auto" latinLnBrk="0" hangingPunct="1">
               <a:lnSpc>
@@ -1781,22 +2051,6 @@
               </a:rPr>
               <a:t> </a:t>
             </a:r>
-            <a:endParaRPr kumimoji="0" lang="zh-CN" altLang="en-US" sz="1200" b="0" i="0" u="none" strike="noStrike" kern="1200" cap="none" spc="0" normalizeH="0" baseline="0" noProof="0">
-              <a:ln>
-                <a:noFill/>
-              </a:ln>
-              <a:solidFill>
-                <a:schemeClr val="tx1">
-                  <a:tint val="75000"/>
-                </a:schemeClr>
-              </a:solidFill>
-              <a:effectLst/>
-              <a:uLnTx/>
-              <a:uFillTx/>
-              <a:latin typeface="+mn-lt"/>
-              <a:ea typeface="+mn-ea"/>
-              <a:cs typeface="+mn-cs"/>
-            </a:endParaRPr>
           </a:p>
         </p:txBody>
       </p:sp>
@@ -1813,6 +2067,7 @@
         <p:spPr/>
         <p:txBody>
           <a:bodyPr/>
+          <a:lstStyle/>
           <a:p>
             <a:pPr marL="0" marR="0" lvl="0" indent="0" algn="ctr" defTabSz="914400" rtl="0" eaLnBrk="1" fontAlgn="auto" latinLnBrk="0" hangingPunct="1">
               <a:lnSpc>
@@ -1849,22 +2104,6 @@
               </a:rPr>
               <a:t> </a:t>
             </a:r>
-            <a:endParaRPr kumimoji="0" lang="zh-CN" altLang="en-US" sz="1200" b="0" i="0" u="none" strike="noStrike" kern="1200" cap="none" spc="0" normalizeH="0" baseline="0" noProof="0">
-              <a:ln>
-                <a:noFill/>
-              </a:ln>
-              <a:solidFill>
-                <a:schemeClr val="tx1">
-                  <a:tint val="75000"/>
-                </a:schemeClr>
-              </a:solidFill>
-              <a:effectLst/>
-              <a:uLnTx/>
-              <a:uFillTx/>
-              <a:latin typeface="+mn-lt"/>
-              <a:ea typeface="+mn-ea"/>
-              <a:cs typeface="+mn-cs"/>
-            </a:endParaRPr>
           </a:p>
         </p:txBody>
       </p:sp>
@@ -1881,6 +2120,7 @@
         <p:spPr/>
         <p:txBody>
           <a:bodyPr/>
+          <a:lstStyle/>
           <a:p>
             <a:pPr marL="0" marR="0" lvl="0" indent="0" algn="r" defTabSz="914400" rtl="0" eaLnBrk="1" fontAlgn="auto" latinLnBrk="0" hangingPunct="1">
               <a:lnSpc>
@@ -1915,6 +2155,7 @@
                 <a:ea typeface="+mn-ea"/>
                 <a:cs typeface="+mn-cs"/>
               </a:rPr>
+              <a:t>‹#›</a:t>
             </a:fld>
             <a:endParaRPr kumimoji="0" lang="zh-CN" altLang="en-US" sz="1200" b="0" i="0" u="none" strike="noStrike" kern="1200" cap="none" spc="0" normalizeH="0" baseline="0" noProof="0">
               <a:ln>
@@ -1976,10 +2217,9 @@
           <a:lstStyle/>
           <a:p>
             <a:r>
-              <a:rPr lang="en-US" smtClean="0"/>
+              <a:rPr lang="en-US"/>
               <a:t>Click to edit Master title style</a:t>
             </a:r>
-            <a:endParaRPr lang="en-US"/>
           </a:p>
         </p:txBody>
       </p:sp>
@@ -2000,42 +2240,37 @@
           <a:p>
             <a:pPr lvl="0"/>
             <a:r>
-              <a:rPr lang="en-US" smtClean="0"/>
+              <a:rPr lang="en-US"/>
               <a:t>Click to edit Master text styles</a:t>
             </a:r>
-            <a:endParaRPr lang="en-US" smtClean="0"/>
           </a:p>
           <a:p>
             <a:pPr lvl="1"/>
             <a:r>
-              <a:rPr lang="en-US" smtClean="0"/>
+              <a:rPr lang="en-US"/>
               <a:t>Second level</a:t>
             </a:r>
-            <a:endParaRPr lang="en-US" smtClean="0"/>
           </a:p>
           <a:p>
             <a:pPr lvl="2"/>
             <a:r>
-              <a:rPr lang="en-US" smtClean="0"/>
+              <a:rPr lang="en-US"/>
               <a:t>Third level</a:t>
             </a:r>
-            <a:endParaRPr lang="en-US" smtClean="0"/>
           </a:p>
           <a:p>
             <a:pPr lvl="3"/>
             <a:r>
-              <a:rPr lang="en-US" smtClean="0"/>
+              <a:rPr lang="en-US"/>
               <a:t>Fourth level</a:t>
             </a:r>
-            <a:endParaRPr lang="en-US" smtClean="0"/>
           </a:p>
           <a:p>
             <a:pPr lvl="4"/>
             <a:r>
-              <a:rPr lang="en-US" smtClean="0"/>
+              <a:rPr lang="en-US"/>
               <a:t>Fifth level</a:t>
             </a:r>
-            <a:endParaRPr lang="en-US"/>
           </a:p>
         </p:txBody>
       </p:sp>
@@ -2056,6 +2291,7 @@
           <a:p>
             <a:fld id="{FDE934FF-F4E1-47C5-9CA5-30A81DDE2BE4}" type="datetimeFigureOut">
               <a:rPr lang="en-US" smtClean="0"/>
+              <a:t>7/26/2019</a:t>
             </a:fld>
             <a:endParaRPr lang="en-US"/>
           </a:p>
@@ -2097,6 +2333,7 @@
           <a:p>
             <a:fld id="{B3561BA9-CDCF-4958-B8AB-66F3BF063E13}" type="slidenum">
               <a:rPr lang="en-US" smtClean="0"/>
+              <a:t>‹#›</a:t>
             </a:fld>
             <a:endParaRPr lang="en-US"/>
           </a:p>
@@ -2124,7 +2361,14 @@
         <p:cNvGrpSpPr/>
         <p:nvPr/>
       </p:nvGrpSpPr>
-      <p:grpSpPr/>
+      <p:grpSpPr>
+        <a:xfrm>
+          <a:off x="0" y="0"/>
+          <a:ext cx="0" cy="0"/>
+          <a:chOff x="0" y="0"/>
+          <a:chExt cx="0" cy="0"/>
+        </a:xfrm>
+      </p:grpSpPr>
       <p:sp>
         <p:nvSpPr>
           <p:cNvPr id="1026" name="标题占位符 1"/>
@@ -2150,13 +2394,13 @@
         </p:spPr>
         <p:txBody>
           <a:bodyPr anchor="ctr"/>
+          <a:lstStyle/>
           <a:p>
             <a:pPr lvl="0"/>
             <a:r>
               <a:rPr lang="zh-CN" altLang="en-US" dirty="0"/>
               <a:t>Click to edit Master title style</a:t>
             </a:r>
-            <a:endParaRPr lang="zh-CN" altLang="en-US" dirty="0"/>
           </a:p>
         </p:txBody>
       </p:sp>
@@ -2185,13 +2429,13 @@
         </p:spPr>
         <p:txBody>
           <a:bodyPr anchor="t"/>
+          <a:lstStyle/>
           <a:p>
             <a:pPr lvl="0" indent="-228600"/>
             <a:r>
               <a:rPr lang="zh-CN" altLang="en-US" dirty="0"/>
               <a:t>Click to edit Master text style</a:t>
             </a:r>
-            <a:endParaRPr lang="zh-CN" altLang="en-US" dirty="0"/>
           </a:p>
           <a:p>
             <a:pPr lvl="1" indent="-228600"/>
@@ -2199,7 +2443,6 @@
               <a:rPr lang="zh-CN" altLang="en-US" dirty="0"/>
               <a:t>Second level</a:t>
             </a:r>
-            <a:endParaRPr lang="zh-CN" altLang="en-US" dirty="0"/>
           </a:p>
           <a:p>
             <a:pPr lvl="2" indent="-228600"/>
@@ -2207,7 +2450,6 @@
               <a:rPr lang="zh-CN" altLang="en-US" dirty="0"/>
               <a:t>Third level</a:t>
             </a:r>
-            <a:endParaRPr lang="zh-CN" altLang="en-US" dirty="0"/>
           </a:p>
           <a:p>
             <a:pPr lvl="3" indent="-228600"/>
@@ -2215,7 +2457,6 @@
               <a:rPr lang="zh-CN" altLang="en-US" dirty="0"/>
               <a:t>Fourth level</a:t>
             </a:r>
-            <a:endParaRPr lang="zh-CN" altLang="en-US" dirty="0"/>
           </a:p>
           <a:p>
             <a:pPr lvl="4" indent="-228600"/>
@@ -2223,7 +2464,6 @@
               <a:rPr lang="zh-CN" altLang="en-US" dirty="0"/>
               <a:t>Fifth level</a:t>
             </a:r>
-            <a:endParaRPr lang="zh-CN" altLang="en-US" dirty="0"/>
           </a:p>
         </p:txBody>
       </p:sp>
@@ -2295,22 +2535,6 @@
               </a:rPr>
               <a:t> </a:t>
             </a:r>
-            <a:endParaRPr kumimoji="0" lang="zh-CN" altLang="en-US" sz="1200" b="0" i="0" u="none" strike="noStrike" kern="1200" cap="none" spc="0" normalizeH="0" baseline="0" noProof="0">
-              <a:ln>
-                <a:noFill/>
-              </a:ln>
-              <a:solidFill>
-                <a:schemeClr val="tx1">
-                  <a:tint val="75000"/>
-                </a:schemeClr>
-              </a:solidFill>
-              <a:effectLst/>
-              <a:uLnTx/>
-              <a:uFillTx/>
-              <a:latin typeface="+mn-lt"/>
-              <a:ea typeface="+mn-ea"/>
-              <a:cs typeface="+mn-cs"/>
-            </a:endParaRPr>
           </a:p>
         </p:txBody>
       </p:sp>
@@ -2382,22 +2606,6 @@
               </a:rPr>
               <a:t> </a:t>
             </a:r>
-            <a:endParaRPr kumimoji="0" lang="zh-CN" altLang="en-US" sz="1200" b="0" i="0" u="none" strike="noStrike" kern="1200" cap="none" spc="0" normalizeH="0" baseline="0" noProof="0">
-              <a:ln>
-                <a:noFill/>
-              </a:ln>
-              <a:solidFill>
-                <a:schemeClr val="tx1">
-                  <a:tint val="75000"/>
-                </a:schemeClr>
-              </a:solidFill>
-              <a:effectLst/>
-              <a:uLnTx/>
-              <a:uFillTx/>
-              <a:latin typeface="+mn-lt"/>
-              <a:ea typeface="+mn-ea"/>
-              <a:cs typeface="+mn-cs"/>
-            </a:endParaRPr>
           </a:p>
         </p:txBody>
       </p:sp>
@@ -2467,6 +2675,7 @@
                 <a:ea typeface="+mn-ea"/>
                 <a:cs typeface="+mn-cs"/>
               </a:rPr>
+              <a:t>‹#›</a:t>
             </a:fld>
             <a:endParaRPr kumimoji="0" lang="zh-CN" altLang="en-US" sz="1200" b="0" i="0" u="none" strike="noStrike" kern="1200" cap="none" spc="0" normalizeH="0" baseline="0" noProof="0">
               <a:ln>
@@ -2789,7 +2998,14 @@
         <p:cNvGrpSpPr/>
         <p:nvPr/>
       </p:nvGrpSpPr>
-      <p:grpSpPr/>
+      <p:grpSpPr>
+        <a:xfrm>
+          <a:off x="0" y="0"/>
+          <a:ext cx="0" cy="0"/>
+          <a:chOff x="0" y="0"/>
+          <a:chExt cx="0" cy="0"/>
+        </a:xfrm>
+      </p:grpSpPr>
       <p:sp>
         <p:nvSpPr>
           <p:cNvPr id="17" name="矩形 16"/>
@@ -3377,15 +3593,6 @@
               </a:rPr>
               <a:t>Progressive Web Application (PWA)</a:t>
             </a:r>
-            <a:endParaRPr kumimoji="0" lang="en-US" altLang="zh-CN" sz="6600" kern="1200" cap="none" spc="300" normalizeH="0" baseline="0" noProof="0" dirty="0">
-              <a:solidFill>
-                <a:schemeClr val="bg1"/>
-              </a:solidFill>
-              <a:latin typeface="Impact" pitchFamily="34" charset="0"/>
-              <a:ea typeface="+mn-ea"/>
-              <a:cs typeface="+mn-cs"/>
-              <a:sym typeface="+mn-ea"/>
-            </a:endParaRPr>
           </a:p>
         </p:txBody>
       </p:sp>
@@ -3628,10 +3835,23 @@
         <p:cNvGrpSpPr/>
         <p:nvPr/>
       </p:nvGrpSpPr>
-      <p:grpSpPr/>
-      <p:sp>
-        <p:nvSpPr>
-          <p:cNvPr id="2" name="Title 1"/>
+      <p:grpSpPr>
+        <a:xfrm>
+          <a:off x="0" y="0"/>
+          <a:ext cx="0" cy="0"/>
+          <a:chOff x="0" y="0"/>
+          <a:chExt cx="0" cy="0"/>
+        </a:xfrm>
+      </p:grpSpPr>
+      <p:sp>
+        <p:nvSpPr>
+          <p:cNvPr id="2" name="Title 1">
+            <a:extLst>
+              <a:ext uri="{FF2B5EF4-FFF2-40B4-BE49-F238E27FC236}">
+                <a16:creationId xmlns:a16="http://schemas.microsoft.com/office/drawing/2014/main" id="{1CD8A63B-B0AE-493B-A50E-77754DE343B1}"/>
+              </a:ext>
+            </a:extLst>
+          </p:cNvPr>
           <p:cNvSpPr>
             <a:spLocks noGrp="1"/>
           </p:cNvSpPr>
@@ -3642,18 +3862,29 @@
         <p:spPr/>
         <p:txBody>
           <a:bodyPr/>
-          <a:p>
-            <a:r>
-              <a:rPr lang="en-US"/>
-              <a:t>Service Worker 的作用域</a:t>
-            </a:r>
-            <a:endParaRPr lang="en-US"/>
-          </a:p>
-        </p:txBody>
-      </p:sp>
-      <p:sp>
-        <p:nvSpPr>
-          <p:cNvPr id="3" name="Content Placeholder 2"/>
+          <a:lstStyle/>
+          <a:p>
+            <a:r>
+              <a:rPr lang="en-US" dirty="0"/>
+              <a:t>Service Worker</a:t>
+            </a:r>
+            <a:r>
+              <a:rPr lang="zh-CN" altLang="en-US" dirty="0"/>
+              <a:t>总体功能</a:t>
+            </a:r>
+            <a:endParaRPr lang="en-US" dirty="0"/>
+          </a:p>
+        </p:txBody>
+      </p:sp>
+      <p:sp>
+        <p:nvSpPr>
+          <p:cNvPr id="3" name="Content Placeholder 2">
+            <a:extLst>
+              <a:ext uri="{FF2B5EF4-FFF2-40B4-BE49-F238E27FC236}">
+                <a16:creationId xmlns:a16="http://schemas.microsoft.com/office/drawing/2014/main" id="{426E24E4-CF19-4ACB-9319-2C8634FFAF5C}"/>
+              </a:ext>
+            </a:extLst>
+          </p:cNvPr>
           <p:cNvSpPr>
             <a:spLocks noGrp="1"/>
           </p:cNvSpPr>
@@ -3661,63 +3892,118 @@
             <p:ph idx="1"/>
           </p:nvPr>
         </p:nvSpPr>
-        <p:spPr/>
+        <p:spPr>
+          <a:xfrm>
+            <a:off x="838200" y="2175029"/>
+            <a:ext cx="10515600" cy="4001934"/>
+          </a:xfrm>
+        </p:spPr>
         <p:txBody>
           <a:bodyPr/>
-          <a:p>
-            <a:r>
-              <a:rPr lang="en-US" sz="2400"/>
-              <a:t>一个 Service Worker 的默认作用域是这个Service Worker 脚本所在的目录。例如 https://example.com/sw.js 脚本默认就是 https://example.com 下的所有页面。你也可以在注册 service worker 时明确指定作用域：</a:t>
-            </a:r>
-            <a:endParaRPr lang="en-US"/>
-          </a:p>
-          <a:p>
-            <a:pPr marL="0" indent="0">
-              <a:buNone/>
-            </a:pPr>
-            <a:r>
-              <a:rPr lang="en-US" sz="1800"/>
-              <a:t>navigator.serviceWorker.register('sw.js', {</a:t>
-            </a:r>
-            <a:endParaRPr lang="en-US" sz="1800"/>
-          </a:p>
-          <a:p>
-            <a:pPr marL="0" indent="0">
-              <a:buNone/>
-            </a:pPr>
-            <a:r>
-              <a:rPr lang="en-US" sz="1800"/>
-              <a:t>    scope: './abc'</a:t>
-            </a:r>
-            <a:endParaRPr lang="en-US" sz="1800"/>
-          </a:p>
-          <a:p>
-            <a:pPr marL="0" indent="0">
-              <a:buNone/>
-            </a:pPr>
-            <a:r>
-              <a:rPr lang="en-US" sz="1800"/>
-              <a:t>});</a:t>
-            </a:r>
-            <a:endParaRPr lang="en-US" sz="1800"/>
-          </a:p>
-          <a:p>
-            <a:r>
-              <a:rPr lang="en-US" sz="2400"/>
-              <a:t>假设以上代码在 https://example.com 页面里执行，则意味着该 service worker 的作用域就是 https://example.com/abc 下的页面。</a:t>
-            </a:r>
-            <a:endParaRPr lang="en-US" sz="2400"/>
-          </a:p>
-          <a:p>
-            <a:r>
-              <a:rPr lang="en-US" sz="2400"/>
-              <a:t>我们把页面、workers 以及 shared workers 统称为 clients。你的 service worker 只能控制其作用域范围内的 clients。你可以通过检查 navigator.serviceWorker.controller 属性来判断某个 client 是否受控于 service worker 之下。</a:t>
-            </a:r>
-            <a:endParaRPr lang="en-US" sz="2400"/>
+          <a:lstStyle/>
+          <a:p>
+            <a:r>
+              <a:rPr lang="en-US" dirty="0"/>
+              <a:t>Service Worker </a:t>
+            </a:r>
+            <a:r>
+              <a:rPr lang="zh-CN" altLang="en-US" dirty="0"/>
+              <a:t>讲道理是由两部分构成，一部分是 </a:t>
+            </a:r>
+            <a:r>
+              <a:rPr lang="en-US" dirty="0"/>
+              <a:t>cache，</a:t>
+            </a:r>
+            <a:r>
+              <a:rPr lang="zh-CN" altLang="en-US" dirty="0"/>
+              <a:t>还有一部分则是 </a:t>
+            </a:r>
+            <a:r>
+              <a:rPr lang="en-US" dirty="0"/>
+              <a:t>Worker</a:t>
+            </a:r>
+          </a:p>
+          <a:p>
+            <a:r>
+              <a:rPr lang="zh-CN" altLang="en-US" dirty="0"/>
+              <a:t>后台进程</a:t>
+            </a:r>
+            <a:r>
+              <a:rPr lang="en-US" altLang="zh-CN" dirty="0"/>
+              <a:t>: SW </a:t>
+            </a:r>
+            <a:r>
+              <a:rPr lang="zh-CN" altLang="en-US" dirty="0"/>
+              <a:t>就是一个 </a:t>
+            </a:r>
+            <a:r>
+              <a:rPr lang="en-US" altLang="zh-CN" dirty="0"/>
+              <a:t>worker </a:t>
+            </a:r>
+            <a:r>
+              <a:rPr lang="zh-CN" altLang="en-US" dirty="0"/>
+              <a:t>独立于当前网页进程。</a:t>
+            </a:r>
+          </a:p>
+          <a:p>
+            <a:r>
+              <a:rPr lang="zh-CN" altLang="en-US" dirty="0"/>
+              <a:t>网络代理</a:t>
+            </a:r>
+            <a:r>
+              <a:rPr lang="en-US" altLang="zh-CN" dirty="0"/>
+              <a:t>: SW </a:t>
+            </a:r>
+            <a:r>
+              <a:rPr lang="zh-CN" altLang="en-US" dirty="0"/>
+              <a:t>可以用来代理请求，缓存文件</a:t>
+            </a:r>
+          </a:p>
+          <a:p>
+            <a:r>
+              <a:rPr lang="zh-CN" altLang="en-US" dirty="0"/>
+              <a:t>灵活触发</a:t>
+            </a:r>
+            <a:r>
+              <a:rPr lang="en-US" altLang="zh-CN" dirty="0"/>
+              <a:t>: </a:t>
+            </a:r>
+            <a:r>
+              <a:rPr lang="zh-CN" altLang="en-US" dirty="0"/>
+              <a:t>需要的时候吊起，不需要的时候睡眠</a:t>
+            </a:r>
+          </a:p>
+          <a:p>
+            <a:r>
+              <a:rPr lang="zh-CN" altLang="en-US" dirty="0"/>
+              <a:t>异步控制</a:t>
+            </a:r>
+            <a:r>
+              <a:rPr lang="en-US" altLang="zh-CN" dirty="0"/>
+              <a:t>: SW </a:t>
+            </a:r>
+            <a:r>
+              <a:rPr lang="zh-CN" altLang="en-US" dirty="0"/>
+              <a:t>内部使用 </a:t>
+            </a:r>
+            <a:r>
+              <a:rPr lang="en-US" altLang="zh-CN" dirty="0"/>
+              <a:t>promise </a:t>
+            </a:r>
+            <a:r>
+              <a:rPr lang="zh-CN" altLang="en-US" dirty="0"/>
+              <a:t>来进行控制。</a:t>
+            </a:r>
+            <a:endParaRPr lang="en-US" dirty="0"/>
           </a:p>
         </p:txBody>
       </p:sp>
     </p:spTree>
+    <p:extLst>
+      <p:ext uri="{BB962C8B-B14F-4D97-AF65-F5344CB8AC3E}">
+        <p14:creationId xmlns:p14="http://schemas.microsoft.com/office/powerpoint/2010/main" val="1671277345"/>
+      </p:ext>
+    </p:extLst>
   </p:cSld>
   <p:clrMapOvr>
     <a:masterClrMapping/>
@@ -3734,7 +4020,14 @@
         <p:cNvGrpSpPr/>
         <p:nvPr/>
       </p:nvGrpSpPr>
-      <p:grpSpPr/>
+      <p:grpSpPr>
+        <a:xfrm>
+          <a:off x="0" y="0"/>
+          <a:ext cx="0" cy="0"/>
+          <a:chOff x="0" y="0"/>
+          <a:chExt cx="0" cy="0"/>
+        </a:xfrm>
+      </p:grpSpPr>
       <p:sp>
         <p:nvSpPr>
           <p:cNvPr id="2" name="Title 1"/>
@@ -3748,12 +4041,21 @@
         <p:spPr/>
         <p:txBody>
           <a:bodyPr/>
-          <a:p>
-            <a:r>
-              <a:rPr lang="en-US"/>
-              <a:t>注册 Service Worker</a:t>
-            </a:r>
-            <a:endParaRPr lang="en-US"/>
+          <a:lstStyle/>
+          <a:p>
+            <a:r>
+              <a:rPr lang="en-US" dirty="0"/>
+              <a:t>Service Worker</a:t>
+            </a:r>
+            <a:r>
+              <a:rPr lang="zh-CN" altLang="en-US" dirty="0"/>
+              <a:t>支持</a:t>
+            </a:r>
+            <a:r>
+              <a:rPr lang="en-US" dirty="0" err="1"/>
+              <a:t>离线使用</a:t>
+            </a:r>
+            <a:endParaRPr lang="en-US" dirty="0"/>
           </a:p>
         </p:txBody>
       </p:sp>
@@ -3767,98 +4069,61 @@
             <p:ph idx="1"/>
           </p:nvPr>
         </p:nvSpPr>
-        <p:spPr/>
+        <p:spPr>
+          <a:xfrm>
+            <a:off x="838200" y="1825625"/>
+            <a:ext cx="10515600" cy="2237740"/>
+          </a:xfrm>
+        </p:spPr>
         <p:txBody>
           <a:bodyPr/>
-          <a:p>
-            <a:r>
-              <a:rPr lang="en-US"/>
-              <a:t>在 register() 时传入的 Service Worker 脚本的路径决定了此 Service Worker 的作用域。</a:t>
-            </a:r>
-            <a:endParaRPr lang="en-US"/>
-          </a:p>
-          <a:p>
-            <a:pPr marL="0" indent="0">
-              <a:buNone/>
-            </a:pPr>
-            <a:r>
-              <a:rPr lang="en-US" sz="1800"/>
-              <a:t>// 检测浏览器是否支持 service worker API</a:t>
-            </a:r>
-            <a:endParaRPr lang="en-US" sz="1800"/>
-          </a:p>
-          <a:p>
-            <a:pPr marL="0" indent="0">
-              <a:buNone/>
-            </a:pPr>
-            <a:r>
-              <a:rPr lang="en-US" sz="1800"/>
-              <a:t>if ('serviceWorker' in navigator) {</a:t>
-            </a:r>
-            <a:endParaRPr lang="en-US" sz="1800"/>
-          </a:p>
-          <a:p>
-            <a:pPr marL="0" indent="0">
-              <a:buNone/>
-            </a:pPr>
-            <a:r>
-              <a:rPr lang="en-US" sz="1800"/>
-              <a:t>      navigator.serviceWorker.register('/sw.js').then(function(registration)      {</a:t>
-            </a:r>
-            <a:endParaRPr lang="en-US" sz="1800"/>
-          </a:p>
-          <a:p>
-            <a:pPr marL="0" indent="0">
-              <a:buNone/>
-            </a:pPr>
-            <a:r>
-              <a:rPr lang="en-US" sz="1800"/>
-              <a:t>          console.log('ServiceWorker registration successful with scope: ', registration.scope);</a:t>
-            </a:r>
-            <a:endParaRPr lang="en-US" sz="1800"/>
-          </a:p>
-          <a:p>
-            <a:pPr marL="0" indent="0">
-              <a:buNone/>
-            </a:pPr>
-            <a:r>
-              <a:rPr lang="en-US" sz="1800"/>
-              <a:t>      },    function(err) {</a:t>
-            </a:r>
-            <a:endParaRPr lang="en-US" sz="1800"/>
-          </a:p>
-          <a:p>
-            <a:pPr marL="0" indent="0">
-              <a:buNone/>
-            </a:pPr>
-            <a:r>
-              <a:rPr lang="en-US" sz="1800"/>
-              <a:t>          console.log('ServiceWorker registration failed: ', err);</a:t>
-            </a:r>
-            <a:endParaRPr lang="en-US" sz="1800"/>
-          </a:p>
-          <a:p>
-            <a:pPr marL="0" indent="0">
-              <a:buNone/>
-            </a:pPr>
-            <a:r>
-              <a:rPr lang="en-US" sz="1800"/>
-              <a:t>      });</a:t>
-            </a:r>
-            <a:endParaRPr lang="en-US" sz="1800"/>
-          </a:p>
-          <a:p>
-            <a:pPr marL="0" indent="0">
-              <a:buNone/>
-            </a:pPr>
-            <a:r>
-              <a:rPr lang="en-US" sz="1800"/>
-              <a:t>}</a:t>
-            </a:r>
-            <a:endParaRPr lang="en-US" sz="1800"/>
-          </a:p>
-        </p:txBody>
-      </p:sp>
+          <a:lstStyle/>
+          <a:p>
+            <a:r>
+              <a:rPr lang="en-US" sz="2000"/>
+              <a:t>PWA 另一项令人兴奋的特性就是可以离线使用,其背后用到的技术是 Service Worker</a:t>
+            </a:r>
+            <a:r>
+              <a:rPr lang="zh-CN" altLang="en-US" sz="2000"/>
+              <a:t>。</a:t>
+            </a:r>
+            <a:r>
+              <a:rPr lang="en-US" sz="2000"/>
+              <a:t>Service Worker实际上是一段脚本，在后台运行。作为一个独立的线程，运行环境与普通脚本不同，所以不能直接参与 Web 交互行为。Service Worker 的出现是正是为了使得 Web App 也可以做到像 Native App 那样可以离线使用、消息推送的功能。可以把Service Worker当做是一种客户端代理，让你可以控制页面请求的处理方式。</a:t>
+            </a:r>
+          </a:p>
+          <a:p>
+            <a:r>
+              <a:rPr lang="en-US" sz="2000"/>
+              <a:t>Service Worker 也有生命周期</a:t>
+            </a:r>
+          </a:p>
+        </p:txBody>
+      </p:sp>
+      <p:pic>
+        <p:nvPicPr>
+          <p:cNvPr id="4" name="Picture 3"/>
+          <p:cNvPicPr>
+            <a:picLocks noChangeAspect="1"/>
+          </p:cNvPicPr>
+          <p:nvPr/>
+        </p:nvPicPr>
+        <p:blipFill>
+          <a:blip r:embed="rId2"/>
+          <a:stretch>
+            <a:fillRect/>
+          </a:stretch>
+        </p:blipFill>
+        <p:spPr>
+          <a:xfrm>
+            <a:off x="838200" y="3952875"/>
+            <a:ext cx="10514965" cy="2682240"/>
+          </a:xfrm>
+          <a:prstGeom prst="rect">
+            <a:avLst/>
+          </a:prstGeom>
+        </p:spPr>
+      </p:pic>
     </p:spTree>
   </p:cSld>
   <p:clrMapOvr>
@@ -3876,7 +4141,14 @@
         <p:cNvGrpSpPr/>
         <p:nvPr/>
       </p:nvGrpSpPr>
-      <p:grpSpPr/>
+      <p:grpSpPr>
+        <a:xfrm>
+          <a:off x="0" y="0"/>
+          <a:ext cx="0" cy="0"/>
+          <a:chOff x="0" y="0"/>
+          <a:chExt cx="0" cy="0"/>
+        </a:xfrm>
+      </p:grpSpPr>
       <p:sp>
         <p:nvSpPr>
           <p:cNvPr id="2" name="Title 1"/>
@@ -3890,79 +4162,55 @@
         <p:spPr/>
         <p:txBody>
           <a:bodyPr/>
+          <a:lstStyle/>
           <a:p>
             <a:r>
               <a:rPr lang="en-US"/>
-              <a:t>install 事件</a:t>
-            </a:r>
-            <a:endParaRPr lang="en-US"/>
-          </a:p>
-        </p:txBody>
-      </p:sp>
-      <p:sp>
-        <p:nvSpPr>
-          <p:cNvPr id="3" name="Content Placeholder 2"/>
-          <p:cNvSpPr>
-            <a:spLocks noGrp="1"/>
-          </p:cNvSpPr>
+              <a:t>Service Worker</a:t>
+            </a:r>
+            <a:r>
+              <a:rPr lang="zh-CN" altLang="en-US"/>
+              <a:t>生命周期详细说明</a:t>
+            </a:r>
+          </a:p>
+        </p:txBody>
+      </p:sp>
+      <p:pic>
+        <p:nvPicPr>
+          <p:cNvPr id="4" name="Content Placeholder 3"/>
+          <p:cNvPicPr>
+            <a:picLocks noGrp="1" noChangeAspect="1"/>
+          </p:cNvPicPr>
           <p:nvPr>
             <p:ph idx="1"/>
           </p:nvPr>
-        </p:nvSpPr>
+        </p:nvPicPr>
+        <p:blipFill>
+          <a:blip r:embed="rId2"/>
+          <a:stretch>
+            <a:fillRect/>
+          </a:stretch>
+        </p:blipFill>
         <p:spPr>
           <a:xfrm>
-            <a:off x="838200" y="1825625"/>
-            <a:ext cx="6064885" cy="4351655"/>
+            <a:off x="838200" y="1454785"/>
+            <a:ext cx="3837305" cy="4782820"/>
           </a:xfrm>
+          <a:prstGeom prst="rect">
+            <a:avLst/>
+          </a:prstGeom>
         </p:spPr>
-        <p:txBody>
-          <a:bodyPr/>
-          <a:p>
-            <a:r>
-              <a:rPr lang="en-US" sz="2400"/>
-              <a:t>在注册 Service Worker 之后，从 Service Worker 的视角来看。它收到的第一个事件就是 install 事件。在 install 事件回调函数中，你可以：</a:t>
-            </a:r>
-            <a:endParaRPr lang="en-US"/>
-          </a:p>
-          <a:p>
-            <a:pPr lvl="1"/>
-            <a:r>
-              <a:rPr lang="en-US" sz="1540"/>
-              <a:t>打开一组缓存</a:t>
-            </a:r>
-            <a:endParaRPr lang="en-US" sz="1540"/>
-          </a:p>
-          <a:p>
-            <a:pPr lvl="1"/>
-            <a:r>
-              <a:rPr lang="en-US" sz="1540"/>
-              <a:t>缓存所需文件</a:t>
-            </a:r>
-            <a:endParaRPr lang="en-US" sz="1540"/>
-          </a:p>
-          <a:p>
-            <a:pPr lvl="1"/>
-            <a:r>
-              <a:rPr lang="en-US" sz="1540"/>
-              <a:t>检查所有需要的文件是否都已被缓存</a:t>
-            </a:r>
-            <a:endParaRPr lang="en-US" sz="1540"/>
-          </a:p>
-          <a:p>
-            <a:endParaRPr lang="en-US" sz="1800"/>
-          </a:p>
-        </p:txBody>
-      </p:sp>
-      <p:sp>
-        <p:nvSpPr>
-          <p:cNvPr id="4" name="Text Box 3"/>
+      </p:pic>
+      <p:sp>
+        <p:nvSpPr>
+          <p:cNvPr id="5" name="Text Box 4"/>
           <p:cNvSpPr txBox="1"/>
           <p:nvPr/>
         </p:nvSpPr>
         <p:spPr>
           <a:xfrm>
-            <a:off x="7183120" y="1412240"/>
-            <a:ext cx="4765040" cy="4246245"/>
+            <a:off x="5217160" y="1691005"/>
+            <a:ext cx="6136640" cy="4246245"/>
           </a:xfrm>
           <a:prstGeom prst="rect">
             <a:avLst/>
@@ -3973,134 +4221,73 @@
           <a:bodyPr wrap="square" rtlCol="0" anchor="t">
             <a:spAutoFit/>
           </a:bodyPr>
-          <a:p>
-            <a:r>
-              <a:rPr lang="en-US">
-                <a:sym typeface="+mn-ea"/>
-              </a:rPr>
-              <a:t>var CACHE_NAME = 'my-site-cache-v1';</a:t>
+          <a:lstStyle/>
+          <a:p>
+            <a:r>
+              <a:rPr lang="en-US"/>
+              <a:t>Service Worker 的生命周期与页面的生命周期是完全独立的。</a:t>
+            </a:r>
+          </a:p>
+          <a:p>
+            <a:r>
+              <a:rPr lang="en-US"/>
+              <a:t>Service Worker 的几个基本知识点</a:t>
+            </a:r>
+            <a:r>
+              <a:rPr lang="zh-CN" altLang="en-US"/>
+              <a:t>：</a:t>
             </a:r>
             <a:endParaRPr lang="en-US"/>
           </a:p>
           <a:p>
-            <a:r>
-              <a:rPr lang="en-US">
-                <a:sym typeface="+mn-ea"/>
-              </a:rPr>
-              <a:t>var urlsToCache = [</a:t>
-            </a:r>
-            <a:endParaRPr lang="en-US"/>
-          </a:p>
-          <a:p>
-            <a:r>
-              <a:rPr lang="en-US">
-                <a:sym typeface="+mn-ea"/>
-              </a:rPr>
-              <a:t>  '/',</a:t>
-            </a:r>
-            <a:endParaRPr lang="en-US"/>
-          </a:p>
-          <a:p>
-            <a:r>
-              <a:rPr lang="en-US">
-                <a:sym typeface="+mn-ea"/>
-              </a:rPr>
-              <a:t>  '/styles/main.css',</a:t>
-            </a:r>
-            <a:endParaRPr lang="en-US"/>
-          </a:p>
-          <a:p>
-            <a:r>
-              <a:rPr lang="en-US">
-                <a:sym typeface="+mn-ea"/>
-              </a:rPr>
-              <a:t>  '/script/main.js'</a:t>
-            </a:r>
-            <a:endParaRPr lang="en-US"/>
-          </a:p>
-          <a:p>
-            <a:r>
-              <a:rPr lang="en-US">
-                <a:sym typeface="+mn-ea"/>
-              </a:rPr>
-              <a:t>];</a:t>
-            </a:r>
-            <a:endParaRPr lang="en-US"/>
-          </a:p>
-          <a:p>
-            <a:endParaRPr lang="en-US"/>
-          </a:p>
-          <a:p>
-            <a:r>
-              <a:rPr lang="en-US">
-                <a:sym typeface="+mn-ea"/>
-              </a:rPr>
-              <a:t>self.addEventListener('install', function(event) {</a:t>
-            </a:r>
-            <a:endParaRPr lang="en-US"/>
-          </a:p>
-          <a:p>
-            <a:r>
-              <a:rPr lang="en-US">
-                <a:sym typeface="+mn-ea"/>
-              </a:rPr>
-              <a:t>  event.waitUntil(</a:t>
-            </a:r>
-            <a:endParaRPr lang="en-US"/>
-          </a:p>
-          <a:p>
-            <a:r>
-              <a:rPr lang="en-US">
-                <a:sym typeface="+mn-ea"/>
-              </a:rPr>
-              <a:t>    caches.open(CACHE_NAME)</a:t>
-            </a:r>
-            <a:endParaRPr lang="en-US"/>
-          </a:p>
-          <a:p>
-            <a:r>
-              <a:rPr lang="en-US">
-                <a:sym typeface="+mn-ea"/>
-              </a:rPr>
-              <a:t>      .then(function(cache) {</a:t>
-            </a:r>
-            <a:endParaRPr lang="en-US"/>
-          </a:p>
-          <a:p>
-            <a:r>
-              <a:rPr lang="en-US">
-                <a:sym typeface="+mn-ea"/>
-              </a:rPr>
-              <a:t>        return cache.addAll(urlsToCache);</a:t>
-            </a:r>
-            <a:endParaRPr lang="en-US"/>
-          </a:p>
-          <a:p>
-            <a:r>
-              <a:rPr lang="en-US">
-                <a:sym typeface="+mn-ea"/>
-              </a:rPr>
-              <a:t>      })</a:t>
-            </a:r>
-            <a:endParaRPr lang="en-US"/>
-          </a:p>
-          <a:p>
-            <a:r>
-              <a:rPr lang="en-US">
-                <a:sym typeface="+mn-ea"/>
-              </a:rPr>
-              <a:t>  );</a:t>
-            </a:r>
-            <a:endParaRPr lang="en-US"/>
-          </a:p>
-          <a:p>
-            <a:r>
-              <a:rPr lang="en-US">
-                <a:sym typeface="+mn-ea"/>
-              </a:rPr>
-              <a:t>});</a:t>
-            </a:r>
-            <a:endParaRPr lang="en-US"/>
+            <a:pPr marL="285750" indent="-285750">
+              <a:buFont typeface="Arial" charset="0"/>
+              <a:buChar char="•"/>
+            </a:pPr>
+            <a:r>
+              <a:rPr lang="en-US"/>
+              <a:t>它是一个可编程的网络代理，让你可以控制页面请求的处理方式。</a:t>
+            </a:r>
+          </a:p>
+          <a:p>
+            <a:pPr marL="285750" indent="-285750">
+              <a:buFont typeface="Arial" charset="0"/>
+              <a:buChar char="•"/>
+            </a:pPr>
+            <a:r>
+              <a:rPr lang="en-US"/>
+              <a:t>它是一个 JavaScript Worker，因此它无法直接操作 DOM。但可以通过 postMessage 接口与页面通信。同时，service worker 中的代码不会阻塞页面响应。</a:t>
+            </a:r>
+          </a:p>
+          <a:p>
+            <a:pPr marL="285750" indent="-285750">
+              <a:buFont typeface="Arial" charset="0"/>
+              <a:buChar char="•"/>
+            </a:pPr>
+            <a:r>
+              <a:rPr lang="en-US"/>
+              <a:t>它在闲置时被终止，在需要时被启动。并不是常驻内存。因此你不能在 onfetch 或是 onmessage 回调中依赖全局状态。</a:t>
+            </a:r>
+          </a:p>
+          <a:p>
+            <a:pPr marL="285750" indent="-285750">
+              <a:buFont typeface="Arial" charset="0"/>
+              <a:buChar char="•"/>
+            </a:pPr>
+            <a:r>
+              <a:rPr lang="en-US"/>
+              <a:t>被设计成完全异步。因此在 service worker 中无法使用同步 API （例如同步 XHR，localStorage等）。接口重度依赖于 promise。</a:t>
+            </a:r>
+          </a:p>
+          <a:p>
+            <a:pPr marL="285750" indent="-285750">
+              <a:buFont typeface="Arial" charset="0"/>
+              <a:buChar char="•"/>
+            </a:pPr>
+            <a:r>
+              <a:rPr lang="en-US"/>
+              <a:t>只能在 HTTPS 页面加载（唯一的例外：localhost/127.0.0.1，方便调试）。</a:t>
+            </a:r>
           </a:p>
         </p:txBody>
       </p:sp>
@@ -4121,7 +4308,14 @@
         <p:cNvGrpSpPr/>
         <p:nvPr/>
       </p:nvGrpSpPr>
-      <p:grpSpPr/>
+      <p:grpSpPr>
+        <a:xfrm>
+          <a:off x="0" y="0"/>
+          <a:ext cx="0" cy="0"/>
+          <a:chOff x="0" y="0"/>
+          <a:chExt cx="0" cy="0"/>
+        </a:xfrm>
+      </p:grpSpPr>
       <p:sp>
         <p:nvSpPr>
           <p:cNvPr id="2" name="Title 1"/>
@@ -4135,12 +4329,12 @@
         <p:spPr/>
         <p:txBody>
           <a:bodyPr/>
+          <a:lstStyle/>
           <a:p>
             <a:r>
               <a:rPr lang="en-US"/>
-              <a:t>activate 事件</a:t>
-            </a:r>
-            <a:endParaRPr lang="en-US"/>
+              <a:t>Service Worker 的作用域</a:t>
+            </a:r>
           </a:p>
         </p:txBody>
       </p:sp>
@@ -4157,12 +4351,52 @@
         <p:spPr/>
         <p:txBody>
           <a:bodyPr/>
-          <a:p>
-            <a:r>
-              <a:rPr lang="en-US"/>
-              <a:t>在 activate 事件回调中通常要做的工作就是缓存管理。此时可以安全的清理之前版本 service worker 创建的缓存内容。</a:t>
+          <a:lstStyle/>
+          <a:p>
+            <a:r>
+              <a:rPr lang="en-US" sz="2400"/>
+              <a:t>一个 Service Worker 的默认作用域是这个Service Worker 脚本所在的目录。例如 https://example.com/sw.js 脚本默认就是 https://example.com 下的所有页面。你也可以在注册 service worker 时明确指定作用域：</a:t>
             </a:r>
             <a:endParaRPr lang="en-US"/>
+          </a:p>
+          <a:p>
+            <a:pPr marL="0" indent="0">
+              <a:buNone/>
+            </a:pPr>
+            <a:r>
+              <a:rPr lang="en-US" sz="1800"/>
+              <a:t>navigator.serviceWorker.register('sw.js', {</a:t>
+            </a:r>
+          </a:p>
+          <a:p>
+            <a:pPr marL="0" indent="0">
+              <a:buNone/>
+            </a:pPr>
+            <a:r>
+              <a:rPr lang="en-US" sz="1800"/>
+              <a:t>    scope: './abc'</a:t>
+            </a:r>
+          </a:p>
+          <a:p>
+            <a:pPr marL="0" indent="0">
+              <a:buNone/>
+            </a:pPr>
+            <a:r>
+              <a:rPr lang="en-US" sz="1800"/>
+              <a:t>});</a:t>
+            </a:r>
+          </a:p>
+          <a:p>
+            <a:r>
+              <a:rPr lang="en-US" sz="2400"/>
+              <a:t>假设以上代码在 https://example.com 页面里执行，则意味着该 service worker 的作用域就是 https://example.com/abc 下的页面。</a:t>
+            </a:r>
+          </a:p>
+          <a:p>
+            <a:r>
+              <a:rPr lang="en-US" sz="2400"/>
+              <a:t>我们把页面、workers 以及 shared workers 统称为 clients。你的 service worker 只能控制其作用域范围内的 clients。你可以通过检查 navigator.serviceWorker.controller 属性来判断某个 client 是否受控于 service worker 之下。</a:t>
+            </a:r>
           </a:p>
         </p:txBody>
       </p:sp>
@@ -4183,7 +4417,14 @@
         <p:cNvGrpSpPr/>
         <p:nvPr/>
       </p:nvGrpSpPr>
-      <p:grpSpPr/>
+      <p:grpSpPr>
+        <a:xfrm>
+          <a:off x="0" y="0"/>
+          <a:ext cx="0" cy="0"/>
+          <a:chOff x="0" y="0"/>
+          <a:chExt cx="0" cy="0"/>
+        </a:xfrm>
+      </p:grpSpPr>
       <p:sp>
         <p:nvSpPr>
           <p:cNvPr id="2" name="Title 1"/>
@@ -4197,12 +4438,12 @@
         <p:spPr/>
         <p:txBody>
           <a:bodyPr/>
+          <a:lstStyle/>
           <a:p>
             <a:r>
               <a:rPr lang="en-US"/>
-              <a:t>fetch 事件</a:t>
-            </a:r>
-            <a:endParaRPr lang="en-US"/>
+              <a:t>注册 Service Worker</a:t>
+            </a:r>
           </a:p>
         </p:txBody>
       </p:sp>
@@ -4216,154 +4457,87 @@
             <p:ph idx="1"/>
           </p:nvPr>
         </p:nvSpPr>
-        <p:spPr>
-          <a:xfrm>
-            <a:off x="838200" y="1825625"/>
-            <a:ext cx="5091430" cy="4351655"/>
-          </a:xfrm>
-        </p:spPr>
+        <p:spPr/>
         <p:txBody>
           <a:bodyPr/>
+          <a:lstStyle/>
           <a:p>
             <a:r>
               <a:rPr lang="en-US"/>
-              <a:t>安装完成以后，当页面发起网络请求时，会触发 service worker 的 fetch 事件。在事件回调函数中你可以决定如何处理该请求。</a:t>
-            </a:r>
-            <a:endParaRPr lang="en-US"/>
-          </a:p>
-          <a:p>
-            <a:r>
-              <a:rPr lang="en-US"/>
-              <a:t>例如，优先从缓存中加载：</a:t>
-            </a:r>
-            <a:endParaRPr lang="en-US"/>
-          </a:p>
-        </p:txBody>
-      </p:sp>
-      <p:sp>
-        <p:nvSpPr>
-          <p:cNvPr id="4" name="Text Box 3"/>
-          <p:cNvSpPr txBox="1"/>
-          <p:nvPr/>
-        </p:nvSpPr>
-        <p:spPr>
-          <a:xfrm>
-            <a:off x="6500495" y="1859915"/>
-            <a:ext cx="5417820" cy="4246245"/>
-          </a:xfrm>
-          <a:prstGeom prst="rect">
-            <a:avLst/>
-          </a:prstGeom>
-          <a:noFill/>
-        </p:spPr>
-        <p:txBody>
-          <a:bodyPr wrap="square" rtlCol="0" anchor="t">
-            <a:spAutoFit/>
-          </a:bodyPr>
-          <a:p>
-            <a:r>
-              <a:rPr lang="en-US"/>
-              <a:t>self.addEventListener('fetch', function(event) {</a:t>
-            </a:r>
-            <a:endParaRPr lang="en-US"/>
-          </a:p>
-          <a:p>
-            <a:r>
-              <a:rPr lang="en-US"/>
-              <a:t>  event.respondWith(</a:t>
-            </a:r>
-            <a:endParaRPr lang="en-US"/>
-          </a:p>
-          <a:p>
-            <a:r>
-              <a:rPr lang="en-US"/>
-              <a:t>    caches.match(event.request)</a:t>
-            </a:r>
-            <a:endParaRPr lang="en-US"/>
-          </a:p>
-          <a:p>
-            <a:r>
-              <a:rPr lang="en-US"/>
-              <a:t>      .then(function(response) {</a:t>
-            </a:r>
-            <a:endParaRPr lang="en-US"/>
-          </a:p>
-          <a:p>
-            <a:r>
-              <a:rPr lang="en-US"/>
-              <a:t>        // 命中缓存，直接把缓存的内容返回给页面</a:t>
-            </a:r>
-            <a:endParaRPr lang="en-US"/>
-          </a:p>
-          <a:p>
-            <a:r>
-              <a:rPr lang="en-US"/>
-              <a:t>        if (response) {</a:t>
-            </a:r>
-            <a:endParaRPr lang="en-US"/>
-          </a:p>
-          <a:p>
-            <a:r>
-              <a:rPr lang="en-US"/>
-              <a:t>          return response;</a:t>
-            </a:r>
-            <a:endParaRPr lang="en-US"/>
-          </a:p>
-          <a:p>
-            <a:r>
-              <a:rPr lang="en-US"/>
-              <a:t>        }</a:t>
-            </a:r>
-            <a:endParaRPr lang="en-US"/>
-          </a:p>
-          <a:p>
-            <a:r>
-              <a:rPr lang="en-US"/>
-              <a:t>        </a:t>
-            </a:r>
-            <a:endParaRPr lang="en-US"/>
-          </a:p>
-          <a:p>
-            <a:r>
-              <a:rPr lang="en-US"/>
-              <a:t>        // 否则，请求网络</a:t>
-            </a:r>
-            <a:endParaRPr lang="en-US"/>
-          </a:p>
-          <a:p>
-            <a:r>
-              <a:rPr lang="en-US"/>
-              <a:t>        return fetch(event.request);</a:t>
-            </a:r>
-            <a:endParaRPr lang="en-US"/>
-          </a:p>
-          <a:p>
-            <a:r>
-              <a:rPr lang="en-US"/>
-              <a:t>      }</a:t>
-            </a:r>
-            <a:endParaRPr lang="en-US"/>
-          </a:p>
-          <a:p>
-            <a:r>
-              <a:rPr lang="en-US"/>
-              <a:t>    )</a:t>
-            </a:r>
-            <a:endParaRPr lang="en-US"/>
-          </a:p>
-          <a:p>
-            <a:r>
-              <a:rPr lang="en-US"/>
-              <a:t>  );</a:t>
-            </a:r>
-            <a:endParaRPr lang="en-US"/>
-          </a:p>
-          <a:p>
-            <a:r>
-              <a:rPr lang="en-US"/>
-              <a:t>});</a:t>
-            </a:r>
-            <a:endParaRPr lang="en-US"/>
+              <a:t>在 register() 时传入的 Service Worker 脚本的路径决定了此 Service Worker 的作用域。</a:t>
+            </a:r>
+          </a:p>
+          <a:p>
+            <a:pPr marL="0" indent="0">
+              <a:buNone/>
+            </a:pPr>
+            <a:r>
+              <a:rPr lang="en-US" sz="1800"/>
+              <a:t>// 检测浏览器是否支持 service worker API</a:t>
+            </a:r>
+          </a:p>
+          <a:p>
+            <a:pPr marL="0" indent="0">
+              <a:buNone/>
+            </a:pPr>
+            <a:r>
+              <a:rPr lang="en-US" sz="1800"/>
+              <a:t>if ('serviceWorker' in navigator) {</a:t>
+            </a:r>
+          </a:p>
+          <a:p>
+            <a:pPr marL="0" indent="0">
+              <a:buNone/>
+            </a:pPr>
+            <a:r>
+              <a:rPr lang="en-US" sz="1800"/>
+              <a:t>      navigator.serviceWorker.register('/sw.js').then(function(registration)      {</a:t>
+            </a:r>
+          </a:p>
+          <a:p>
+            <a:pPr marL="0" indent="0">
+              <a:buNone/>
+            </a:pPr>
+            <a:r>
+              <a:rPr lang="en-US" sz="1800"/>
+              <a:t>          console.log('ServiceWorker registration successful with scope: ', registration.scope);</a:t>
+            </a:r>
+          </a:p>
+          <a:p>
+            <a:pPr marL="0" indent="0">
+              <a:buNone/>
+            </a:pPr>
+            <a:r>
+              <a:rPr lang="en-US" sz="1800"/>
+              <a:t>      },    function(err) {</a:t>
+            </a:r>
+          </a:p>
+          <a:p>
+            <a:pPr marL="0" indent="0">
+              <a:buNone/>
+            </a:pPr>
+            <a:r>
+              <a:rPr lang="en-US" sz="1800"/>
+              <a:t>          console.log('ServiceWorker registration failed: ', err);</a:t>
+            </a:r>
+          </a:p>
+          <a:p>
+            <a:pPr marL="0" indent="0">
+              <a:buNone/>
+            </a:pPr>
+            <a:r>
+              <a:rPr lang="en-US" sz="1800"/>
+              <a:t>      });</a:t>
+            </a:r>
+          </a:p>
+          <a:p>
+            <a:pPr marL="0" indent="0">
+              <a:buNone/>
+            </a:pPr>
+            <a:r>
+              <a:rPr lang="en-US" sz="1800"/>
+              <a:t>}</a:t>
+            </a:r>
           </a:p>
         </p:txBody>
       </p:sp>
@@ -4384,7 +4558,14 @@
         <p:cNvGrpSpPr/>
         <p:nvPr/>
       </p:nvGrpSpPr>
-      <p:grpSpPr/>
+      <p:grpSpPr>
+        <a:xfrm>
+          <a:off x="0" y="0"/>
+          <a:ext cx="0" cy="0"/>
+          <a:chOff x="0" y="0"/>
+          <a:chExt cx="0" cy="0"/>
+        </a:xfrm>
+      </p:grpSpPr>
       <p:sp>
         <p:nvSpPr>
           <p:cNvPr id="2" name="Title 1"/>
@@ -4398,12 +4579,12 @@
         <p:spPr/>
         <p:txBody>
           <a:bodyPr/>
+          <a:lstStyle/>
           <a:p>
             <a:r>
               <a:rPr lang="en-US"/>
-              <a:t>更新 Service Worker</a:t>
-            </a:r>
-            <a:endParaRPr lang="en-US"/>
+              <a:t>install 事件</a:t>
+            </a:r>
           </a:p>
         </p:txBody>
       </p:sp>
@@ -4417,63 +4598,195 @@
             <p:ph idx="1"/>
           </p:nvPr>
         </p:nvSpPr>
-        <p:spPr/>
+        <p:spPr>
+          <a:xfrm>
+            <a:off x="838200" y="1825625"/>
+            <a:ext cx="6064885" cy="4351655"/>
+          </a:xfrm>
+        </p:spPr>
         <p:txBody>
           <a:bodyPr/>
-          <a:p>
-            <a:r>
-              <a:rPr lang="en-US"/>
-              <a:t>更新一个 service worker 的流程大致如下：</a:t>
+          <a:lstStyle/>
+          <a:p>
+            <a:r>
+              <a:rPr lang="en-US" sz="2400"/>
+              <a:t>在注册 Service Worker 之后，从 Service Worker 的视角来看。它收到的第一个事件就是 install 事件。在 install 事件回调函数中，你可以：</a:t>
             </a:r>
             <a:endParaRPr lang="en-US"/>
           </a:p>
           <a:p>
             <a:pPr lvl="1"/>
             <a:r>
-              <a:rPr lang="en-US"/>
-              <a:t>修改 service worker 的脚本文件。当用户再次访问页面时，浏览器会尝试重新下载脚本文件。并与之前的版本比对。一旦发现文件内容不一致，就会进入更新流程。</a:t>
+              <a:rPr lang="en-US" sz="1540"/>
+              <a:t>打开一组缓存</a:t>
+            </a:r>
+          </a:p>
+          <a:p>
+            <a:pPr lvl="1"/>
+            <a:r>
+              <a:rPr lang="en-US" sz="1540"/>
+              <a:t>缓存所需文件</a:t>
+            </a:r>
+          </a:p>
+          <a:p>
+            <a:pPr lvl="1"/>
+            <a:r>
+              <a:rPr lang="en-US" sz="1540"/>
+              <a:t>检查所有需要的文件是否都已被缓存</a:t>
+            </a:r>
+          </a:p>
+          <a:p>
+            <a:endParaRPr lang="en-US" sz="1800"/>
+          </a:p>
+        </p:txBody>
+      </p:sp>
+      <p:sp>
+        <p:nvSpPr>
+          <p:cNvPr id="4" name="Text Box 3"/>
+          <p:cNvSpPr txBox="1"/>
+          <p:nvPr/>
+        </p:nvSpPr>
+        <p:spPr>
+          <a:xfrm>
+            <a:off x="7183120" y="1412240"/>
+            <a:ext cx="4765040" cy="4246245"/>
+          </a:xfrm>
+          <a:prstGeom prst="rect">
+            <a:avLst/>
+          </a:prstGeom>
+          <a:noFill/>
+        </p:spPr>
+        <p:txBody>
+          <a:bodyPr wrap="square" rtlCol="0" anchor="t">
+            <a:spAutoFit/>
+          </a:bodyPr>
+          <a:lstStyle/>
+          <a:p>
+            <a:r>
+              <a:rPr lang="en-US">
+                <a:sym typeface="+mn-ea"/>
+              </a:rPr>
+              <a:t>var CACHE_NAME = 'my-site-cache-v1';</a:t>
             </a:r>
             <a:endParaRPr lang="en-US"/>
           </a:p>
           <a:p>
-            <a:pPr lvl="1"/>
-            <a:r>
-              <a:rPr lang="en-US"/>
-              <a:t>新的 service worker 会被启动并触发 install 事件。</a:t>
+            <a:r>
+              <a:rPr lang="en-US">
+                <a:sym typeface="+mn-ea"/>
+              </a:rPr>
+              <a:t>var urlsToCache = [</a:t>
             </a:r>
             <a:endParaRPr lang="en-US"/>
           </a:p>
           <a:p>
-            <a:pPr lvl="1"/>
-            <a:r>
-              <a:rPr lang="en-US"/>
-              <a:t>此时页面的控制器权还在老版 service worker 手中，而新版 service worker 进入 waiting 状态。</a:t>
+            <a:r>
+              <a:rPr lang="en-US">
+                <a:sym typeface="+mn-ea"/>
+              </a:rPr>
+              <a:t>  '/',</a:t>
             </a:r>
             <a:endParaRPr lang="en-US"/>
           </a:p>
           <a:p>
-            <a:pPr lvl="1"/>
-            <a:r>
-              <a:rPr lang="en-US"/>
-              <a:t>当前页面被关闭，老版 service worker 被终止。（注意：刷新页面不足以触发新老 service worker 交接）</a:t>
+            <a:r>
+              <a:rPr lang="en-US">
+                <a:sym typeface="+mn-ea"/>
+              </a:rPr>
+              <a:t>  '/styles/main.css',</a:t>
             </a:r>
             <a:endParaRPr lang="en-US"/>
           </a:p>
           <a:p>
-            <a:pPr lvl="1"/>
-            <a:r>
-              <a:rPr lang="en-US"/>
-              <a:t>用户再次访问页面，新版 service worker 被启动。触发 activate 事件。</a:t>
+            <a:r>
+              <a:rPr lang="en-US">
+                <a:sym typeface="+mn-ea"/>
+              </a:rPr>
+              <a:t>  '/script/main.js'</a:t>
             </a:r>
             <a:endParaRPr lang="en-US"/>
           </a:p>
           <a:p>
-            <a:pPr marL="0" indent="0">
-              <a:buNone/>
-            </a:pPr>
-            <a:r>
-              <a:rPr lang="en-US"/>
-              <a:t>注：要想在新版 service worker 安装完成后立刻接管页面而不必等到下一次加载页面。可以调用 self.skipWaiting() 方法跳过等待状态。</a:t>
+            <a:r>
+              <a:rPr lang="en-US">
+                <a:sym typeface="+mn-ea"/>
+              </a:rPr>
+              <a:t>];</a:t>
+            </a:r>
+            <a:endParaRPr lang="en-US"/>
+          </a:p>
+          <a:p>
+            <a:endParaRPr lang="en-US"/>
+          </a:p>
+          <a:p>
+            <a:r>
+              <a:rPr lang="en-US">
+                <a:sym typeface="+mn-ea"/>
+              </a:rPr>
+              <a:t>self.addEventListener('install', function(event) {</a:t>
+            </a:r>
+            <a:endParaRPr lang="en-US"/>
+          </a:p>
+          <a:p>
+            <a:r>
+              <a:rPr lang="en-US">
+                <a:sym typeface="+mn-ea"/>
+              </a:rPr>
+              <a:t>  event.waitUntil(</a:t>
+            </a:r>
+            <a:endParaRPr lang="en-US"/>
+          </a:p>
+          <a:p>
+            <a:r>
+              <a:rPr lang="en-US">
+                <a:sym typeface="+mn-ea"/>
+              </a:rPr>
+              <a:t>    caches.open(CACHE_NAME)</a:t>
+            </a:r>
+            <a:endParaRPr lang="en-US"/>
+          </a:p>
+          <a:p>
+            <a:r>
+              <a:rPr lang="en-US">
+                <a:sym typeface="+mn-ea"/>
+              </a:rPr>
+              <a:t>      .then(function(cache) {</a:t>
+            </a:r>
+            <a:endParaRPr lang="en-US"/>
+          </a:p>
+          <a:p>
+            <a:r>
+              <a:rPr lang="en-US">
+                <a:sym typeface="+mn-ea"/>
+              </a:rPr>
+              <a:t>        return cache.addAll(urlsToCache);</a:t>
+            </a:r>
+            <a:endParaRPr lang="en-US"/>
+          </a:p>
+          <a:p>
+            <a:r>
+              <a:rPr lang="en-US">
+                <a:sym typeface="+mn-ea"/>
+              </a:rPr>
+              <a:t>      })</a:t>
+            </a:r>
+            <a:endParaRPr lang="en-US"/>
+          </a:p>
+          <a:p>
+            <a:r>
+              <a:rPr lang="en-US">
+                <a:sym typeface="+mn-ea"/>
+              </a:rPr>
+              <a:t>  );</a:t>
+            </a:r>
+            <a:endParaRPr lang="en-US"/>
+          </a:p>
+          <a:p>
+            <a:r>
+              <a:rPr lang="en-US">
+                <a:sym typeface="+mn-ea"/>
+              </a:rPr>
+              <a:t>});</a:t>
             </a:r>
             <a:endParaRPr lang="en-US"/>
           </a:p>
@@ -4496,7 +4809,14 @@
         <p:cNvGrpSpPr/>
         <p:nvPr/>
       </p:nvGrpSpPr>
-      <p:grpSpPr/>
+      <p:grpSpPr>
+        <a:xfrm>
+          <a:off x="0" y="0"/>
+          <a:ext cx="0" cy="0"/>
+          <a:chOff x="0" y="0"/>
+          <a:chExt cx="0" cy="0"/>
+        </a:xfrm>
+      </p:grpSpPr>
       <p:sp>
         <p:nvSpPr>
           <p:cNvPr id="2" name="Title 1"/>
@@ -4510,12 +4830,12 @@
         <p:spPr/>
         <p:txBody>
           <a:bodyPr/>
+          <a:lstStyle/>
           <a:p>
             <a:r>
               <a:rPr lang="en-US"/>
-              <a:t>消息推送</a:t>
-            </a:r>
-            <a:endParaRPr lang="en-US"/>
+              <a:t>activate 事件</a:t>
+            </a:r>
           </a:p>
         </p:txBody>
       </p:sp>
@@ -4532,12 +4852,12 @@
         <p:spPr/>
         <p:txBody>
           <a:bodyPr/>
-          <a:p>
-            <a:r>
-              <a:rPr lang="zh-CN" altLang="en-US"/>
-              <a:t>范例参考：https://developers.google.com/web/fundamentals/codelabs/push-notifications/</a:t>
-            </a:r>
-            <a:endParaRPr lang="zh-CN" altLang="en-US"/>
+          <a:lstStyle/>
+          <a:p>
+            <a:r>
+              <a:rPr lang="en-US"/>
+              <a:t>在 activate 事件回调中通常要做的工作就是缓存管理。此时可以安全的清理之前版本 service worker 创建的缓存内容。</a:t>
+            </a:r>
           </a:p>
         </p:txBody>
       </p:sp>
@@ -4558,7 +4878,14 @@
         <p:cNvGrpSpPr/>
         <p:nvPr/>
       </p:nvGrpSpPr>
-      <p:grpSpPr/>
+      <p:grpSpPr>
+        <a:xfrm>
+          <a:off x="0" y="0"/>
+          <a:ext cx="0" cy="0"/>
+          <a:chOff x="0" y="0"/>
+          <a:chExt cx="0" cy="0"/>
+        </a:xfrm>
+      </p:grpSpPr>
       <p:sp>
         <p:nvSpPr>
           <p:cNvPr id="2" name="Title 1"/>
@@ -4572,12 +4899,12 @@
         <p:spPr/>
         <p:txBody>
           <a:bodyPr/>
-          <a:p>
-            <a:r>
-              <a:rPr lang="zh-CN" altLang="en-US"/>
-              <a:t>开发辅助工具</a:t>
-            </a:r>
-            <a:endParaRPr lang="zh-CN" altLang="en-US"/>
+          <a:lstStyle/>
+          <a:p>
+            <a:r>
+              <a:rPr lang="en-US"/>
+              <a:t>fetch 事件</a:t>
+            </a:r>
           </a:p>
         </p:txBody>
       </p:sp>
@@ -4591,31 +4918,139 @@
             <p:ph idx="1"/>
           </p:nvPr>
         </p:nvSpPr>
-        <p:spPr/>
+        <p:spPr>
+          <a:xfrm>
+            <a:off x="838200" y="1825625"/>
+            <a:ext cx="5091430" cy="4351655"/>
+          </a:xfrm>
+        </p:spPr>
         <p:txBody>
           <a:bodyPr/>
+          <a:lstStyle/>
           <a:p>
             <a:r>
               <a:rPr lang="en-US"/>
-              <a:t>Google 提供了 sw-toolbox 和 sw-precache 两个工具方便快速生成 service-worker.js 文件:</a:t>
-            </a:r>
-            <a:endParaRPr lang="en-US"/>
-          </a:p>
-          <a:p>
-            <a:pPr lvl="1"/>
+              <a:t>安装完成以后，当页面发起网络请求时，会触发 service worker 的 fetch 事件。在事件回调函数中你可以决定如何处理该请求。</a:t>
+            </a:r>
+          </a:p>
+          <a:p>
             <a:r>
               <a:rPr lang="en-US"/>
-              <a:t>sw-precache 可以用来生成配置使 PWA 在安装时进行静态资源的缓存</a:t>
-            </a:r>
-            <a:endParaRPr lang="en-US"/>
-          </a:p>
-          <a:p>
-            <a:pPr lvl="1"/>
+              <a:t>例如，优先从缓存中加载：</a:t>
+            </a:r>
+          </a:p>
+        </p:txBody>
+      </p:sp>
+      <p:sp>
+        <p:nvSpPr>
+          <p:cNvPr id="4" name="Text Box 3"/>
+          <p:cNvSpPr txBox="1"/>
+          <p:nvPr/>
+        </p:nvSpPr>
+        <p:spPr>
+          <a:xfrm>
+            <a:off x="6500495" y="1859915"/>
+            <a:ext cx="5417820" cy="4246245"/>
+          </a:xfrm>
+          <a:prstGeom prst="rect">
+            <a:avLst/>
+          </a:prstGeom>
+          <a:noFill/>
+        </p:spPr>
+        <p:txBody>
+          <a:bodyPr wrap="square" rtlCol="0" anchor="t">
+            <a:spAutoFit/>
+          </a:bodyPr>
+          <a:lstStyle/>
+          <a:p>
             <a:r>
               <a:rPr lang="en-US"/>
-              <a:t>sw-toolbox 提供了动态缓存使用的通用策略, 这些动态的资源不合适用 sw-precache 预先缓存。</a:t>
-            </a:r>
-            <a:endParaRPr lang="en-US"/>
+              <a:t>self.addEventListener('fetch', function(event) {</a:t>
+            </a:r>
+          </a:p>
+          <a:p>
+            <a:r>
+              <a:rPr lang="en-US"/>
+              <a:t>  event.respondWith(</a:t>
+            </a:r>
+          </a:p>
+          <a:p>
+            <a:r>
+              <a:rPr lang="en-US"/>
+              <a:t>    caches.match(event.request)</a:t>
+            </a:r>
+          </a:p>
+          <a:p>
+            <a:r>
+              <a:rPr lang="en-US"/>
+              <a:t>      .then(function(response) {</a:t>
+            </a:r>
+          </a:p>
+          <a:p>
+            <a:r>
+              <a:rPr lang="en-US"/>
+              <a:t>        // 命中缓存，直接把缓存的内容返回给页面</a:t>
+            </a:r>
+          </a:p>
+          <a:p>
+            <a:r>
+              <a:rPr lang="en-US"/>
+              <a:t>        if (response) {</a:t>
+            </a:r>
+          </a:p>
+          <a:p>
+            <a:r>
+              <a:rPr lang="en-US"/>
+              <a:t>          return response;</a:t>
+            </a:r>
+          </a:p>
+          <a:p>
+            <a:r>
+              <a:rPr lang="en-US"/>
+              <a:t>        }</a:t>
+            </a:r>
+          </a:p>
+          <a:p>
+            <a:r>
+              <a:rPr lang="en-US"/>
+              <a:t>        </a:t>
+            </a:r>
+          </a:p>
+          <a:p>
+            <a:r>
+              <a:rPr lang="en-US"/>
+              <a:t>        // 否则，请求网络</a:t>
+            </a:r>
+          </a:p>
+          <a:p>
+            <a:r>
+              <a:rPr lang="en-US"/>
+              <a:t>        return fetch(event.request);</a:t>
+            </a:r>
+          </a:p>
+          <a:p>
+            <a:r>
+              <a:rPr lang="en-US"/>
+              <a:t>      }</a:t>
+            </a:r>
+          </a:p>
+          <a:p>
+            <a:r>
+              <a:rPr lang="en-US"/>
+              <a:t>    )</a:t>
+            </a:r>
+          </a:p>
+          <a:p>
+            <a:r>
+              <a:rPr lang="en-US"/>
+              <a:t>  );</a:t>
+            </a:r>
+          </a:p>
+          <a:p>
+            <a:r>
+              <a:rPr lang="en-US"/>
+              <a:t>});</a:t>
+            </a:r>
           </a:p>
         </p:txBody>
       </p:sp>
@@ -4636,7 +5071,14 @@
         <p:cNvGrpSpPr/>
         <p:nvPr/>
       </p:nvGrpSpPr>
-      <p:grpSpPr/>
+      <p:grpSpPr>
+        <a:xfrm>
+          <a:off x="0" y="0"/>
+          <a:ext cx="0" cy="0"/>
+          <a:chOff x="0" y="0"/>
+          <a:chExt cx="0" cy="0"/>
+        </a:xfrm>
+      </p:grpSpPr>
       <p:sp>
         <p:nvSpPr>
           <p:cNvPr id="2" name="Title 1"/>
@@ -4649,15 +5091,434 @@
         </p:nvSpPr>
         <p:spPr/>
         <p:txBody>
+          <a:bodyPr/>
+          <a:lstStyle/>
+          <a:p>
+            <a:r>
+              <a:rPr lang="en-US"/>
+              <a:t>更新 Service Worker</a:t>
+            </a:r>
+          </a:p>
+        </p:txBody>
+      </p:sp>
+      <p:sp>
+        <p:nvSpPr>
+          <p:cNvPr id="3" name="Content Placeholder 2"/>
+          <p:cNvSpPr>
+            <a:spLocks noGrp="1"/>
+          </p:cNvSpPr>
+          <p:nvPr>
+            <p:ph idx="1"/>
+          </p:nvPr>
+        </p:nvSpPr>
+        <p:spPr/>
+        <p:txBody>
+          <a:bodyPr/>
+          <a:lstStyle/>
+          <a:p>
+            <a:r>
+              <a:rPr lang="en-US"/>
+              <a:t>更新一个 service worker 的流程大致如下：</a:t>
+            </a:r>
+          </a:p>
+          <a:p>
+            <a:pPr lvl="1"/>
+            <a:r>
+              <a:rPr lang="en-US"/>
+              <a:t>修改 service worker 的脚本文件。当用户再次访问页面时，浏览器会尝试重新下载脚本文件。并与之前的版本比对。一旦发现文件内容不一致，就会进入更新流程。</a:t>
+            </a:r>
+          </a:p>
+          <a:p>
+            <a:pPr lvl="1"/>
+            <a:r>
+              <a:rPr lang="en-US"/>
+              <a:t>新的 service worker 会被启动并触发 install 事件。</a:t>
+            </a:r>
+          </a:p>
+          <a:p>
+            <a:pPr lvl="1"/>
+            <a:r>
+              <a:rPr lang="en-US"/>
+              <a:t>此时页面的控制器权还在老版 service worker 手中，而新版 service worker 进入 waiting 状态。</a:t>
+            </a:r>
+          </a:p>
+          <a:p>
+            <a:pPr lvl="1"/>
+            <a:r>
+              <a:rPr lang="en-US"/>
+              <a:t>当前页面被关闭，老版 service worker 被终止。（注意：刷新页面不足以触发新老 service worker 交接）</a:t>
+            </a:r>
+          </a:p>
+          <a:p>
+            <a:pPr lvl="1"/>
+            <a:r>
+              <a:rPr lang="en-US"/>
+              <a:t>用户再次访问页面，新版 service worker 被启动。触发 activate 事件。</a:t>
+            </a:r>
+          </a:p>
+          <a:p>
+            <a:pPr marL="0" indent="0">
+              <a:buNone/>
+            </a:pPr>
+            <a:r>
+              <a:rPr lang="en-US"/>
+              <a:t>注：要想在新版 service worker 安装完成后立刻接管页面而不必等到下一次加载页面。可以调用 self.skipWaiting() 方法跳过等待状态。</a:t>
+            </a:r>
+          </a:p>
+        </p:txBody>
+      </p:sp>
+    </p:spTree>
+  </p:cSld>
+  <p:clrMapOvr>
+    <a:masterClrMapping/>
+  </p:clrMapOvr>
+</p:sld>
+</file>
+
+<file path=ppt/slides/slide19.xml><?xml version="1.0" encoding="utf-8"?>
+<p:sld xmlns:a="http://schemas.openxmlformats.org/drawingml/2006/main" xmlns:r="http://schemas.openxmlformats.org/officeDocument/2006/relationships" xmlns:p="http://schemas.openxmlformats.org/presentationml/2006/main">
+  <p:cSld>
+    <p:spTree>
+      <p:nvGrpSpPr>
+        <p:cNvPr id="1" name=""/>
+        <p:cNvGrpSpPr/>
+        <p:nvPr/>
+      </p:nvGrpSpPr>
+      <p:grpSpPr>
+        <a:xfrm>
+          <a:off x="0" y="0"/>
+          <a:ext cx="0" cy="0"/>
+          <a:chOff x="0" y="0"/>
+          <a:chExt cx="0" cy="0"/>
+        </a:xfrm>
+      </p:grpSpPr>
+      <p:sp>
+        <p:nvSpPr>
+          <p:cNvPr id="2" name="Title 1"/>
+          <p:cNvSpPr>
+            <a:spLocks noGrp="1"/>
+          </p:cNvSpPr>
+          <p:nvPr>
+            <p:ph type="title"/>
+          </p:nvPr>
+        </p:nvSpPr>
+        <p:spPr/>
+        <p:txBody>
+          <a:bodyPr/>
+          <a:lstStyle/>
+          <a:p>
+            <a:r>
+              <a:rPr lang="en-US" dirty="0"/>
+              <a:t>Push &amp;&amp; Notification - </a:t>
+            </a:r>
+            <a:r>
+              <a:rPr lang="en-US" dirty="0" err="1"/>
+              <a:t>消息推送</a:t>
+            </a:r>
+            <a:endParaRPr lang="en-US" dirty="0"/>
+          </a:p>
+        </p:txBody>
+      </p:sp>
+      <p:sp>
+        <p:nvSpPr>
+          <p:cNvPr id="3" name="Content Placeholder 2"/>
+          <p:cNvSpPr>
+            <a:spLocks noGrp="1"/>
+          </p:cNvSpPr>
+          <p:nvPr>
+            <p:ph idx="1"/>
+          </p:nvPr>
+        </p:nvSpPr>
+        <p:spPr/>
+        <p:txBody>
+          <a:bodyPr/>
+          <a:lstStyle/>
+          <a:p>
+            <a:r>
+              <a:rPr lang="en-US" altLang="zh-CN" dirty="0"/>
+              <a:t>Web</a:t>
+            </a:r>
+            <a:r>
+              <a:rPr lang="zh-CN" altLang="en-US" dirty="0"/>
+              <a:t> </a:t>
+            </a:r>
+            <a:r>
+              <a:rPr lang="en-US" altLang="zh-CN" dirty="0"/>
+              <a:t>Server </a:t>
+            </a:r>
+            <a:r>
+              <a:rPr lang="zh-CN" altLang="en-US" dirty="0"/>
+              <a:t>和 </a:t>
+            </a:r>
+            <a:r>
+              <a:rPr lang="en-US" altLang="zh-CN" dirty="0"/>
+              <a:t>Service Worker</a:t>
+            </a:r>
+            <a:r>
+              <a:rPr lang="zh-CN" altLang="en-US" dirty="0"/>
+              <a:t>之间消息通信。</a:t>
+            </a:r>
+          </a:p>
+          <a:p>
+            <a:pPr lvl="1"/>
+            <a:r>
+              <a:rPr lang="en-US" altLang="zh-CN" dirty="0"/>
+              <a:t>push: server </a:t>
+            </a:r>
+            <a:r>
+              <a:rPr lang="zh-CN" altLang="en-US" dirty="0"/>
+              <a:t>将更新的信息传递给 </a:t>
+            </a:r>
+            <a:r>
+              <a:rPr lang="en-US" altLang="zh-CN" dirty="0"/>
+              <a:t>SW</a:t>
+            </a:r>
+          </a:p>
+          <a:p>
+            <a:pPr lvl="1"/>
+            <a:r>
+              <a:rPr lang="en-US" altLang="zh-CN" dirty="0"/>
+              <a:t>notification: SW </a:t>
+            </a:r>
+            <a:r>
+              <a:rPr lang="zh-CN" altLang="en-US" dirty="0"/>
+              <a:t>将更新的信息推送给用户</a:t>
+            </a:r>
+            <a:endParaRPr lang="en-US" altLang="zh-CN" dirty="0"/>
+          </a:p>
+          <a:p>
+            <a:r>
+              <a:rPr lang="zh-CN" altLang="en-US" dirty="0"/>
+              <a:t>范例参考：https://developers.google.com/web/fundamentals/codelabs/push-notifications/</a:t>
+            </a:r>
+          </a:p>
+        </p:txBody>
+      </p:sp>
+    </p:spTree>
+  </p:cSld>
+  <p:clrMapOvr>
+    <a:masterClrMapping/>
+  </p:clrMapOvr>
+</p:sld>
+</file>
+
+<file path=ppt/slides/slide2.xml><?xml version="1.0" encoding="utf-8"?>
+<p:sld xmlns:a="http://schemas.openxmlformats.org/drawingml/2006/main" xmlns:r="http://schemas.openxmlformats.org/officeDocument/2006/relationships" xmlns:p="http://schemas.openxmlformats.org/presentationml/2006/main">
+  <p:cSld>
+    <p:spTree>
+      <p:nvGrpSpPr>
+        <p:cNvPr id="1" name=""/>
+        <p:cNvGrpSpPr/>
+        <p:nvPr/>
+      </p:nvGrpSpPr>
+      <p:grpSpPr>
+        <a:xfrm>
+          <a:off x="0" y="0"/>
+          <a:ext cx="0" cy="0"/>
+          <a:chOff x="0" y="0"/>
+          <a:chExt cx="0" cy="0"/>
+        </a:xfrm>
+      </p:grpSpPr>
+      <p:sp>
+        <p:nvSpPr>
+          <p:cNvPr id="2" name="Title 1"/>
+          <p:cNvSpPr>
+            <a:spLocks noGrp="1"/>
+          </p:cNvSpPr>
+          <p:nvPr>
+            <p:ph type="title"/>
+          </p:nvPr>
+        </p:nvSpPr>
+        <p:spPr/>
+        <p:txBody>
+          <a:bodyPr/>
+          <a:lstStyle/>
+          <a:p>
+            <a:r>
+              <a:rPr lang="zh-CN" altLang="en-US"/>
+              <a:t>历史简介</a:t>
+            </a:r>
+          </a:p>
+        </p:txBody>
+      </p:sp>
+      <p:sp>
+        <p:nvSpPr>
+          <p:cNvPr id="3" name="Content Placeholder 2"/>
+          <p:cNvSpPr>
+            <a:spLocks noGrp="1"/>
+          </p:cNvSpPr>
+          <p:nvPr>
+            <p:ph idx="1"/>
+          </p:nvPr>
+        </p:nvSpPr>
+        <p:spPr/>
+        <p:txBody>
+          <a:bodyPr/>
+          <a:lstStyle/>
+          <a:p>
+            <a:pPr fontAlgn="auto">
+              <a:lnSpc>
+                <a:spcPct val="150000"/>
+              </a:lnSpc>
+            </a:pPr>
+            <a:r>
+              <a:rPr lang="en-US" sz="2000"/>
+              <a:t>PWA的中文名叫做渐进式网页应用，早在2014年， W3C 公布过 Service Worker 的相关草案，但是其在生产环境被 Chrome 支持是在 2015 年。因此，如果我们把 PWA 的关键技术之一 Service Worker 的出现作为 PWA 的诞生时间，那就应该是 2015 年。</a:t>
+            </a:r>
+          </a:p>
+          <a:p>
+            <a:pPr fontAlgn="auto">
+              <a:lnSpc>
+                <a:spcPct val="150000"/>
+              </a:lnSpc>
+            </a:pPr>
+            <a:r>
+              <a:rPr lang="en-US" sz="2000"/>
+              <a:t>自 2015 年以来，PWA 相关的技术不断升级优化，在用户体验和用户留存两方面都提供了非常好的解决方案。PWA 可以将 Web 和 App 各自的优势融合在一起：渐进式、可响应、可离线、实现类似 App 的交互、即时更新、安全、可以被搜索引擎检索、可推送、可安装、可链接。</a:t>
+            </a:r>
+          </a:p>
+          <a:p>
+            <a:pPr fontAlgn="auto">
+              <a:lnSpc>
+                <a:spcPct val="150000"/>
+              </a:lnSpc>
+            </a:pPr>
+            <a:r>
+              <a:rPr lang="en-US" sz="2000"/>
+              <a:t>需要特别说明的是，PWA 不是特指某一项技术，而是应用了多项技术的 Web App。其核心技术包括 App Manifest、Service Worker、Web Push，等等。</a:t>
+            </a:r>
+          </a:p>
+        </p:txBody>
+      </p:sp>
+    </p:spTree>
+  </p:cSld>
+  <p:clrMapOvr>
+    <a:masterClrMapping/>
+  </p:clrMapOvr>
+</p:sld>
+</file>
+
+<file path=ppt/slides/slide20.xml><?xml version="1.0" encoding="utf-8"?>
+<p:sld xmlns:a="http://schemas.openxmlformats.org/drawingml/2006/main" xmlns:r="http://schemas.openxmlformats.org/officeDocument/2006/relationships" xmlns:p="http://schemas.openxmlformats.org/presentationml/2006/main">
+  <p:cSld>
+    <p:spTree>
+      <p:nvGrpSpPr>
+        <p:cNvPr id="1" name=""/>
+        <p:cNvGrpSpPr/>
+        <p:nvPr/>
+      </p:nvGrpSpPr>
+      <p:grpSpPr>
+        <a:xfrm>
+          <a:off x="0" y="0"/>
+          <a:ext cx="0" cy="0"/>
+          <a:chOff x="0" y="0"/>
+          <a:chExt cx="0" cy="0"/>
+        </a:xfrm>
+      </p:grpSpPr>
+      <p:sp>
+        <p:nvSpPr>
+          <p:cNvPr id="2" name="Title 1"/>
+          <p:cNvSpPr>
+            <a:spLocks noGrp="1"/>
+          </p:cNvSpPr>
+          <p:nvPr>
+            <p:ph type="title"/>
+          </p:nvPr>
+        </p:nvSpPr>
+        <p:spPr/>
+        <p:txBody>
+          <a:bodyPr/>
+          <a:lstStyle/>
+          <a:p>
+            <a:r>
+              <a:rPr lang="zh-CN" altLang="en-US"/>
+              <a:t>开发辅助工具</a:t>
+            </a:r>
+          </a:p>
+        </p:txBody>
+      </p:sp>
+      <p:sp>
+        <p:nvSpPr>
+          <p:cNvPr id="3" name="Content Placeholder 2"/>
+          <p:cNvSpPr>
+            <a:spLocks noGrp="1"/>
+          </p:cNvSpPr>
+          <p:nvPr>
+            <p:ph idx="1"/>
+          </p:nvPr>
+        </p:nvSpPr>
+        <p:spPr/>
+        <p:txBody>
+          <a:bodyPr/>
+          <a:lstStyle/>
+          <a:p>
+            <a:r>
+              <a:rPr lang="en-US"/>
+              <a:t>Google 提供了 sw-toolbox 和 sw-precache 两个工具方便快速生成 service-worker.js 文件:</a:t>
+            </a:r>
+          </a:p>
+          <a:p>
+            <a:pPr lvl="1"/>
+            <a:r>
+              <a:rPr lang="en-US"/>
+              <a:t>sw-precache 可以用来生成配置使 PWA 在安装时进行静态资源的缓存</a:t>
+            </a:r>
+          </a:p>
+          <a:p>
+            <a:pPr lvl="1"/>
+            <a:r>
+              <a:rPr lang="en-US"/>
+              <a:t>sw-toolbox 提供了动态缓存使用的通用策略, 这些动态的资源不合适用 sw-precache 预先缓存。</a:t>
+            </a:r>
+          </a:p>
+        </p:txBody>
+      </p:sp>
+    </p:spTree>
+  </p:cSld>
+  <p:clrMapOvr>
+    <a:masterClrMapping/>
+  </p:clrMapOvr>
+</p:sld>
+</file>
+
+<file path=ppt/slides/slide21.xml><?xml version="1.0" encoding="utf-8"?>
+<p:sld xmlns:a="http://schemas.openxmlformats.org/drawingml/2006/main" xmlns:r="http://schemas.openxmlformats.org/officeDocument/2006/relationships" xmlns:p="http://schemas.openxmlformats.org/presentationml/2006/main">
+  <p:cSld>
+    <p:spTree>
+      <p:nvGrpSpPr>
+        <p:cNvPr id="1" name=""/>
+        <p:cNvGrpSpPr/>
+        <p:nvPr/>
+      </p:nvGrpSpPr>
+      <p:grpSpPr>
+        <a:xfrm>
+          <a:off x="0" y="0"/>
+          <a:ext cx="0" cy="0"/>
+          <a:chOff x="0" y="0"/>
+          <a:chExt cx="0" cy="0"/>
+        </a:xfrm>
+      </p:grpSpPr>
+      <p:sp>
+        <p:nvSpPr>
+          <p:cNvPr id="2" name="Title 1"/>
+          <p:cNvSpPr>
+            <a:spLocks noGrp="1"/>
+          </p:cNvSpPr>
+          <p:nvPr>
+            <p:ph type="title"/>
+          </p:nvPr>
+        </p:nvSpPr>
+        <p:spPr/>
+        <p:txBody>
           <a:bodyPr>
             <a:normAutofit/>
           </a:bodyPr>
+          <a:lstStyle/>
           <a:p>
             <a:r>
               <a:rPr lang="x-none" altLang="en-US"/>
               <a:t>前端Framework的集成状态</a:t>
             </a:r>
-            <a:endParaRPr lang="x-none" altLang="en-US"/>
           </a:p>
         </p:txBody>
       </p:sp>
@@ -4665,14 +5526,14 @@
         <p:nvPicPr>
           <p:cNvPr id="4" name="Content Placeholder 3"/>
           <p:cNvPicPr>
-            <a:picLocks noChangeAspect="1"/>
+            <a:picLocks noGrp="1" noChangeAspect="1"/>
           </p:cNvPicPr>
           <p:nvPr>
             <p:ph idx="1"/>
           </p:nvPr>
         </p:nvPicPr>
         <p:blipFill>
-          <a:blip r:embed="rId1"/>
+          <a:blip r:embed="rId2"/>
           <a:stretch>
             <a:fillRect/>
           </a:stretch>
@@ -4695,7 +5556,7 @@
 </p:sld>
 </file>
 
-<file path=ppt/slides/slide19.xml><?xml version="1.0" encoding="utf-8"?>
+<file path=ppt/slides/slide22.xml><?xml version="1.0" encoding="utf-8"?>
 <p:sld xmlns:a="http://schemas.openxmlformats.org/drawingml/2006/main" xmlns:r="http://schemas.openxmlformats.org/officeDocument/2006/relationships" xmlns:p="http://schemas.openxmlformats.org/presentationml/2006/main">
   <p:cSld>
     <p:spTree>
@@ -4704,7 +5565,14 @@
         <p:cNvGrpSpPr/>
         <p:nvPr/>
       </p:nvGrpSpPr>
-      <p:grpSpPr/>
+      <p:grpSpPr>
+        <a:xfrm>
+          <a:off x="0" y="0"/>
+          <a:ext cx="0" cy="0"/>
+          <a:chOff x="0" y="0"/>
+          <a:chExt cx="0" cy="0"/>
+        </a:xfrm>
+      </p:grpSpPr>
       <p:sp>
         <p:nvSpPr>
           <p:cNvPr id="2" name="Title 1"/>
@@ -4718,6 +5586,7 @@
         <p:spPr/>
         <p:txBody>
           <a:bodyPr/>
+          <a:lstStyle/>
           <a:p>
             <a:r>
               <a:rPr lang="zh-CN" altLang="en-US"/>
@@ -4731,7 +5600,6 @@
               <a:rPr lang="zh-CN" altLang="en-US"/>
               <a:t>的案例</a:t>
             </a:r>
-            <a:endParaRPr lang="zh-CN" altLang="en-US"/>
           </a:p>
         </p:txBody>
       </p:sp>
@@ -4753,6 +5621,7 @@
         </p:spPr>
         <p:txBody>
           <a:bodyPr/>
+          <a:lstStyle/>
           <a:p>
             <a:pPr fontAlgn="auto">
               <a:lnSpc>
@@ -4763,7 +5632,6 @@
               <a:rPr lang="en-US" sz="1800"/>
               <a:t>Twitter 在 2017 年上线了 Twitter Lite PWA，其获得了相当惊人的收益：</a:t>
             </a:r>
-            <a:endParaRPr lang="en-US" sz="1800"/>
           </a:p>
           <a:p>
             <a:pPr lvl="1" fontAlgn="auto">
@@ -4775,7 +5643,6 @@
               <a:rPr lang="en-US" sz="1800"/>
               <a:t>平均用户停留时长增长 65%</a:t>
             </a:r>
-            <a:endParaRPr lang="en-US" sz="1800"/>
           </a:p>
           <a:p>
             <a:pPr lvl="1" fontAlgn="auto">
@@ -4787,7 +5654,6 @@
               <a:rPr lang="en-US" sz="1800"/>
               <a:t>Web 站点发推的数量增长 75%</a:t>
             </a:r>
-            <a:endParaRPr lang="en-US" sz="1800"/>
           </a:p>
           <a:p>
             <a:pPr lvl="1" fontAlgn="auto">
@@ -4799,7 +5665,6 @@
               <a:rPr lang="en-US" sz="1800"/>
               <a:t>跳出率降低 20%</a:t>
             </a:r>
-            <a:endParaRPr lang="en-US" sz="1800"/>
           </a:p>
           <a:p>
             <a:pPr fontAlgn="auto">
@@ -4811,7 +5676,6 @@
               <a:rPr lang="en-US" sz="1800"/>
               <a:t>Twitter Lite 能取得这样的成绩，归功于 PWA 的新技术和用户体验至上的设计原则：它通过 Service Worker 缓存文件，让页面可以离线，同时降低网络消耗；通过 Web Push 接受服务器推送的消息；采用 App Shell 的设计模型，配合 Service Worker 能让页面瞬间展现。</a:t>
             </a:r>
-            <a:endParaRPr lang="en-US" sz="1800"/>
           </a:p>
         </p:txBody>
       </p:sp>
@@ -4824,7 +5688,7 @@
           <p:nvPr/>
         </p:nvPicPr>
         <p:blipFill>
-          <a:blip r:embed="rId1"/>
+          <a:blip r:embed="rId2"/>
           <a:stretch>
             <a:fillRect/>
           </a:stretch>
@@ -4847,7 +5711,7 @@
 </p:sld>
 </file>
 
-<file path=ppt/slides/slide2.xml><?xml version="1.0" encoding="utf-8"?>
+<file path=ppt/slides/slide23.xml><?xml version="1.0" encoding="utf-8"?>
 <p:sld xmlns:a="http://schemas.openxmlformats.org/drawingml/2006/main" xmlns:r="http://schemas.openxmlformats.org/officeDocument/2006/relationships" xmlns:p="http://schemas.openxmlformats.org/presentationml/2006/main">
   <p:cSld>
     <p:spTree>
@@ -4856,7 +5720,14 @@
         <p:cNvGrpSpPr/>
         <p:nvPr/>
       </p:nvGrpSpPr>
-      <p:grpSpPr/>
+      <p:grpSpPr>
+        <a:xfrm>
+          <a:off x="0" y="0"/>
+          <a:ext cx="0" cy="0"/>
+          <a:chOff x="0" y="0"/>
+          <a:chExt cx="0" cy="0"/>
+        </a:xfrm>
+      </p:grpSpPr>
       <p:sp>
         <p:nvSpPr>
           <p:cNvPr id="2" name="Title 1"/>
@@ -4870,12 +5741,12 @@
         <p:spPr/>
         <p:txBody>
           <a:bodyPr/>
+          <a:lstStyle/>
           <a:p>
             <a:r>
               <a:rPr lang="zh-CN" altLang="en-US"/>
-              <a:t>历史简介</a:t>
-            </a:r>
-            <a:endParaRPr lang="zh-CN" altLang="en-US"/>
+              <a:t>参考</a:t>
+            </a:r>
           </a:p>
         </p:txBody>
       </p:sp>
@@ -4892,152 +5763,49 @@
         <p:spPr/>
         <p:txBody>
           <a:bodyPr/>
-          <a:p>
-            <a:pPr fontAlgn="auto">
-              <a:lnSpc>
-                <a:spcPct val="150000"/>
-              </a:lnSpc>
-            </a:pPr>
-            <a:r>
-              <a:rPr lang="en-US" sz="2000"/>
-              <a:t>PWA的中文名叫做渐进式网页应用，早在2014年， W3C 公布过 Service Worker 的相关草案，但是其在生产环境被 Chrome 支持是在 2015 年。因此，如果我们把 PWA 的关键技术之一 Service Worker 的出现作为 PWA 的诞生时间，那就应该是 2015 年。</a:t>
-            </a:r>
-            <a:endParaRPr lang="en-US" sz="2000"/>
-          </a:p>
-          <a:p>
-            <a:pPr fontAlgn="auto">
-              <a:lnSpc>
-                <a:spcPct val="150000"/>
-              </a:lnSpc>
-            </a:pPr>
-            <a:r>
-              <a:rPr lang="en-US" sz="2000"/>
-              <a:t>自 2015 年以来，PWA 相关的技术不断升级优化，在用户体验和用户留存两方面都提供了非常好的解决方案。PWA 可以将 Web 和 App 各自的优势融合在一起：渐进式、可响应、可离线、实现类似 App 的交互、即时更新、安全、可以被搜索引擎检索、可推送、可安装、可链接。</a:t>
-            </a:r>
-            <a:endParaRPr lang="en-US" sz="2000"/>
-          </a:p>
-          <a:p>
-            <a:pPr fontAlgn="auto">
-              <a:lnSpc>
-                <a:spcPct val="150000"/>
-              </a:lnSpc>
-            </a:pPr>
-            <a:r>
-              <a:rPr lang="en-US" sz="2000"/>
-              <a:t>需要特别说明的是，PWA 不是特指某一项技术，而是应用了多项技术的 Web App。其核心技术包括 App Manifest、Service Worker、Web Push，等等。</a:t>
-            </a:r>
-            <a:endParaRPr lang="en-US" sz="2000"/>
-          </a:p>
-        </p:txBody>
-      </p:sp>
-    </p:spTree>
-  </p:cSld>
-  <p:clrMapOvr>
-    <a:masterClrMapping/>
-  </p:clrMapOvr>
-</p:sld>
-</file>
-
-<file path=ppt/slides/slide20.xml><?xml version="1.0" encoding="utf-8"?>
-<p:sld xmlns:a="http://schemas.openxmlformats.org/drawingml/2006/main" xmlns:r="http://schemas.openxmlformats.org/officeDocument/2006/relationships" xmlns:p="http://schemas.openxmlformats.org/presentationml/2006/main">
-  <p:cSld>
-    <p:spTree>
-      <p:nvGrpSpPr>
-        <p:cNvPr id="1" name=""/>
-        <p:cNvGrpSpPr/>
-        <p:nvPr/>
-      </p:nvGrpSpPr>
-      <p:grpSpPr/>
-      <p:sp>
-        <p:nvSpPr>
-          <p:cNvPr id="2" name="Title 1"/>
-          <p:cNvSpPr>
-            <a:spLocks noGrp="1"/>
-          </p:cNvSpPr>
-          <p:nvPr>
-            <p:ph type="title"/>
-          </p:nvPr>
-        </p:nvSpPr>
-        <p:spPr/>
-        <p:txBody>
-          <a:bodyPr/>
-          <a:p>
-            <a:r>
-              <a:rPr lang="zh-CN" altLang="en-US"/>
-              <a:t>参考</a:t>
-            </a:r>
-            <a:endParaRPr lang="zh-CN" altLang="en-US"/>
-          </a:p>
-        </p:txBody>
-      </p:sp>
-      <p:sp>
-        <p:nvSpPr>
-          <p:cNvPr id="3" name="Content Placeholder 2"/>
-          <p:cNvSpPr>
-            <a:spLocks noGrp="1"/>
-          </p:cNvSpPr>
-          <p:nvPr>
-            <p:ph idx="1"/>
-          </p:nvPr>
-        </p:nvSpPr>
-        <p:spPr/>
-        <p:txBody>
-          <a:bodyPr/>
-          <a:p>
-            <a:endParaRPr lang="en-US">
+          <a:lstStyle/>
+          <a:p>
+            <a:endParaRPr lang="en-US" dirty="0">
               <a:sym typeface="+mn-ea"/>
             </a:endParaRPr>
           </a:p>
           <a:p>
             <a:r>
-              <a:rPr lang="en-US">
+              <a:rPr lang="en-US" dirty="0">
                 <a:sym typeface="+mn-ea"/>
               </a:rPr>
               <a:t>https://www.zhihu.com/question/46690207</a:t>
             </a:r>
-            <a:endParaRPr lang="en-US">
-              <a:sym typeface="+mn-ea"/>
-            </a:endParaRPr>
-          </a:p>
-          <a:p>
-            <a:r>
-              <a:rPr lang="en-US">
+          </a:p>
+          <a:p>
+            <a:r>
+              <a:rPr lang="en-US" dirty="0">
                 <a:sym typeface="+mn-ea"/>
               </a:rPr>
               <a:t>Web Fundamentals: https://developers.google.com/web/fundamentals/</a:t>
             </a:r>
-            <a:endParaRPr lang="en-US">
-              <a:sym typeface="+mn-ea"/>
-            </a:endParaRPr>
-          </a:p>
-          <a:p>
-            <a:r>
-              <a:rPr lang="en-US">
+          </a:p>
+          <a:p>
+            <a:r>
+              <a:rPr lang="en-US" dirty="0">
                 <a:sym typeface="+mn-ea"/>
               </a:rPr>
               <a:t>https://segmentfault.com/a/1190000008880637</a:t>
             </a:r>
-            <a:endParaRPr lang="en-US">
-              <a:sym typeface="+mn-ea"/>
-            </a:endParaRPr>
-          </a:p>
-          <a:p>
-            <a:r>
-              <a:rPr lang="en-US">
+          </a:p>
+          <a:p>
+            <a:r>
+              <a:rPr lang="en-US" dirty="0">
                 <a:sym typeface="+mn-ea"/>
               </a:rPr>
               <a:t>https://juejin.im/post/5a6c86e451882573505174e7</a:t>
             </a:r>
-            <a:endParaRPr lang="en-US">
-              <a:sym typeface="+mn-ea"/>
-            </a:endParaRPr>
-          </a:p>
-          <a:p>
-            <a:r>
-              <a:rPr lang="en-US"/>
+          </a:p>
+          <a:p>
+            <a:r>
+              <a:rPr lang="en-US" dirty="0"/>
               <a:t>https://loveky.github.io/2017/07/24/service-worker-101/</a:t>
             </a:r>
-            <a:endParaRPr lang="en-US"/>
           </a:p>
         </p:txBody>
       </p:sp>
@@ -5058,7 +5826,14 @@
         <p:cNvGrpSpPr/>
         <p:nvPr/>
       </p:nvGrpSpPr>
-      <p:grpSpPr/>
+      <p:grpSpPr>
+        <a:xfrm>
+          <a:off x="0" y="0"/>
+          <a:ext cx="0" cy="0"/>
+          <a:chOff x="0" y="0"/>
+          <a:chExt cx="0" cy="0"/>
+        </a:xfrm>
+      </p:grpSpPr>
       <p:sp>
         <p:nvSpPr>
           <p:cNvPr id="2" name="Title 1"/>
@@ -5072,12 +5847,12 @@
         <p:spPr/>
         <p:txBody>
           <a:bodyPr/>
+          <a:lstStyle/>
           <a:p>
             <a:r>
               <a:rPr lang="en-US"/>
               <a:t>为什么W3C和谷歌在推广这项技术</a:t>
             </a:r>
-            <a:endParaRPr lang="en-US"/>
           </a:p>
         </p:txBody>
       </p:sp>
@@ -5094,6 +5869,7 @@
         <p:spPr/>
         <p:txBody>
           <a:bodyPr/>
+          <a:lstStyle/>
           <a:p>
             <a:pPr fontAlgn="auto">
               <a:lnSpc>
@@ -5104,7 +5880,6 @@
               <a:rPr lang="en-US" sz="1400"/>
               <a:t>Native APP 用起来很流畅，但是也有其天然的基因缺陷：</a:t>
             </a:r>
-            <a:endParaRPr lang="en-US" sz="1400"/>
           </a:p>
           <a:p>
             <a:pPr lvl="1" fontAlgn="auto">
@@ -5116,7 +5891,6 @@
               <a:rPr lang="en-US" sz="1400"/>
               <a:t>由于其天生封闭的基因，内容无法被索引</a:t>
             </a:r>
-            <a:endParaRPr lang="en-US" sz="1400"/>
           </a:p>
           <a:p>
             <a:pPr lvl="1" fontAlgn="auto">
@@ -5128,7 +5902,6 @@
               <a:rPr lang="en-US" sz="1400"/>
               <a:t>用户 80% 的时间被 Top3 的超级 App 占据，对于站点来说，应用分发的性价比也越来越不划算</a:t>
             </a:r>
-            <a:endParaRPr lang="en-US" sz="1400"/>
           </a:p>
           <a:p>
             <a:pPr lvl="1" fontAlgn="auto">
@@ -5140,7 +5913,6 @@
               <a:rPr lang="en-US" sz="1400"/>
               <a:t>要使用它，首先还需要下载几十兆上百着兆的安装包</a:t>
             </a:r>
-            <a:endParaRPr lang="en-US" sz="1400"/>
           </a:p>
           <a:p>
             <a:pPr fontAlgn="auto">
@@ -5152,7 +5924,6 @@
               <a:rPr lang="en-US" sz="1400"/>
               <a:t>WEB前端虽然天生具有开放的基因，但是很多时候页面会卡顿，用户体验不佳。虽然社区之前也做过很多努力，例如virtual dom、spa、混合编程、用canvas将整个页面画出来，用户体验也有了很大的改善，但是仍然无法解决几个重要的问题：</a:t>
             </a:r>
-            <a:endParaRPr lang="en-US" sz="1400"/>
           </a:p>
           <a:p>
             <a:pPr lvl="1" fontAlgn="auto">
@@ -5164,7 +5935,6 @@
               <a:rPr lang="en-US" sz="1400"/>
               <a:t>离线时用户无法使用</a:t>
             </a:r>
-            <a:endParaRPr lang="en-US" sz="1400"/>
           </a:p>
           <a:p>
             <a:pPr lvl="1" fontAlgn="auto">
@@ -5176,7 +5946,6 @@
               <a:rPr lang="en-US" sz="1400"/>
               <a:t>无法接收消息推送</a:t>
             </a:r>
-            <a:endParaRPr lang="en-US" sz="1400"/>
           </a:p>
           <a:p>
             <a:pPr lvl="1" fontAlgn="auto">
@@ -5188,7 +5957,6 @@
               <a:rPr lang="en-US" sz="1400"/>
               <a:t>移动端没有一级入口</a:t>
             </a:r>
-            <a:endParaRPr lang="en-US" sz="1400"/>
           </a:p>
           <a:p>
             <a:pPr lvl="0" fontAlgn="auto">
@@ -5200,7 +5968,6 @@
               <a:rPr lang="en-US" sz="1400"/>
               <a:t>W3C和谷歌看到了这些问题，于是推出了PWA。</a:t>
             </a:r>
-            <a:endParaRPr lang="en-US" sz="1400"/>
           </a:p>
           <a:p>
             <a:pPr lvl="0" fontAlgn="auto">
@@ -5212,7 +5979,6 @@
               <a:rPr lang="x-none" altLang="en-US" sz="1400"/>
               <a:t>核心价值：Open（开放）与 Decentralized （去中心化）</a:t>
             </a:r>
-            <a:endParaRPr lang="x-none" altLang="en-US" sz="1400"/>
           </a:p>
         </p:txBody>
       </p:sp>
@@ -5233,7 +5999,14 @@
         <p:cNvGrpSpPr/>
         <p:nvPr/>
       </p:nvGrpSpPr>
-      <p:grpSpPr/>
+      <p:grpSpPr>
+        <a:xfrm>
+          <a:off x="0" y="0"/>
+          <a:ext cx="0" cy="0"/>
+          <a:chOff x="0" y="0"/>
+          <a:chExt cx="0" cy="0"/>
+        </a:xfrm>
+      </p:grpSpPr>
       <p:sp>
         <p:nvSpPr>
           <p:cNvPr id="2" name="Title 1"/>
@@ -5247,12 +6020,12 @@
         <p:spPr/>
         <p:txBody>
           <a:bodyPr/>
+          <a:lstStyle/>
           <a:p>
             <a:r>
               <a:rPr lang="en-US"/>
               <a:t>PWA的核心目标</a:t>
             </a:r>
-            <a:endParaRPr lang="en-US"/>
           </a:p>
         </p:txBody>
       </p:sp>
@@ -5269,12 +6042,12 @@
         <p:spPr/>
         <p:txBody>
           <a:bodyPr/>
+          <a:lstStyle/>
           <a:p>
             <a:r>
               <a:rPr lang="en-US"/>
               <a:t>PWA的核心目标就是提升 Web App 的性能，改善 Web App 的用户体验。媲美native的流畅体验，将网络之长与应用之长相结合。</a:t>
             </a:r>
-            <a:endParaRPr lang="en-US"/>
           </a:p>
         </p:txBody>
       </p:sp>
@@ -5295,7 +6068,14 @@
         <p:cNvGrpSpPr/>
         <p:nvPr/>
       </p:nvGrpSpPr>
-      <p:grpSpPr/>
+      <p:grpSpPr>
+        <a:xfrm>
+          <a:off x="0" y="0"/>
+          <a:ext cx="0" cy="0"/>
+          <a:chOff x="0" y="0"/>
+          <a:chExt cx="0" cy="0"/>
+        </a:xfrm>
+      </p:grpSpPr>
       <p:sp>
         <p:nvSpPr>
           <p:cNvPr id="2" name="Title 1"/>
@@ -5309,12 +6089,12 @@
         <p:spPr/>
         <p:txBody>
           <a:bodyPr/>
+          <a:lstStyle/>
           <a:p>
             <a:r>
               <a:rPr lang="en-US"/>
               <a:t>PWA的特点</a:t>
             </a:r>
-            <a:endParaRPr lang="en-US"/>
           </a:p>
         </p:txBody>
       </p:sp>
@@ -5322,14 +6102,14 @@
         <p:nvPicPr>
           <p:cNvPr id="4" name="Content Placeholder 3"/>
           <p:cNvPicPr>
-            <a:picLocks noChangeAspect="1"/>
+            <a:picLocks noGrp="1" noChangeAspect="1"/>
           </p:cNvPicPr>
           <p:nvPr>
             <p:ph idx="1"/>
           </p:nvPr>
         </p:nvPicPr>
         <p:blipFill>
-          <a:blip r:embed="rId1"/>
+          <a:blip r:embed="rId2"/>
           <a:stretch>
             <a:fillRect/>
           </a:stretch>
@@ -5361,7 +6141,126 @@
         <p:cNvGrpSpPr/>
         <p:nvPr/>
       </p:nvGrpSpPr>
-      <p:grpSpPr/>
+      <p:grpSpPr>
+        <a:xfrm>
+          <a:off x="0" y="0"/>
+          <a:ext cx="0" cy="0"/>
+          <a:chOff x="0" y="0"/>
+          <a:chExt cx="0" cy="0"/>
+        </a:xfrm>
+      </p:grpSpPr>
+      <p:sp>
+        <p:nvSpPr>
+          <p:cNvPr id="2" name="Title 1">
+            <a:extLst>
+              <a:ext uri="{FF2B5EF4-FFF2-40B4-BE49-F238E27FC236}">
+                <a16:creationId xmlns:a16="http://schemas.microsoft.com/office/drawing/2014/main" id="{DF17101E-E569-4DD7-A72C-EE67DBB65B9D}"/>
+              </a:ext>
+            </a:extLst>
+          </p:cNvPr>
+          <p:cNvSpPr>
+            <a:spLocks noGrp="1"/>
+          </p:cNvSpPr>
+          <p:nvPr>
+            <p:ph type="title"/>
+          </p:nvPr>
+        </p:nvSpPr>
+        <p:spPr/>
+        <p:txBody>
+          <a:bodyPr/>
+          <a:lstStyle/>
+          <a:p>
+            <a:r>
+              <a:rPr lang="en-US" dirty="0"/>
+              <a:t>PWA</a:t>
+            </a:r>
+            <a:r>
+              <a:rPr lang="zh-CN" altLang="en-US" dirty="0"/>
+              <a:t>核心技术</a:t>
+            </a:r>
+            <a:endParaRPr lang="en-US" dirty="0"/>
+          </a:p>
+        </p:txBody>
+      </p:sp>
+      <p:pic>
+        <p:nvPicPr>
+          <p:cNvPr id="1026" name="Picture 2" descr="PWA (1).png-5.7kB">
+            <a:extLst>
+              <a:ext uri="{FF2B5EF4-FFF2-40B4-BE49-F238E27FC236}">
+                <a16:creationId xmlns:a16="http://schemas.microsoft.com/office/drawing/2014/main" id="{2A9FD54B-071A-4DF1-9646-9317A2CCF9CA}"/>
+              </a:ext>
+            </a:extLst>
+          </p:cNvPr>
+          <p:cNvPicPr>
+            <a:picLocks noGrp="1" noChangeAspect="1" noChangeArrowheads="1"/>
+          </p:cNvPicPr>
+          <p:nvPr>
+            <p:ph idx="1"/>
+          </p:nvPr>
+        </p:nvPicPr>
+        <p:blipFill>
+          <a:blip r:embed="rId3">
+            <a:extLst>
+              <a:ext uri="{28A0092B-C50C-407E-A947-70E740481C1C}">
+                <a14:useLocalDpi xmlns:a14="http://schemas.microsoft.com/office/drawing/2010/main" val="0"/>
+              </a:ext>
+            </a:extLst>
+          </a:blip>
+          <a:srcRect/>
+          <a:stretch>
+            <a:fillRect/>
+          </a:stretch>
+        </p:blipFill>
+        <p:spPr bwMode="auto">
+          <a:xfrm>
+            <a:off x="1000125" y="2219325"/>
+            <a:ext cx="8496300" cy="3638549"/>
+          </a:xfrm>
+          <a:prstGeom prst="rect">
+            <a:avLst/>
+          </a:prstGeom>
+          <a:noFill/>
+          <a:extLst>
+            <a:ext uri="{909E8E84-426E-40DD-AFC4-6F175D3DCCD1}">
+              <a14:hiddenFill xmlns:a14="http://schemas.microsoft.com/office/drawing/2010/main">
+                <a:solidFill>
+                  <a:srgbClr val="FFFFFF"/>
+                </a:solidFill>
+              </a14:hiddenFill>
+            </a:ext>
+          </a:extLst>
+        </p:spPr>
+      </p:pic>
+    </p:spTree>
+    <p:extLst>
+      <p:ext uri="{BB962C8B-B14F-4D97-AF65-F5344CB8AC3E}">
+        <p14:creationId xmlns:p14="http://schemas.microsoft.com/office/powerpoint/2010/main" val="981969118"/>
+      </p:ext>
+    </p:extLst>
+  </p:cSld>
+  <p:clrMapOvr>
+    <a:masterClrMapping/>
+  </p:clrMapOvr>
+</p:sld>
+</file>
+
+<file path=ppt/slides/slide7.xml><?xml version="1.0" encoding="utf-8"?>
+<p:sld xmlns:a="http://schemas.openxmlformats.org/drawingml/2006/main" xmlns:r="http://schemas.openxmlformats.org/officeDocument/2006/relationships" xmlns:p="http://schemas.openxmlformats.org/presentationml/2006/main">
+  <p:cSld>
+    <p:spTree>
+      <p:nvGrpSpPr>
+        <p:cNvPr id="1" name=""/>
+        <p:cNvGrpSpPr/>
+        <p:nvPr/>
+      </p:nvGrpSpPr>
+      <p:grpSpPr>
+        <a:xfrm>
+          <a:off x="0" y="0"/>
+          <a:ext cx="0" cy="0"/>
+          <a:chOff x="0" y="0"/>
+          <a:chExt cx="0" cy="0"/>
+        </a:xfrm>
+      </p:grpSpPr>
       <p:sp>
         <p:nvSpPr>
           <p:cNvPr id="2" name="Title 1"/>
@@ -5375,12 +6274,12 @@
         <p:spPr/>
         <p:txBody>
           <a:bodyPr/>
+          <a:lstStyle/>
           <a:p>
             <a:r>
               <a:rPr lang="zh-CN" altLang="en-US"/>
               <a:t>如何实现可安装</a:t>
             </a:r>
-            <a:endParaRPr lang="zh-CN" altLang="en-US"/>
           </a:p>
         </p:txBody>
       </p:sp>
@@ -5402,6 +6301,7 @@
         </p:spPr>
         <p:txBody>
           <a:bodyPr/>
+          <a:lstStyle/>
           <a:p>
             <a:pPr fontAlgn="auto">
               <a:lnSpc>
@@ -5436,7 +6336,6 @@
               <a:rPr lang="en-US" sz="1400"/>
               <a:t>start_url 可以设置启动网址</a:t>
             </a:r>
-            <a:endParaRPr lang="en-US" sz="1400"/>
           </a:p>
           <a:p>
             <a:pPr lvl="1" fontAlgn="auto">
@@ -5448,7 +6347,6 @@
               <a:rPr lang="en-US" sz="1400"/>
               <a:t>icons 会帮我萌设置各个分辨率下页面的图标</a:t>
             </a:r>
-            <a:endParaRPr lang="en-US" sz="1400"/>
           </a:p>
           <a:p>
             <a:pPr lvl="1" fontAlgn="auto">
@@ -5460,7 +6358,6 @@
               <a:rPr lang="en-US" sz="1400"/>
               <a:t>background_color 会设置背景颜色， Chrome 在网络应用启动后会立即使用此颜色，这一颜色将保留在屏幕上，直至网络应用首次呈现为止。</a:t>
             </a:r>
-            <a:endParaRPr lang="en-US" sz="1400"/>
           </a:p>
           <a:p>
             <a:pPr lvl="1" fontAlgn="auto">
@@ -5472,7 +6369,6 @@
               <a:rPr lang="en-US" sz="1400"/>
               <a:t>theme_color 会设置主题颜色</a:t>
             </a:r>
-            <a:endParaRPr lang="en-US" sz="1400"/>
           </a:p>
           <a:p>
             <a:pPr lvl="1" fontAlgn="auto">
@@ -5497,7 +6393,7 @@
           <p:nvPr/>
         </p:nvPicPr>
         <p:blipFill>
-          <a:blip r:embed="rId1"/>
+          <a:blip r:embed="rId2"/>
           <a:stretch>
             <a:fillRect/>
           </a:stretch>
@@ -5520,7 +6416,7 @@
 </p:sld>
 </file>
 
-<file path=ppt/slides/slide7.xml><?xml version="1.0" encoding="utf-8"?>
+<file path=ppt/slides/slide8.xml><?xml version="1.0" encoding="utf-8"?>
 <p:sld xmlns:a="http://schemas.openxmlformats.org/drawingml/2006/main" xmlns:r="http://schemas.openxmlformats.org/officeDocument/2006/relationships" xmlns:p="http://schemas.openxmlformats.org/presentationml/2006/main">
   <p:cSld>
     <p:spTree>
@@ -5529,7 +6425,14 @@
         <p:cNvGrpSpPr/>
         <p:nvPr/>
       </p:nvGrpSpPr>
-      <p:grpSpPr/>
+      <p:grpSpPr>
+        <a:xfrm>
+          <a:off x="0" y="0"/>
+          <a:ext cx="0" cy="0"/>
+          <a:chOff x="0" y="0"/>
+          <a:chExt cx="0" cy="0"/>
+        </a:xfrm>
+      </p:grpSpPr>
       <p:sp>
         <p:nvSpPr>
           <p:cNvPr id="2" name="Title 1"/>
@@ -5543,12 +6446,12 @@
         <p:spPr/>
         <p:txBody>
           <a:bodyPr/>
+          <a:lstStyle/>
           <a:p>
             <a:r>
               <a:rPr lang="zh-CN" altLang="en-US"/>
               <a:t>实例：豆瓣网</a:t>
             </a:r>
-            <a:endParaRPr lang="zh-CN" altLang="en-US"/>
           </a:p>
         </p:txBody>
       </p:sp>
@@ -5556,14 +6459,14 @@
         <p:nvPicPr>
           <p:cNvPr id="4" name="Content Placeholder 3"/>
           <p:cNvPicPr>
-            <a:picLocks noChangeAspect="1"/>
+            <a:picLocks noGrp="1" noChangeAspect="1"/>
           </p:cNvPicPr>
           <p:nvPr>
             <p:ph idx="1"/>
           </p:nvPr>
         </p:nvPicPr>
         <p:blipFill>
-          <a:blip r:embed="rId1"/>
+          <a:blip r:embed="rId2"/>
           <a:stretch>
             <a:fillRect/>
           </a:stretch>
@@ -5587,7 +6490,7 @@
           <p:nvPr/>
         </p:nvPicPr>
         <p:blipFill>
-          <a:blip r:embed="rId2"/>
+          <a:blip r:embed="rId3"/>
           <a:stretch>
             <a:fillRect/>
           </a:stretch>
@@ -5611,7 +6514,7 @@
           <p:nvPr/>
         </p:nvPicPr>
         <p:blipFill>
-          <a:blip r:embed="rId3"/>
+          <a:blip r:embed="rId4"/>
           <a:stretch>
             <a:fillRect/>
           </a:stretch>
@@ -5620,112 +6523,6 @@
           <a:xfrm>
             <a:off x="8117205" y="1805940"/>
             <a:ext cx="2825115" cy="4351655"/>
-          </a:xfrm>
-          <a:prstGeom prst="rect">
-            <a:avLst/>
-          </a:prstGeom>
-        </p:spPr>
-      </p:pic>
-    </p:spTree>
-  </p:cSld>
-  <p:clrMapOvr>
-    <a:masterClrMapping/>
-  </p:clrMapOvr>
-</p:sld>
-</file>
-
-<file path=ppt/slides/slide8.xml><?xml version="1.0" encoding="utf-8"?>
-<p:sld xmlns:a="http://schemas.openxmlformats.org/drawingml/2006/main" xmlns:r="http://schemas.openxmlformats.org/officeDocument/2006/relationships" xmlns:p="http://schemas.openxmlformats.org/presentationml/2006/main">
-  <p:cSld>
-    <p:spTree>
-      <p:nvGrpSpPr>
-        <p:cNvPr id="1" name=""/>
-        <p:cNvGrpSpPr/>
-        <p:nvPr/>
-      </p:nvGrpSpPr>
-      <p:grpSpPr/>
-      <p:sp>
-        <p:nvSpPr>
-          <p:cNvPr id="2" name="Title 1"/>
-          <p:cNvSpPr>
-            <a:spLocks noGrp="1"/>
-          </p:cNvSpPr>
-          <p:nvPr>
-            <p:ph type="title"/>
-          </p:nvPr>
-        </p:nvSpPr>
-        <p:spPr/>
-        <p:txBody>
-          <a:bodyPr/>
-          <a:p>
-            <a:r>
-              <a:rPr lang="en-US"/>
-              <a:t>离线使用</a:t>
-            </a:r>
-            <a:endParaRPr lang="en-US"/>
-          </a:p>
-        </p:txBody>
-      </p:sp>
-      <p:sp>
-        <p:nvSpPr>
-          <p:cNvPr id="3" name="Content Placeholder 2"/>
-          <p:cNvSpPr>
-            <a:spLocks noGrp="1"/>
-          </p:cNvSpPr>
-          <p:nvPr>
-            <p:ph idx="1"/>
-          </p:nvPr>
-        </p:nvSpPr>
-        <p:spPr>
-          <a:xfrm>
-            <a:off x="838200" y="1825625"/>
-            <a:ext cx="10515600" cy="2237740"/>
-          </a:xfrm>
-        </p:spPr>
-        <p:txBody>
-          <a:bodyPr/>
-          <a:p>
-            <a:r>
-              <a:rPr lang="en-US" sz="2000"/>
-              <a:t>PWA 另一项令人兴奋的特性就是可以离线使用,其背后用到的技术是 Service Worker</a:t>
-            </a:r>
-            <a:r>
-              <a:rPr lang="zh-CN" altLang="en-US" sz="2000"/>
-              <a:t>。</a:t>
-            </a:r>
-            <a:r>
-              <a:rPr lang="en-US" sz="2000"/>
-              <a:t>Service Worker实际上是一段脚本，在后台运行。作为一个独立的线程，运行环境与普通脚本不同，所以不能直接参与 Web 交互行为。Service Worker 的出现是正是为了使得 Web App 也可以做到像 Native App 那样可以离线使用、消息推送的功能。可以把Service Worker当做是一种客户端代理，让你可以控制页面请求的处理方式。</a:t>
-            </a:r>
-            <a:endParaRPr lang="en-US" sz="2000"/>
-          </a:p>
-          <a:p>
-            <a:r>
-              <a:rPr lang="en-US" sz="2000"/>
-              <a:t>Service Worker 也有生命周期</a:t>
-            </a:r>
-            <a:endParaRPr lang="en-US" sz="2000"/>
-          </a:p>
-        </p:txBody>
-      </p:sp>
-      <p:pic>
-        <p:nvPicPr>
-          <p:cNvPr id="4" name="Picture 3"/>
-          <p:cNvPicPr>
-            <a:picLocks noChangeAspect="1"/>
-          </p:cNvPicPr>
-          <p:nvPr/>
-        </p:nvPicPr>
-        <p:blipFill>
-          <a:blip r:embed="rId1"/>
-          <a:stretch>
-            <a:fillRect/>
-          </a:stretch>
-        </p:blipFill>
-        <p:spPr>
-          <a:xfrm>
-            <a:off x="838200" y="3952875"/>
-            <a:ext cx="10514965" cy="2682240"/>
           </a:xfrm>
           <a:prstGeom prst="rect">
             <a:avLst/>
@@ -5749,10 +6546,23 @@
         <p:cNvGrpSpPr/>
         <p:nvPr/>
       </p:nvGrpSpPr>
-      <p:grpSpPr/>
-      <p:sp>
-        <p:nvSpPr>
-          <p:cNvPr id="2" name="Title 1"/>
+      <p:grpSpPr>
+        <a:xfrm>
+          <a:off x="0" y="0"/>
+          <a:ext cx="0" cy="0"/>
+          <a:chOff x="0" y="0"/>
+          <a:chExt cx="0" cy="0"/>
+        </a:xfrm>
+      </p:grpSpPr>
+      <p:sp>
+        <p:nvSpPr>
+          <p:cNvPr id="2" name="Title 1">
+            <a:extLst>
+              <a:ext uri="{FF2B5EF4-FFF2-40B4-BE49-F238E27FC236}">
+                <a16:creationId xmlns:a16="http://schemas.microsoft.com/office/drawing/2014/main" id="{F0EC569B-0B13-47A1-8387-77940F1E13AC}"/>
+              </a:ext>
+            </a:extLst>
+          </p:cNvPr>
           <p:cNvSpPr>
             <a:spLocks noGrp="1"/>
           </p:cNvSpPr>
@@ -5763,141 +6573,232 @@
         <p:spPr/>
         <p:txBody>
           <a:bodyPr/>
-          <a:p>
-            <a:r>
-              <a:rPr lang="en-US"/>
-              <a:t>Service Worker</a:t>
-            </a:r>
-            <a:r>
-              <a:rPr lang="zh-CN" altLang="en-US"/>
-              <a:t>生命周期详细说明</a:t>
-            </a:r>
-            <a:endParaRPr lang="zh-CN" altLang="en-US"/>
+          <a:lstStyle/>
+          <a:p>
+            <a:r>
+              <a:rPr lang="zh-CN" altLang="en-US" dirty="0"/>
+              <a:t>响应式开发</a:t>
+            </a:r>
+            <a:endParaRPr lang="en-US" dirty="0"/>
+          </a:p>
+        </p:txBody>
+      </p:sp>
+      <p:sp>
+        <p:nvSpPr>
+          <p:cNvPr id="3" name="Content Placeholder 2">
+            <a:extLst>
+              <a:ext uri="{FF2B5EF4-FFF2-40B4-BE49-F238E27FC236}">
+                <a16:creationId xmlns:a16="http://schemas.microsoft.com/office/drawing/2014/main" id="{F356ED43-6FBA-467F-A766-6D0B21064240}"/>
+              </a:ext>
+            </a:extLst>
+          </p:cNvPr>
+          <p:cNvSpPr>
+            <a:spLocks noGrp="1"/>
+          </p:cNvSpPr>
+          <p:nvPr>
+            <p:ph idx="1"/>
+          </p:nvPr>
+        </p:nvSpPr>
+        <p:spPr>
+          <a:xfrm>
+            <a:off x="838200" y="1825625"/>
+            <a:ext cx="7604464" cy="4351338"/>
+          </a:xfrm>
+        </p:spPr>
+        <p:txBody>
+          <a:bodyPr/>
+          <a:lstStyle/>
+          <a:p>
+            <a:r>
+              <a:rPr lang="zh-CN" altLang="en-US" sz="1600" dirty="0"/>
+              <a:t>响应式的目的就是让一个网站尽可能的适配所有大小的网页。当然，响应式开发所用到的技术也是非常之多，不过，主要的还是 </a:t>
+            </a:r>
+            <a:r>
+              <a:rPr lang="en-US" altLang="zh-CN" sz="1600" dirty="0"/>
+              <a:t>CSS </a:t>
+            </a:r>
+            <a:r>
+              <a:rPr lang="zh-CN" altLang="en-US" sz="1600" dirty="0"/>
+              <a:t>。</a:t>
+            </a:r>
+            <a:endParaRPr lang="en-US" altLang="zh-CN" sz="1600" dirty="0"/>
+          </a:p>
+          <a:p>
+            <a:r>
+              <a:rPr lang="en-US" sz="1600" dirty="0"/>
+              <a:t>meta </a:t>
+            </a:r>
+            <a:r>
+              <a:rPr lang="zh-CN" altLang="en-US" sz="1600" dirty="0"/>
+              <a:t>标签</a:t>
+            </a:r>
+            <a:endParaRPr lang="en-US" altLang="zh-CN" sz="1600" dirty="0"/>
+          </a:p>
+          <a:p>
+            <a:pPr lvl="1"/>
+            <a:r>
+              <a:rPr lang="en-US" sz="1600" dirty="0"/>
+              <a:t>&lt;meta name="viewport" content="width=device-width, initial-scale=1, maximum-scale=1, user-scalable=no" /&gt;</a:t>
+            </a:r>
+          </a:p>
+          <a:p>
+            <a:r>
+              <a:rPr lang="en-US" sz="1600" dirty="0"/>
+              <a:t>media query</a:t>
+            </a:r>
+          </a:p>
+          <a:p>
+            <a:pPr lvl="1"/>
+            <a:r>
+              <a:rPr lang="zh-CN" altLang="en-US" sz="1600" dirty="0"/>
+              <a:t>基本属性</a:t>
+            </a:r>
+            <a:r>
+              <a:rPr lang="en-US" altLang="zh-CN" sz="1600" dirty="0"/>
+              <a:t>: </a:t>
+            </a:r>
+            <a:r>
+              <a:rPr lang="en-US" sz="1600" dirty="0"/>
+              <a:t>width, height, device-ratio, orientation, resolution</a:t>
+            </a:r>
+          </a:p>
+          <a:p>
+            <a:pPr lvl="1"/>
+            <a:r>
+              <a:rPr lang="zh-CN" altLang="en-US" sz="1600" dirty="0"/>
+              <a:t>逻辑处理</a:t>
+            </a:r>
+            <a:endParaRPr lang="en-US" altLang="zh-CN" sz="1600" dirty="0"/>
+          </a:p>
+          <a:p>
+            <a:pPr lvl="1"/>
+            <a:r>
+              <a:rPr lang="zh-CN" altLang="en-US" sz="1600" dirty="0"/>
+              <a:t>资源文件</a:t>
+            </a:r>
+            <a:r>
+              <a:rPr lang="en-US" altLang="zh-CN" sz="1600" dirty="0"/>
+              <a:t> </a:t>
+            </a:r>
+          </a:p>
+          <a:p>
+            <a:r>
+              <a:rPr lang="en-US" altLang="zh-CN" sz="1600" dirty="0"/>
+              <a:t>flex</a:t>
+            </a:r>
+            <a:r>
+              <a:rPr lang="zh-CN" altLang="en-US" sz="1600" dirty="0"/>
+              <a:t>布局</a:t>
+            </a:r>
+            <a:endParaRPr lang="en-US" altLang="zh-CN" sz="1600" dirty="0"/>
+          </a:p>
+          <a:p>
+            <a:pPr lvl="1"/>
+            <a:r>
+              <a:rPr lang="zh-CN" altLang="en-US" sz="1600" dirty="0"/>
+              <a:t>容器属性</a:t>
+            </a:r>
+            <a:endParaRPr lang="en-US" altLang="zh-CN" sz="1600" dirty="0"/>
+          </a:p>
+          <a:p>
+            <a:pPr lvl="1"/>
+            <a:r>
+              <a:rPr lang="en-US" altLang="zh-CN" sz="1600" dirty="0"/>
+              <a:t>item</a:t>
+            </a:r>
+            <a:r>
+              <a:rPr lang="zh-CN" altLang="en-US" sz="1600" dirty="0"/>
+              <a:t>属性</a:t>
+            </a:r>
+            <a:endParaRPr lang="en-US" altLang="zh-CN" sz="1600" dirty="0"/>
+          </a:p>
+          <a:p>
+            <a:r>
+              <a:rPr lang="en-US" sz="1600" dirty="0"/>
+              <a:t>rem </a:t>
+            </a:r>
+            <a:r>
+              <a:rPr lang="en-US" sz="1600" dirty="0" err="1"/>
+              <a:t>vh</a:t>
+            </a:r>
+            <a:r>
+              <a:rPr lang="en-US" sz="1600" dirty="0"/>
+              <a:t> </a:t>
+            </a:r>
+            <a:r>
+              <a:rPr lang="en-US" sz="1600" dirty="0" err="1"/>
+              <a:t>vw</a:t>
+            </a:r>
+            <a:r>
+              <a:rPr lang="en-US" sz="1600" dirty="0"/>
+              <a:t> </a:t>
+            </a:r>
+            <a:r>
+              <a:rPr lang="zh-CN" altLang="en-US" sz="1600" dirty="0"/>
+              <a:t>响应式</a:t>
+            </a:r>
+          </a:p>
+          <a:p>
+            <a:pPr marL="457200" lvl="1" indent="0">
+              <a:buNone/>
+            </a:pPr>
+            <a:endParaRPr lang="en-US" sz="1600" dirty="0"/>
           </a:p>
         </p:txBody>
       </p:sp>
       <p:pic>
         <p:nvPicPr>
-          <p:cNvPr id="4" name="Content Placeholder 3"/>
+          <p:cNvPr id="2050" name="Picture 2" descr="iphonescale.jpg-88.2kB">
+            <a:extLst>
+              <a:ext uri="{FF2B5EF4-FFF2-40B4-BE49-F238E27FC236}">
+                <a16:creationId xmlns:a16="http://schemas.microsoft.com/office/drawing/2014/main" id="{80C008CD-EFBC-44B0-8DBA-6CEE99061A76}"/>
+              </a:ext>
+            </a:extLst>
+          </p:cNvPr>
           <p:cNvPicPr>
-            <a:picLocks noChangeAspect="1"/>
+            <a:picLocks noChangeAspect="1" noChangeArrowheads="1"/>
           </p:cNvPicPr>
-          <p:nvPr>
-            <p:ph idx="1"/>
-          </p:nvPr>
+          <p:nvPr/>
         </p:nvPicPr>
         <p:blipFill>
-          <a:blip r:embed="rId1"/>
+          <a:blip r:embed="rId2">
+            <a:extLst>
+              <a:ext uri="{28A0092B-C50C-407E-A947-70E740481C1C}">
+                <a14:useLocalDpi xmlns:a14="http://schemas.microsoft.com/office/drawing/2010/main" val="0"/>
+              </a:ext>
+            </a:extLst>
+          </a:blip>
+          <a:srcRect/>
           <a:stretch>
             <a:fillRect/>
           </a:stretch>
         </p:blipFill>
-        <p:spPr>
+        <p:spPr bwMode="auto">
           <a:xfrm>
-            <a:off x="838200" y="1454785"/>
-            <a:ext cx="3837305" cy="4782820"/>
-          </a:xfrm>
-          <a:prstGeom prst="rect">
-            <a:avLst/>
-          </a:prstGeom>
-        </p:spPr>
-      </p:pic>
-      <p:sp>
-        <p:nvSpPr>
-          <p:cNvPr id="5" name="Text Box 4"/>
-          <p:cNvSpPr txBox="1"/>
-          <p:nvPr/>
-        </p:nvSpPr>
-        <p:spPr>
-          <a:xfrm>
-            <a:off x="5217160" y="1691005"/>
-            <a:ext cx="6136640" cy="4246245"/>
+            <a:off x="8705018" y="1825625"/>
+            <a:ext cx="3219450" cy="2000250"/>
           </a:xfrm>
           <a:prstGeom prst="rect">
             <a:avLst/>
           </a:prstGeom>
           <a:noFill/>
+          <a:extLst>
+            <a:ext uri="{909E8E84-426E-40DD-AFC4-6F175D3DCCD1}">
+              <a14:hiddenFill xmlns:a14="http://schemas.microsoft.com/office/drawing/2010/main">
+                <a:solidFill>
+                  <a:srgbClr val="FFFFFF"/>
+                </a:solidFill>
+              </a14:hiddenFill>
+            </a:ext>
+          </a:extLst>
         </p:spPr>
-        <p:txBody>
-          <a:bodyPr wrap="square" rtlCol="0" anchor="t">
-            <a:spAutoFit/>
-          </a:bodyPr>
-          <a:p>
-            <a:r>
-              <a:rPr lang="en-US"/>
-              <a:t>Service Worker 的生命周期与页面的生命周期是完全独立的。</a:t>
-            </a:r>
-            <a:endParaRPr lang="en-US"/>
-          </a:p>
-          <a:p>
-            <a:r>
-              <a:rPr lang="en-US"/>
-              <a:t>Service Worker 的几个基本知识点</a:t>
-            </a:r>
-            <a:r>
-              <a:rPr lang="zh-CN" altLang="en-US"/>
-              <a:t>：</a:t>
-            </a:r>
-            <a:endParaRPr lang="en-US"/>
-          </a:p>
-          <a:p>
-            <a:pPr marL="285750" indent="-285750">
-              <a:buFont typeface="Arial" charset="0"/>
-              <a:buChar char="•"/>
-            </a:pPr>
-            <a:r>
-              <a:rPr lang="en-US"/>
-              <a:t>它是一个可编程的网络代理，让你可以控制页面请求的处理方式。</a:t>
-            </a:r>
-            <a:endParaRPr lang="en-US"/>
-          </a:p>
-          <a:p>
-            <a:pPr marL="285750" indent="-285750">
-              <a:buFont typeface="Arial" charset="0"/>
-              <a:buChar char="•"/>
-            </a:pPr>
-            <a:r>
-              <a:rPr lang="en-US"/>
-              <a:t>它是一个 JavaScript Worker，因此它无法直接操作 DOM。但可以通过 postMessage 接口与页面通信。同时，service worker 中的代码不会阻塞页面响应。</a:t>
-            </a:r>
-            <a:endParaRPr lang="en-US"/>
-          </a:p>
-          <a:p>
-            <a:pPr marL="285750" indent="-285750">
-              <a:buFont typeface="Arial" charset="0"/>
-              <a:buChar char="•"/>
-            </a:pPr>
-            <a:r>
-              <a:rPr lang="en-US"/>
-              <a:t>它在闲置时被终止，在需要时被启动。并不是常驻内存。因此你不能在 onfetch 或是 onmessage 回调中依赖全局状态。</a:t>
-            </a:r>
-            <a:endParaRPr lang="en-US"/>
-          </a:p>
-          <a:p>
-            <a:pPr marL="285750" indent="-285750">
-              <a:buFont typeface="Arial" charset="0"/>
-              <a:buChar char="•"/>
-            </a:pPr>
-            <a:r>
-              <a:rPr lang="en-US"/>
-              <a:t>被设计成完全异步。因此在 service worker 中无法使用同步 API （例如同步 XHR，localStorage等）。接口重度依赖于 promise。</a:t>
-            </a:r>
-            <a:endParaRPr lang="en-US"/>
-          </a:p>
-          <a:p>
-            <a:pPr marL="285750" indent="-285750">
-              <a:buFont typeface="Arial" charset="0"/>
-              <a:buChar char="•"/>
-            </a:pPr>
-            <a:r>
-              <a:rPr lang="en-US"/>
-              <a:t>只能在 HTTPS 页面加载（唯一的例外：localhost/127.0.0.1，方便调试）。</a:t>
-            </a:r>
-            <a:endParaRPr lang="en-US"/>
-          </a:p>
-        </p:txBody>
-      </p:sp>
+      </p:pic>
     </p:spTree>
+    <p:extLst>
+      <p:ext uri="{BB962C8B-B14F-4D97-AF65-F5344CB8AC3E}">
+        <p14:creationId xmlns:p14="http://schemas.microsoft.com/office/powerpoint/2010/main" val="1694938156"/>
+      </p:ext>
+    </p:extLst>
   </p:cSld>
   <p:clrMapOvr>
     <a:masterClrMapping/>
